--- a/JavaScript vs C#.pptx
+++ b/JavaScript vs C#.pptx
@@ -5,7 +5,7 @@
     <p:sldMasterId id="2147483660" r:id="rId1"/>
   </p:sldMasterIdLst>
   <p:notesMasterIdLst>
-    <p:notesMasterId r:id="rId43"/>
+    <p:notesMasterId r:id="rId44"/>
   </p:notesMasterIdLst>
   <p:sldIdLst>
     <p:sldId id="302" r:id="rId2"/>
@@ -35,20 +35,21 @@
     <p:sldId id="300" r:id="rId26"/>
     <p:sldId id="273" r:id="rId27"/>
     <p:sldId id="296" r:id="rId28"/>
-    <p:sldId id="295" r:id="rId29"/>
-    <p:sldId id="277" r:id="rId30"/>
-    <p:sldId id="275" r:id="rId31"/>
-    <p:sldId id="297" r:id="rId32"/>
-    <p:sldId id="279" r:id="rId33"/>
-    <p:sldId id="287" r:id="rId34"/>
-    <p:sldId id="288" r:id="rId35"/>
-    <p:sldId id="301" r:id="rId36"/>
-    <p:sldId id="280" r:id="rId37"/>
-    <p:sldId id="281" r:id="rId38"/>
-    <p:sldId id="283" r:id="rId39"/>
-    <p:sldId id="284" r:id="rId40"/>
-    <p:sldId id="285" r:id="rId41"/>
-    <p:sldId id="286" r:id="rId42"/>
+    <p:sldId id="303" r:id="rId29"/>
+    <p:sldId id="295" r:id="rId30"/>
+    <p:sldId id="277" r:id="rId31"/>
+    <p:sldId id="275" r:id="rId32"/>
+    <p:sldId id="297" r:id="rId33"/>
+    <p:sldId id="279" r:id="rId34"/>
+    <p:sldId id="287" r:id="rId35"/>
+    <p:sldId id="288" r:id="rId36"/>
+    <p:sldId id="301" r:id="rId37"/>
+    <p:sldId id="280" r:id="rId38"/>
+    <p:sldId id="281" r:id="rId39"/>
+    <p:sldId id="283" r:id="rId40"/>
+    <p:sldId id="284" r:id="rId41"/>
+    <p:sldId id="285" r:id="rId42"/>
+    <p:sldId id="286" r:id="rId43"/>
   </p:sldIdLst>
   <p:sldSz cx="9144000" cy="6858000" type="screen4x3"/>
   <p:notesSz cx="6858000" cy="9144000"/>
@@ -248,7 +249,7 @@
           <a:p>
             <a:fld id="{0D3DBD02-38A5-423C-9541-E3CADDB98CEB}" type="datetimeFigureOut">
               <a:rPr lang="ru-RU" smtClean="0"/>
-              <a:t>29.04.2015</a:t>
+              <a:t>01.05.2015</a:t>
             </a:fld>
             <a:endParaRPr lang="ru-RU"/>
           </a:p>
@@ -721,6 +722,14 @@
           <a:bodyPr/>
           <a:lstStyle/>
           <a:p>
+            <a:r>
+              <a:rPr lang="ru-RU" dirty="0" smtClean="0"/>
+              <a:t>Анонимные</a:t>
+            </a:r>
+            <a:r>
+              <a:rPr lang="ru-RU" baseline="0" dirty="0" smtClean="0"/>
+              <a:t> функции – аналог  анонимных делегатов, или лямбда-выражений</a:t>
+            </a:r>
             <a:endParaRPr lang="ru-RU" dirty="0"/>
           </a:p>
         </p:txBody>
@@ -742,7 +751,7 @@
           <a:p>
             <a:fld id="{6902A882-9F74-45E9-902A-B7072A705BC8}" type="slidenum">
               <a:rPr lang="ru-RU" smtClean="0"/>
-              <a:t>14</a:t>
+              <a:t>13</a:t>
             </a:fld>
             <a:endParaRPr lang="ru-RU"/>
           </a:p>
@@ -751,7 +760,7 @@
     </p:spTree>
     <p:extLst>
       <p:ext uri="{BB962C8B-B14F-4D97-AF65-F5344CB8AC3E}">
-        <p14:creationId xmlns:p14="http://schemas.microsoft.com/office/powerpoint/2010/main" val="852546707"/>
+        <p14:creationId xmlns:p14="http://schemas.microsoft.com/office/powerpoint/2010/main" val="3106776124"/>
       </p:ext>
     </p:extLst>
   </p:cSld>
@@ -805,46 +814,6 @@
           <a:bodyPr/>
           <a:lstStyle/>
           <a:p>
-            <a:r>
-              <a:rPr lang="ru-RU" dirty="0" smtClean="0"/>
-              <a:t>В</a:t>
-            </a:r>
-            <a:r>
-              <a:rPr lang="ru-RU" baseline="0" dirty="0" smtClean="0"/>
-              <a:t> отличие от </a:t>
-            </a:r>
-            <a:r>
-              <a:rPr lang="en-US" baseline="0" dirty="0" smtClean="0"/>
-              <a:t>C#</a:t>
-            </a:r>
-            <a:r>
-              <a:rPr lang="ru-RU" baseline="0" dirty="0" smtClean="0"/>
-              <a:t>, где выражение для проверки условия обязательно должно вернуть </a:t>
-            </a:r>
-            <a:r>
-              <a:rPr lang="en-US" baseline="0" dirty="0" smtClean="0"/>
-              <a:t>true </a:t>
-            </a:r>
-            <a:r>
-              <a:rPr lang="ru-RU" baseline="0" dirty="0" smtClean="0"/>
-              <a:t>или </a:t>
-            </a:r>
-            <a:r>
-              <a:rPr lang="en-US" baseline="0" dirty="0" smtClean="0"/>
-              <a:t>false. </a:t>
-            </a:r>
-            <a:r>
-              <a:rPr lang="ru-RU" baseline="0" dirty="0" smtClean="0"/>
-              <a:t>В </a:t>
-            </a:r>
-            <a:r>
-              <a:rPr lang="en-US" baseline="0" dirty="0" smtClean="0"/>
-              <a:t>JS </a:t>
-            </a:r>
-            <a:r>
-              <a:rPr lang="ru-RU" baseline="0" dirty="0" smtClean="0"/>
-              <a:t>истинность или ложность может определяться в зависимости от типа.</a:t>
-            </a:r>
             <a:endParaRPr lang="ru-RU" dirty="0"/>
           </a:p>
         </p:txBody>
@@ -866,7 +835,7 @@
           <a:p>
             <a:fld id="{6902A882-9F74-45E9-902A-B7072A705BC8}" type="slidenum">
               <a:rPr lang="ru-RU" smtClean="0"/>
-              <a:t>15</a:t>
+              <a:t>14</a:t>
             </a:fld>
             <a:endParaRPr lang="ru-RU"/>
           </a:p>
@@ -875,7 +844,7 @@
     </p:spTree>
     <p:extLst>
       <p:ext uri="{BB962C8B-B14F-4D97-AF65-F5344CB8AC3E}">
-        <p14:creationId xmlns:p14="http://schemas.microsoft.com/office/powerpoint/2010/main" val="2615349113"/>
+        <p14:creationId xmlns:p14="http://schemas.microsoft.com/office/powerpoint/2010/main" val="852546707"/>
       </p:ext>
     </p:extLst>
   </p:cSld>
@@ -931,23 +900,43 @@
           <a:p>
             <a:r>
               <a:rPr lang="ru-RU" dirty="0" smtClean="0"/>
-              <a:t>Как</a:t>
+              <a:t>В</a:t>
             </a:r>
             <a:r>
               <a:rPr lang="ru-RU" baseline="0" dirty="0" smtClean="0"/>
-              <a:t> пишутся условия в </a:t>
+              <a:t> отличие от </a:t>
             </a:r>
             <a:r>
               <a:rPr lang="en-US" baseline="0" dirty="0" smtClean="0"/>
-              <a:t>C# </a:t>
+              <a:t>C#</a:t>
             </a:r>
             <a:r>
               <a:rPr lang="ru-RU" baseline="0" dirty="0" smtClean="0"/>
-              <a:t>и в </a:t>
+              <a:t>, где выражение для проверки условия обязательно должно вернуть </a:t>
             </a:r>
             <a:r>
               <a:rPr lang="en-US" baseline="0" dirty="0" smtClean="0"/>
-              <a:t>JavaScript</a:t>
+              <a:t>true </a:t>
+            </a:r>
+            <a:r>
+              <a:rPr lang="ru-RU" baseline="0" dirty="0" smtClean="0"/>
+              <a:t>или </a:t>
+            </a:r>
+            <a:r>
+              <a:rPr lang="en-US" baseline="0" dirty="0" smtClean="0"/>
+              <a:t>false. </a:t>
+            </a:r>
+            <a:r>
+              <a:rPr lang="ru-RU" baseline="0" dirty="0" smtClean="0"/>
+              <a:t>В </a:t>
+            </a:r>
+            <a:r>
+              <a:rPr lang="en-US" baseline="0" dirty="0" smtClean="0"/>
+              <a:t>JS </a:t>
+            </a:r>
+            <a:r>
+              <a:rPr lang="ru-RU" baseline="0" dirty="0" smtClean="0"/>
+              <a:t>истинность или ложность может определяться в зависимости от типа.</a:t>
             </a:r>
             <a:endParaRPr lang="ru-RU" dirty="0"/>
           </a:p>
@@ -970,7 +959,7 @@
           <a:p>
             <a:fld id="{6902A882-9F74-45E9-902A-B7072A705BC8}" type="slidenum">
               <a:rPr lang="ru-RU" smtClean="0"/>
-              <a:t>16</a:t>
+              <a:t>15</a:t>
             </a:fld>
             <a:endParaRPr lang="ru-RU"/>
           </a:p>
@@ -979,7 +968,7 @@
     </p:spTree>
     <p:extLst>
       <p:ext uri="{BB962C8B-B14F-4D97-AF65-F5344CB8AC3E}">
-        <p14:creationId xmlns:p14="http://schemas.microsoft.com/office/powerpoint/2010/main" val="3096439276"/>
+        <p14:creationId xmlns:p14="http://schemas.microsoft.com/office/powerpoint/2010/main" val="2615349113"/>
       </p:ext>
     </p:extLst>
   </p:cSld>
@@ -1035,11 +1024,23 @@
           <a:p>
             <a:r>
               <a:rPr lang="ru-RU" dirty="0" smtClean="0"/>
-              <a:t>Можно и как в </a:t>
-            </a:r>
-            <a:r>
-              <a:rPr lang="en-US" dirty="0" smtClean="0"/>
-              <a:t>C#</a:t>
+              <a:t>Как</a:t>
+            </a:r>
+            <a:r>
+              <a:rPr lang="ru-RU" baseline="0" dirty="0" smtClean="0"/>
+              <a:t> пишутся условия в </a:t>
+            </a:r>
+            <a:r>
+              <a:rPr lang="en-US" baseline="0" dirty="0" smtClean="0"/>
+              <a:t>C# </a:t>
+            </a:r>
+            <a:r>
+              <a:rPr lang="ru-RU" baseline="0" dirty="0" smtClean="0"/>
+              <a:t>и в </a:t>
+            </a:r>
+            <a:r>
+              <a:rPr lang="en-US" baseline="0" dirty="0" smtClean="0"/>
+              <a:t>JavaScript</a:t>
             </a:r>
             <a:endParaRPr lang="ru-RU" dirty="0"/>
           </a:p>
@@ -1062,7 +1063,7 @@
           <a:p>
             <a:fld id="{6902A882-9F74-45E9-902A-B7072A705BC8}" type="slidenum">
               <a:rPr lang="ru-RU" smtClean="0"/>
-              <a:t>17</a:t>
+              <a:t>16</a:t>
             </a:fld>
             <a:endParaRPr lang="ru-RU"/>
           </a:p>
@@ -1071,7 +1072,7 @@
     </p:spTree>
     <p:extLst>
       <p:ext uri="{BB962C8B-B14F-4D97-AF65-F5344CB8AC3E}">
-        <p14:creationId xmlns:p14="http://schemas.microsoft.com/office/powerpoint/2010/main" val="219773696"/>
+        <p14:creationId xmlns:p14="http://schemas.microsoft.com/office/powerpoint/2010/main" val="3096439276"/>
       </p:ext>
     </p:extLst>
   </p:cSld>
@@ -1125,24 +1126,14 @@
           <a:bodyPr/>
           <a:lstStyle/>
           <a:p>
-            <a:pPr rtl="0"/>
-            <a:r>
-              <a:rPr lang="ru-RU" sz="1200" b="0" i="0" u="none" strike="noStrike" kern="1200" dirty="0" smtClean="0">
-                <a:solidFill>
-                  <a:schemeClr val="tx1"/>
-                </a:solidFill>
-                <a:effectLst/>
-                <a:latin typeface="+mn-lt"/>
-                <a:ea typeface="+mn-ea"/>
-                <a:cs typeface="+mn-cs"/>
-              </a:rPr>
-              <a:t>Область видимости определяется не фигурными скобками а функцией.</a:t>
-            </a:r>
-            <a:endParaRPr lang="ru-RU" b="0" dirty="0" smtClean="0">
-              <a:effectLst/>
-            </a:endParaRPr>
-          </a:p>
-          <a:p>
+            <a:r>
+              <a:rPr lang="ru-RU" dirty="0" smtClean="0"/>
+              <a:t>Можно и как в </a:t>
+            </a:r>
+            <a:r>
+              <a:rPr lang="en-US" dirty="0" smtClean="0"/>
+              <a:t>C#</a:t>
+            </a:r>
             <a:endParaRPr lang="ru-RU" dirty="0"/>
           </a:p>
         </p:txBody>
@@ -1164,7 +1155,7 @@
           <a:p>
             <a:fld id="{6902A882-9F74-45E9-902A-B7072A705BC8}" type="slidenum">
               <a:rPr lang="ru-RU" smtClean="0"/>
-              <a:t>19</a:t>
+              <a:t>17</a:t>
             </a:fld>
             <a:endParaRPr lang="ru-RU"/>
           </a:p>
@@ -1173,7 +1164,7 @@
     </p:spTree>
     <p:extLst>
       <p:ext uri="{BB962C8B-B14F-4D97-AF65-F5344CB8AC3E}">
-        <p14:creationId xmlns:p14="http://schemas.microsoft.com/office/powerpoint/2010/main" val="372074805"/>
+        <p14:creationId xmlns:p14="http://schemas.microsoft.com/office/powerpoint/2010/main" val="219773696"/>
       </p:ext>
     </p:extLst>
   </p:cSld>
@@ -1227,6 +1218,7 @@
           <a:bodyPr/>
           <a:lstStyle/>
           <a:p>
+            <a:pPr rtl="0"/>
             <a:r>
               <a:rPr lang="ru-RU" sz="1200" b="0" i="0" u="none" strike="noStrike" kern="1200" dirty="0" smtClean="0">
                 <a:solidFill>
@@ -1237,56 +1229,14 @@
                 <a:ea typeface="+mn-ea"/>
                 <a:cs typeface="+mn-cs"/>
               </a:rPr>
-              <a:t>Присвоения остаются на своих местах, но объявление переменных “</a:t>
-            </a:r>
-            <a:r>
-              <a:rPr lang="ru-RU" sz="1200" b="0" i="0" u="none" strike="noStrike" kern="1200" dirty="0" err="1" smtClean="0">
-                <a:solidFill>
-                  <a:schemeClr val="tx1"/>
-                </a:solidFill>
-                <a:effectLst/>
-                <a:latin typeface="+mn-lt"/>
-                <a:ea typeface="+mn-ea"/>
-                <a:cs typeface="+mn-cs"/>
-              </a:rPr>
-              <a:t>вспылвает</a:t>
-            </a:r>
-            <a:r>
-              <a:rPr lang="ru-RU" sz="1200" b="0" i="0" u="none" strike="noStrike" kern="1200" dirty="0" smtClean="0">
-                <a:solidFill>
-                  <a:schemeClr val="tx1"/>
-                </a:solidFill>
-                <a:effectLst/>
-                <a:latin typeface="+mn-lt"/>
-                <a:ea typeface="+mn-ea"/>
-                <a:cs typeface="+mn-cs"/>
-              </a:rPr>
-              <a:t>” наверх функции.</a:t>
-            </a:r>
-          </a:p>
-          <a:p>
-            <a:pPr rtl="0"/>
-            <a:r>
-              <a:rPr lang="ru-RU" sz="1200" b="0" i="0" u="none" strike="noStrike" kern="1200" dirty="0" smtClean="0">
-                <a:solidFill>
-                  <a:schemeClr val="tx1"/>
-                </a:solidFill>
-                <a:effectLst/>
-                <a:latin typeface="+mn-lt"/>
-                <a:ea typeface="+mn-ea"/>
-                <a:cs typeface="+mn-cs"/>
-              </a:rPr>
-              <a:t>Декларируйте переменные в начале вашей функции.</a:t>
-            </a:r>
-            <a:endParaRPr lang="en-US" sz="1200" b="0" i="0" u="none" strike="noStrike" kern="1200" dirty="0" smtClean="0">
-              <a:solidFill>
-                <a:schemeClr val="tx1"/>
-              </a:solidFill>
+              <a:t>Область видимости определяется не фигурными скобками а функцией.</a:t>
+            </a:r>
+            <a:endParaRPr lang="ru-RU" b="0" dirty="0" smtClean="0">
               <a:effectLst/>
-              <a:latin typeface="+mn-lt"/>
-              <a:ea typeface="+mn-ea"/>
-              <a:cs typeface="+mn-cs"/>
             </a:endParaRPr>
+          </a:p>
+          <a:p>
+            <a:endParaRPr lang="ru-RU" dirty="0"/>
           </a:p>
         </p:txBody>
       </p:sp>
@@ -1307,7 +1257,7 @@
           <a:p>
             <a:fld id="{6902A882-9F74-45E9-902A-B7072A705BC8}" type="slidenum">
               <a:rPr lang="ru-RU" smtClean="0"/>
-              <a:t>20</a:t>
+              <a:t>19</a:t>
             </a:fld>
             <a:endParaRPr lang="ru-RU"/>
           </a:p>
@@ -1316,7 +1266,7 @@
     </p:spTree>
     <p:extLst>
       <p:ext uri="{BB962C8B-B14F-4D97-AF65-F5344CB8AC3E}">
-        <p14:creationId xmlns:p14="http://schemas.microsoft.com/office/powerpoint/2010/main" val="2056623985"/>
+        <p14:creationId xmlns:p14="http://schemas.microsoft.com/office/powerpoint/2010/main" val="372074805"/>
       </p:ext>
     </p:extLst>
   </p:cSld>
@@ -1370,7 +1320,66 @@
           <a:bodyPr/>
           <a:lstStyle/>
           <a:p>
-            <a:endParaRPr lang="ru-RU" dirty="0"/>
+            <a:r>
+              <a:rPr lang="ru-RU" sz="1200" b="0" i="0" u="none" strike="noStrike" kern="1200" dirty="0" smtClean="0">
+                <a:solidFill>
+                  <a:schemeClr val="tx1"/>
+                </a:solidFill>
+                <a:effectLst/>
+                <a:latin typeface="+mn-lt"/>
+                <a:ea typeface="+mn-ea"/>
+                <a:cs typeface="+mn-cs"/>
+              </a:rPr>
+              <a:t>Присвоения остаются на своих местах, но объявление переменных “</a:t>
+            </a:r>
+            <a:r>
+              <a:rPr lang="ru-RU" sz="1200" b="0" i="0" u="none" strike="noStrike" kern="1200" dirty="0" err="1" smtClean="0">
+                <a:solidFill>
+                  <a:schemeClr val="tx1"/>
+                </a:solidFill>
+                <a:effectLst/>
+                <a:latin typeface="+mn-lt"/>
+                <a:ea typeface="+mn-ea"/>
+                <a:cs typeface="+mn-cs"/>
+              </a:rPr>
+              <a:t>вспылвает</a:t>
+            </a:r>
+            <a:r>
+              <a:rPr lang="ru-RU" sz="1200" b="0" i="0" u="none" strike="noStrike" kern="1200" dirty="0" smtClean="0">
+                <a:solidFill>
+                  <a:schemeClr val="tx1"/>
+                </a:solidFill>
+                <a:effectLst/>
+                <a:latin typeface="+mn-lt"/>
+                <a:ea typeface="+mn-ea"/>
+                <a:cs typeface="+mn-cs"/>
+              </a:rPr>
+              <a:t>” наверх функции.</a:t>
+            </a:r>
+          </a:p>
+          <a:p>
+            <a:pPr rtl="0"/>
+            <a:r>
+              <a:rPr lang="ru-RU" sz="1200" b="0" i="0" u="none" strike="noStrike" kern="1200" dirty="0" smtClean="0">
+                <a:solidFill>
+                  <a:schemeClr val="tx1"/>
+                </a:solidFill>
+                <a:effectLst/>
+                <a:latin typeface="+mn-lt"/>
+                <a:ea typeface="+mn-ea"/>
+                <a:cs typeface="+mn-cs"/>
+              </a:rPr>
+              <a:t>Декларируйте переменные в начале вашей функции.</a:t>
+            </a:r>
+            <a:endParaRPr lang="en-US" sz="1200" b="0" i="0" u="none" strike="noStrike" kern="1200" dirty="0" smtClean="0">
+              <a:solidFill>
+                <a:schemeClr val="tx1"/>
+              </a:solidFill>
+              <a:effectLst/>
+              <a:latin typeface="+mn-lt"/>
+              <a:ea typeface="+mn-ea"/>
+              <a:cs typeface="+mn-cs"/>
+            </a:endParaRPr>
           </a:p>
         </p:txBody>
       </p:sp>
@@ -1391,7 +1400,7 @@
           <a:p>
             <a:fld id="{6902A882-9F74-45E9-902A-B7072A705BC8}" type="slidenum">
               <a:rPr lang="ru-RU" smtClean="0"/>
-              <a:t>23</a:t>
+              <a:t>20</a:t>
             </a:fld>
             <a:endParaRPr lang="ru-RU"/>
           </a:p>
@@ -1400,7 +1409,7 @@
     </p:spTree>
     <p:extLst>
       <p:ext uri="{BB962C8B-B14F-4D97-AF65-F5344CB8AC3E}">
-        <p14:creationId xmlns:p14="http://schemas.microsoft.com/office/powerpoint/2010/main" val="252267055"/>
+        <p14:creationId xmlns:p14="http://schemas.microsoft.com/office/powerpoint/2010/main" val="2056623985"/>
       </p:ext>
     </p:extLst>
   </p:cSld>
@@ -1475,7 +1484,7 @@
           <a:p>
             <a:fld id="{6902A882-9F74-45E9-902A-B7072A705BC8}" type="slidenum">
               <a:rPr lang="ru-RU" smtClean="0"/>
-              <a:t>25</a:t>
+              <a:t>23</a:t>
             </a:fld>
             <a:endParaRPr lang="ru-RU"/>
           </a:p>
@@ -1484,7 +1493,7 @@
     </p:spTree>
     <p:extLst>
       <p:ext uri="{BB962C8B-B14F-4D97-AF65-F5344CB8AC3E}">
-        <p14:creationId xmlns:p14="http://schemas.microsoft.com/office/powerpoint/2010/main" val="1275522846"/>
+        <p14:creationId xmlns:p14="http://schemas.microsoft.com/office/powerpoint/2010/main" val="252267055"/>
       </p:ext>
     </p:extLst>
   </p:cSld>
@@ -1559,7 +1568,7 @@
           <a:p>
             <a:fld id="{6902A882-9F74-45E9-902A-B7072A705BC8}" type="slidenum">
               <a:rPr lang="ru-RU" smtClean="0"/>
-              <a:t>28</a:t>
+              <a:t>25</a:t>
             </a:fld>
             <a:endParaRPr lang="ru-RU"/>
           </a:p>
@@ -1568,7 +1577,7 @@
     </p:spTree>
     <p:extLst>
       <p:ext uri="{BB962C8B-B14F-4D97-AF65-F5344CB8AC3E}">
-        <p14:creationId xmlns:p14="http://schemas.microsoft.com/office/powerpoint/2010/main" val="252267055"/>
+        <p14:creationId xmlns:p14="http://schemas.microsoft.com/office/powerpoint/2010/main" val="1275522846"/>
       </p:ext>
     </p:extLst>
   </p:cSld>
@@ -1622,103 +1631,7 @@
           <a:bodyPr/>
           <a:lstStyle/>
           <a:p>
-            <a:r>
-              <a:rPr lang="ru-RU" sz="1200" b="1" i="0" kern="1200" dirty="0" smtClean="0">
-                <a:solidFill>
-                  <a:schemeClr val="tx1"/>
-                </a:solidFill>
-                <a:effectLst/>
-                <a:latin typeface="+mn-lt"/>
-                <a:ea typeface="+mn-ea"/>
-                <a:cs typeface="+mn-cs"/>
-              </a:rPr>
-              <a:t>прототип — это «резервное хранилище свойств и методов» объекта, автоматически используемое при поиске.</a:t>
-            </a:r>
-            <a:endParaRPr lang="en-US" sz="1200" b="1" i="0" kern="1200" dirty="0" smtClean="0">
-              <a:solidFill>
-                <a:schemeClr val="tx1"/>
-              </a:solidFill>
-              <a:effectLst/>
-              <a:latin typeface="+mn-lt"/>
-              <a:ea typeface="+mn-ea"/>
-              <a:cs typeface="+mn-cs"/>
-            </a:endParaRPr>
-          </a:p>
-          <a:p>
-            <a:r>
-              <a:rPr lang="ru-RU" sz="1200" b="0" i="0" kern="1200" dirty="0" smtClean="0">
-                <a:solidFill>
-                  <a:schemeClr val="tx1"/>
-                </a:solidFill>
-                <a:effectLst/>
-                <a:latin typeface="+mn-lt"/>
-                <a:ea typeface="+mn-ea"/>
-                <a:cs typeface="+mn-cs"/>
-              </a:rPr>
-              <a:t>Рассмотрим</a:t>
-            </a:r>
-            <a:r>
-              <a:rPr lang="ru-RU" sz="1200" b="0" i="0" kern="1200" baseline="0" dirty="0" smtClean="0">
-                <a:solidFill>
-                  <a:schemeClr val="tx1"/>
-                </a:solidFill>
-                <a:effectLst/>
-                <a:latin typeface="+mn-lt"/>
-                <a:ea typeface="+mn-ea"/>
-                <a:cs typeface="+mn-cs"/>
-              </a:rPr>
-              <a:t> на примере</a:t>
-            </a:r>
-            <a:r>
-              <a:rPr lang="en-US" sz="1200" b="0" i="0" kern="1200" baseline="0" dirty="0" smtClean="0">
-                <a:solidFill>
-                  <a:schemeClr val="tx1"/>
-                </a:solidFill>
-                <a:effectLst/>
-                <a:latin typeface="+mn-lt"/>
-                <a:ea typeface="+mn-ea"/>
-                <a:cs typeface="+mn-cs"/>
-              </a:rPr>
-              <a:t>: </a:t>
-            </a:r>
-            <a:r>
-              <a:rPr lang="en-US" sz="1200" b="0" i="0" kern="1200" baseline="0" dirty="0" err="1" smtClean="0">
-                <a:solidFill>
-                  <a:schemeClr val="tx1"/>
-                </a:solidFill>
-                <a:effectLst/>
-                <a:latin typeface="+mn-lt"/>
-                <a:ea typeface="+mn-ea"/>
-                <a:cs typeface="+mn-cs"/>
-              </a:rPr>
-              <a:t>console.dir</a:t>
-            </a:r>
-            <a:r>
-              <a:rPr lang="en-US" sz="1200" b="0" i="0" kern="1200" baseline="0" dirty="0" smtClean="0">
-                <a:solidFill>
-                  <a:schemeClr val="tx1"/>
-                </a:solidFill>
-                <a:effectLst/>
-                <a:latin typeface="+mn-lt"/>
-                <a:ea typeface="+mn-ea"/>
-                <a:cs typeface="+mn-cs"/>
-              </a:rPr>
-              <a:t>([1,2,3]);</a:t>
-            </a:r>
-          </a:p>
-          <a:p>
-            <a:endParaRPr lang="en-US" sz="1200" b="0" i="0" kern="1200" dirty="0" smtClean="0">
-              <a:solidFill>
-                <a:schemeClr val="tx1"/>
-              </a:solidFill>
-              <a:effectLst/>
-              <a:latin typeface="+mn-lt"/>
-              <a:ea typeface="+mn-ea"/>
-              <a:cs typeface="+mn-cs"/>
-            </a:endParaRPr>
-          </a:p>
-          <a:p>
-            <a:endParaRPr lang="ru-RU" dirty="0"/>
+            <a:endParaRPr lang="ru-RU"/>
           </a:p>
         </p:txBody>
       </p:sp>
@@ -1739,7 +1652,7 @@
           <a:p>
             <a:fld id="{6902A882-9F74-45E9-902A-B7072A705BC8}" type="slidenum">
               <a:rPr lang="ru-RU" smtClean="0"/>
-              <a:t>29</a:t>
+              <a:t>28</a:t>
             </a:fld>
             <a:endParaRPr lang="ru-RU"/>
           </a:p>
@@ -1748,7 +1661,7 @@
     </p:spTree>
     <p:extLst>
       <p:ext uri="{BB962C8B-B14F-4D97-AF65-F5344CB8AC3E}">
-        <p14:creationId xmlns:p14="http://schemas.microsoft.com/office/powerpoint/2010/main" val="3679439543"/>
+        <p14:creationId xmlns:p14="http://schemas.microsoft.com/office/powerpoint/2010/main" val="2627945304"/>
       </p:ext>
     </p:extLst>
   </p:cSld>
@@ -1894,10 +1807,6 @@
           <a:bodyPr/>
           <a:lstStyle/>
           <a:p>
-            <a:r>
-              <a:rPr lang="ru-RU" dirty="0" smtClean="0"/>
-              <a:t>Различие между подходами, когда и какой нужно использовать</a:t>
-            </a:r>
             <a:endParaRPr lang="ru-RU" dirty="0"/>
           </a:p>
         </p:txBody>
@@ -1919,7 +1828,7 @@
           <a:p>
             <a:fld id="{6902A882-9F74-45E9-902A-B7072A705BC8}" type="slidenum">
               <a:rPr lang="ru-RU" smtClean="0"/>
-              <a:t>30</a:t>
+              <a:t>29</a:t>
             </a:fld>
             <a:endParaRPr lang="ru-RU"/>
           </a:p>
@@ -1928,7 +1837,7 @@
     </p:spTree>
     <p:extLst>
       <p:ext uri="{BB962C8B-B14F-4D97-AF65-F5344CB8AC3E}">
-        <p14:creationId xmlns:p14="http://schemas.microsoft.com/office/powerpoint/2010/main" val="2927847223"/>
+        <p14:creationId xmlns:p14="http://schemas.microsoft.com/office/powerpoint/2010/main" val="252267055"/>
       </p:ext>
     </p:extLst>
   </p:cSld>
@@ -1983,13 +1892,101 @@
           <a:lstStyle/>
           <a:p>
             <a:r>
-              <a:rPr lang="ru-RU" dirty="0" smtClean="0"/>
-              <a:t>Вывод:</a:t>
-            </a:r>
-            <a:r>
-              <a:rPr lang="ru-RU" baseline="0" dirty="0" smtClean="0"/>
-              <a:t> объявляйте методы в прототипах, а поля – в конструкторе.</a:t>
-            </a:r>
+              <a:rPr lang="ru-RU" sz="1200" b="1" i="0" kern="1200" dirty="0" smtClean="0">
+                <a:solidFill>
+                  <a:schemeClr val="tx1"/>
+                </a:solidFill>
+                <a:effectLst/>
+                <a:latin typeface="+mn-lt"/>
+                <a:ea typeface="+mn-ea"/>
+                <a:cs typeface="+mn-cs"/>
+              </a:rPr>
+              <a:t>прототип — это «резервное хранилище свойств и методов» объекта, автоматически используемое при поиске.</a:t>
+            </a:r>
+            <a:endParaRPr lang="en-US" sz="1200" b="1" i="0" kern="1200" dirty="0" smtClean="0">
+              <a:solidFill>
+                <a:schemeClr val="tx1"/>
+              </a:solidFill>
+              <a:effectLst/>
+              <a:latin typeface="+mn-lt"/>
+              <a:ea typeface="+mn-ea"/>
+              <a:cs typeface="+mn-cs"/>
+            </a:endParaRPr>
+          </a:p>
+          <a:p>
+            <a:r>
+              <a:rPr lang="ru-RU" sz="1200" b="0" i="0" kern="1200" dirty="0" smtClean="0">
+                <a:solidFill>
+                  <a:schemeClr val="tx1"/>
+                </a:solidFill>
+                <a:effectLst/>
+                <a:latin typeface="+mn-lt"/>
+                <a:ea typeface="+mn-ea"/>
+                <a:cs typeface="+mn-cs"/>
+              </a:rPr>
+              <a:t>Рассмотрим</a:t>
+            </a:r>
+            <a:r>
+              <a:rPr lang="ru-RU" sz="1200" b="0" i="0" kern="1200" baseline="0" dirty="0" smtClean="0">
+                <a:solidFill>
+                  <a:schemeClr val="tx1"/>
+                </a:solidFill>
+                <a:effectLst/>
+                <a:latin typeface="+mn-lt"/>
+                <a:ea typeface="+mn-ea"/>
+                <a:cs typeface="+mn-cs"/>
+              </a:rPr>
+              <a:t> на примере</a:t>
+            </a:r>
+            <a:r>
+              <a:rPr lang="en-US" sz="1200" b="0" i="0" kern="1200" baseline="0" dirty="0" smtClean="0">
+                <a:solidFill>
+                  <a:schemeClr val="tx1"/>
+                </a:solidFill>
+                <a:effectLst/>
+                <a:latin typeface="+mn-lt"/>
+                <a:ea typeface="+mn-ea"/>
+                <a:cs typeface="+mn-cs"/>
+              </a:rPr>
+              <a:t>: </a:t>
+            </a:r>
+            <a:r>
+              <a:rPr lang="en-US" sz="1200" b="0" i="0" kern="1200" baseline="0" dirty="0" err="1" smtClean="0">
+                <a:solidFill>
+                  <a:schemeClr val="tx1"/>
+                </a:solidFill>
+                <a:effectLst/>
+                <a:latin typeface="+mn-lt"/>
+                <a:ea typeface="+mn-ea"/>
+                <a:cs typeface="+mn-cs"/>
+              </a:rPr>
+              <a:t>console.dir</a:t>
+            </a:r>
+            <a:r>
+              <a:rPr lang="en-US" sz="1200" b="0" i="0" kern="1200" baseline="0" dirty="0" smtClean="0">
+                <a:solidFill>
+                  <a:schemeClr val="tx1"/>
+                </a:solidFill>
+                <a:effectLst/>
+                <a:latin typeface="+mn-lt"/>
+                <a:ea typeface="+mn-ea"/>
+                <a:cs typeface="+mn-cs"/>
+              </a:rPr>
+              <a:t>([1,2,3]);</a:t>
+            </a:r>
+          </a:p>
+          <a:p>
+            <a:endParaRPr lang="en-US" sz="1200" b="0" i="0" kern="1200" dirty="0" smtClean="0">
+              <a:solidFill>
+                <a:schemeClr val="tx1"/>
+              </a:solidFill>
+              <a:effectLst/>
+              <a:latin typeface="+mn-lt"/>
+              <a:ea typeface="+mn-ea"/>
+              <a:cs typeface="+mn-cs"/>
+            </a:endParaRPr>
+          </a:p>
+          <a:p>
             <a:endParaRPr lang="ru-RU" dirty="0"/>
           </a:p>
         </p:txBody>
@@ -2011,7 +2008,7 @@
           <a:p>
             <a:fld id="{6902A882-9F74-45E9-902A-B7072A705BC8}" type="slidenum">
               <a:rPr lang="ru-RU" smtClean="0"/>
-              <a:t>32</a:t>
+              <a:t>30</a:t>
             </a:fld>
             <a:endParaRPr lang="ru-RU"/>
           </a:p>
@@ -2020,7 +2017,7 @@
     </p:spTree>
     <p:extLst>
       <p:ext uri="{BB962C8B-B14F-4D97-AF65-F5344CB8AC3E}">
-        <p14:creationId xmlns:p14="http://schemas.microsoft.com/office/powerpoint/2010/main" val="3710857471"/>
+        <p14:creationId xmlns:p14="http://schemas.microsoft.com/office/powerpoint/2010/main" val="3679439543"/>
       </p:ext>
     </p:extLst>
   </p:cSld>
@@ -2076,40 +2073,7 @@
           <a:p>
             <a:r>
               <a:rPr lang="ru-RU" dirty="0" smtClean="0"/>
-              <a:t>Задачка</a:t>
-            </a:r>
-            <a:r>
-              <a:rPr lang="ru-RU" baseline="0" dirty="0" smtClean="0"/>
-              <a:t> для закрепления материала</a:t>
-            </a:r>
-          </a:p>
-          <a:p>
-            <a:endParaRPr lang="ru-RU" baseline="0" dirty="0" smtClean="0"/>
-          </a:p>
-          <a:p>
-            <a:r>
-              <a:rPr lang="ru-RU" dirty="0" smtClean="0"/>
-              <a:t>В</a:t>
-            </a:r>
-            <a:r>
-              <a:rPr lang="ru-RU" baseline="0" dirty="0" smtClean="0"/>
-              <a:t> </a:t>
-            </a:r>
-            <a:r>
-              <a:rPr lang="en-US" baseline="0" dirty="0" smtClean="0"/>
-              <a:t>C# </a:t>
-            </a:r>
-            <a:r>
-              <a:rPr lang="ru-RU" baseline="0" dirty="0" smtClean="0"/>
-              <a:t>у нас есть  </a:t>
-            </a:r>
-            <a:r>
-              <a:rPr lang="en-US" baseline="0" dirty="0" smtClean="0"/>
-              <a:t>LINQ </a:t>
-            </a:r>
-            <a:r>
-              <a:rPr lang="ru-RU" baseline="0" dirty="0" smtClean="0"/>
-              <a:t> Можно фильтровать набор данных разными способами.</a:t>
+              <a:t>Различие между подходами, когда и какой нужно использовать</a:t>
             </a:r>
             <a:endParaRPr lang="ru-RU" dirty="0"/>
           </a:p>
@@ -2132,7 +2096,7 @@
           <a:p>
             <a:fld id="{6902A882-9F74-45E9-902A-B7072A705BC8}" type="slidenum">
               <a:rPr lang="ru-RU" smtClean="0"/>
-              <a:t>36</a:t>
+              <a:t>31</a:t>
             </a:fld>
             <a:endParaRPr lang="ru-RU"/>
           </a:p>
@@ -2141,7 +2105,7 @@
     </p:spTree>
     <p:extLst>
       <p:ext uri="{BB962C8B-B14F-4D97-AF65-F5344CB8AC3E}">
-        <p14:creationId xmlns:p14="http://schemas.microsoft.com/office/powerpoint/2010/main" val="1293483596"/>
+        <p14:creationId xmlns:p14="http://schemas.microsoft.com/office/powerpoint/2010/main" val="2927847223"/>
       </p:ext>
     </p:extLst>
   </p:cSld>
@@ -2196,60 +2160,14 @@
           <a:lstStyle/>
           <a:p>
             <a:r>
+              <a:rPr lang="ru-RU" dirty="0" smtClean="0"/>
+              <a:t>Вывод:</a:t>
+            </a:r>
+            <a:r>
               <a:rPr lang="ru-RU" baseline="0" dirty="0" smtClean="0"/>
-              <a:t>В массивов в </a:t>
-            </a:r>
-            <a:r>
-              <a:rPr lang="en-US" baseline="0" dirty="0" smtClean="0"/>
-              <a:t>JS </a:t>
-            </a:r>
-            <a:r>
-              <a:rPr lang="ru-RU" baseline="0" dirty="0" smtClean="0"/>
-              <a:t>есть похожие методы,</a:t>
-            </a:r>
-            <a:r>
-              <a:rPr lang="en-US" baseline="0" dirty="0" smtClean="0"/>
-              <a:t> </a:t>
-            </a:r>
-            <a:r>
-              <a:rPr lang="ru-RU" baseline="0" dirty="0" smtClean="0"/>
-              <a:t>после реализации поддержки </a:t>
-            </a:r>
-            <a:r>
-              <a:rPr lang="en-US" baseline="0" dirty="0" smtClean="0"/>
-              <a:t>ES6 - </a:t>
-            </a:r>
-            <a:r>
-              <a:rPr lang="ru-RU" baseline="0" dirty="0" smtClean="0"/>
-              <a:t>мы сможем писать на </a:t>
-            </a:r>
-            <a:r>
-              <a:rPr lang="en-US" baseline="0" dirty="0" smtClean="0"/>
-              <a:t>JavaScript </a:t>
-            </a:r>
-            <a:r>
-              <a:rPr lang="ru-RU" baseline="0" dirty="0" smtClean="0"/>
-              <a:t>почти также как и в </a:t>
-            </a:r>
-            <a:r>
-              <a:rPr lang="en-US" baseline="0" dirty="0" smtClean="0"/>
-              <a:t>C#</a:t>
-            </a:r>
-            <a:endParaRPr lang="ru-RU" baseline="0" dirty="0" smtClean="0"/>
-          </a:p>
-          <a:p>
-            <a:endParaRPr lang="en-US" baseline="0" dirty="0" smtClean="0"/>
-          </a:p>
-          <a:p>
-            <a:r>
-              <a:rPr lang="ru-RU" baseline="0" dirty="0" smtClean="0"/>
-              <a:t>Лямбда выражения -</a:t>
-            </a:r>
-            <a:r>
-              <a:rPr lang="en-US" baseline="0" dirty="0" smtClean="0"/>
-              <a:t>&gt; arrow functions</a:t>
-            </a:r>
-            <a:endParaRPr lang="ru-RU" baseline="0" dirty="0" smtClean="0"/>
+              <a:t> объявляйте методы в прототипах, а поля – в конструкторе.</a:t>
+            </a:r>
+            <a:endParaRPr lang="ru-RU" dirty="0"/>
           </a:p>
         </p:txBody>
       </p:sp>
@@ -2270,7 +2188,7 @@
           <a:p>
             <a:fld id="{6902A882-9F74-45E9-902A-B7072A705BC8}" type="slidenum">
               <a:rPr lang="ru-RU" smtClean="0"/>
-              <a:t>37</a:t>
+              <a:t>33</a:t>
             </a:fld>
             <a:endParaRPr lang="ru-RU"/>
           </a:p>
@@ -2279,7 +2197,7 @@
     </p:spTree>
     <p:extLst>
       <p:ext uri="{BB962C8B-B14F-4D97-AF65-F5344CB8AC3E}">
-        <p14:creationId xmlns:p14="http://schemas.microsoft.com/office/powerpoint/2010/main" val="1195862819"/>
+        <p14:creationId xmlns:p14="http://schemas.microsoft.com/office/powerpoint/2010/main" val="3710857471"/>
       </p:ext>
     </p:extLst>
   </p:cSld>
@@ -2334,40 +2252,42 @@
           <a:lstStyle/>
           <a:p>
             <a:r>
+              <a:rPr lang="ru-RU" dirty="0" smtClean="0"/>
+              <a:t>Задачка</a:t>
+            </a:r>
+            <a:r>
               <a:rPr lang="ru-RU" baseline="0" dirty="0" smtClean="0"/>
-              <a:t>Идея дать домашнее задание (или что то такое), реализовать подобным образом метод </a:t>
-            </a:r>
-            <a:r>
-              <a:rPr lang="en-US" baseline="0" dirty="0" err="1" smtClean="0"/>
-              <a:t>orderBy</a:t>
+              <a:t> для закрепления материала</a:t>
+            </a:r>
+          </a:p>
+          <a:p>
+            <a:endParaRPr lang="ru-RU" baseline="0" dirty="0" smtClean="0"/>
+          </a:p>
+          <a:p>
+            <a:r>
+              <a:rPr lang="ru-RU" dirty="0" smtClean="0"/>
+              <a:t>В</a:t>
+            </a:r>
+            <a:r>
+              <a:rPr lang="ru-RU" baseline="0" dirty="0" smtClean="0"/>
+              <a:t> </a:t>
             </a:r>
             <a:r>
               <a:rPr lang="en-US" baseline="0" dirty="0" smtClean="0"/>
-              <a:t> (</a:t>
+              <a:t>C# </a:t>
             </a:r>
             <a:r>
               <a:rPr lang="ru-RU" baseline="0" dirty="0" smtClean="0"/>
-              <a:t>аналог в </a:t>
+              <a:t>у нас есть  </a:t>
             </a:r>
             <a:r>
               <a:rPr lang="en-US" baseline="0" dirty="0" smtClean="0"/>
-              <a:t>C#). </a:t>
+              <a:t>LINQ </a:t>
             </a:r>
             <a:r>
               <a:rPr lang="ru-RU" baseline="0" dirty="0" smtClean="0"/>
-              <a:t>Задача потруднее чем в случае с </a:t>
-            </a:r>
-            <a:r>
-              <a:rPr lang="en-US" baseline="0" dirty="0" smtClean="0"/>
-              <a:t>find + </a:t>
-            </a:r>
-            <a:r>
-              <a:rPr lang="ru-RU" baseline="0" dirty="0" smtClean="0"/>
-              <a:t>на смекалку.</a:t>
-            </a:r>
-            <a:endParaRPr lang="en-US" baseline="0" dirty="0" smtClean="0"/>
-          </a:p>
-          <a:p>
+              <a:t> Можно фильтровать набор данных разными способами.</a:t>
+            </a:r>
             <a:endParaRPr lang="ru-RU" dirty="0"/>
           </a:p>
         </p:txBody>
@@ -2389,7 +2309,264 @@
           <a:p>
             <a:fld id="{6902A882-9F74-45E9-902A-B7072A705BC8}" type="slidenum">
               <a:rPr lang="ru-RU" smtClean="0"/>
-              <a:t>39</a:t>
+              <a:t>37</a:t>
+            </a:fld>
+            <a:endParaRPr lang="ru-RU"/>
+          </a:p>
+        </p:txBody>
+      </p:sp>
+    </p:spTree>
+    <p:extLst>
+      <p:ext uri="{BB962C8B-B14F-4D97-AF65-F5344CB8AC3E}">
+        <p14:creationId xmlns:p14="http://schemas.microsoft.com/office/powerpoint/2010/main" val="1293483596"/>
+      </p:ext>
+    </p:extLst>
+  </p:cSld>
+  <p:clrMapOvr>
+    <a:masterClrMapping/>
+  </p:clrMapOvr>
+</p:notes>
+</file>
+
+<file path=ppt/notesSlides/notesSlide25.xml><?xml version="1.0" encoding="utf-8"?>
+<p:notes xmlns:a="http://schemas.openxmlformats.org/drawingml/2006/main" xmlns:r="http://schemas.openxmlformats.org/officeDocument/2006/relationships" xmlns:p="http://schemas.openxmlformats.org/presentationml/2006/main">
+  <p:cSld>
+    <p:spTree>
+      <p:nvGrpSpPr>
+        <p:cNvPr id="1" name=""/>
+        <p:cNvGrpSpPr/>
+        <p:nvPr/>
+      </p:nvGrpSpPr>
+      <p:grpSpPr>
+        <a:xfrm>
+          <a:off x="0" y="0"/>
+          <a:ext cx="0" cy="0"/>
+          <a:chOff x="0" y="0"/>
+          <a:chExt cx="0" cy="0"/>
+        </a:xfrm>
+      </p:grpSpPr>
+      <p:sp>
+        <p:nvSpPr>
+          <p:cNvPr id="2" name="Образ слайда 1"/>
+          <p:cNvSpPr>
+            <a:spLocks noGrp="1" noRot="1" noChangeAspect="1"/>
+          </p:cNvSpPr>
+          <p:nvPr>
+            <p:ph type="sldImg"/>
+          </p:nvPr>
+        </p:nvSpPr>
+        <p:spPr/>
+      </p:sp>
+      <p:sp>
+        <p:nvSpPr>
+          <p:cNvPr id="3" name="Заметки 2"/>
+          <p:cNvSpPr>
+            <a:spLocks noGrp="1"/>
+          </p:cNvSpPr>
+          <p:nvPr>
+            <p:ph type="body" idx="1"/>
+          </p:nvPr>
+        </p:nvSpPr>
+        <p:spPr/>
+        <p:txBody>
+          <a:bodyPr/>
+          <a:lstStyle/>
+          <a:p>
+            <a:r>
+              <a:rPr lang="ru-RU" baseline="0" dirty="0" smtClean="0"/>
+              <a:t>В массивов в </a:t>
+            </a:r>
+            <a:r>
+              <a:rPr lang="en-US" baseline="0" dirty="0" smtClean="0"/>
+              <a:t>JS </a:t>
+            </a:r>
+            <a:r>
+              <a:rPr lang="ru-RU" baseline="0" dirty="0" smtClean="0"/>
+              <a:t>есть похожие методы,</a:t>
+            </a:r>
+            <a:r>
+              <a:rPr lang="en-US" baseline="0" dirty="0" smtClean="0"/>
+              <a:t> </a:t>
+            </a:r>
+            <a:r>
+              <a:rPr lang="ru-RU" baseline="0" dirty="0" smtClean="0"/>
+              <a:t>после реализации поддержки </a:t>
+            </a:r>
+            <a:r>
+              <a:rPr lang="en-US" baseline="0" dirty="0" smtClean="0"/>
+              <a:t>ES6 - </a:t>
+            </a:r>
+            <a:r>
+              <a:rPr lang="ru-RU" baseline="0" dirty="0" smtClean="0"/>
+              <a:t>мы сможем писать на </a:t>
+            </a:r>
+            <a:r>
+              <a:rPr lang="en-US" baseline="0" dirty="0" smtClean="0"/>
+              <a:t>JavaScript </a:t>
+            </a:r>
+            <a:r>
+              <a:rPr lang="ru-RU" baseline="0" dirty="0" smtClean="0"/>
+              <a:t>почти также как и в </a:t>
+            </a:r>
+            <a:r>
+              <a:rPr lang="en-US" baseline="0" dirty="0" smtClean="0"/>
+              <a:t>C#</a:t>
+            </a:r>
+            <a:endParaRPr lang="ru-RU" baseline="0" dirty="0" smtClean="0"/>
+          </a:p>
+          <a:p>
+            <a:endParaRPr lang="en-US" baseline="0" dirty="0" smtClean="0"/>
+          </a:p>
+          <a:p>
+            <a:r>
+              <a:rPr lang="ru-RU" baseline="0" dirty="0" smtClean="0"/>
+              <a:t>Лямбда выражения -</a:t>
+            </a:r>
+            <a:r>
+              <a:rPr lang="en-US" baseline="0" dirty="0" smtClean="0"/>
+              <a:t>&gt; arrow functions</a:t>
+            </a:r>
+            <a:endParaRPr lang="ru-RU" baseline="0" dirty="0" smtClean="0"/>
+          </a:p>
+        </p:txBody>
+      </p:sp>
+      <p:sp>
+        <p:nvSpPr>
+          <p:cNvPr id="4" name="Номер слайда 3"/>
+          <p:cNvSpPr>
+            <a:spLocks noGrp="1"/>
+          </p:cNvSpPr>
+          <p:nvPr>
+            <p:ph type="sldNum" sz="quarter" idx="10"/>
+          </p:nvPr>
+        </p:nvSpPr>
+        <p:spPr/>
+        <p:txBody>
+          <a:bodyPr/>
+          <a:lstStyle/>
+          <a:p>
+            <a:fld id="{6902A882-9F74-45E9-902A-B7072A705BC8}" type="slidenum">
+              <a:rPr lang="ru-RU" smtClean="0"/>
+              <a:t>38</a:t>
+            </a:fld>
+            <a:endParaRPr lang="ru-RU"/>
+          </a:p>
+        </p:txBody>
+      </p:sp>
+    </p:spTree>
+    <p:extLst>
+      <p:ext uri="{BB962C8B-B14F-4D97-AF65-F5344CB8AC3E}">
+        <p14:creationId xmlns:p14="http://schemas.microsoft.com/office/powerpoint/2010/main" val="1195862819"/>
+      </p:ext>
+    </p:extLst>
+  </p:cSld>
+  <p:clrMapOvr>
+    <a:masterClrMapping/>
+  </p:clrMapOvr>
+</p:notes>
+</file>
+
+<file path=ppt/notesSlides/notesSlide26.xml><?xml version="1.0" encoding="utf-8"?>
+<p:notes xmlns:a="http://schemas.openxmlformats.org/drawingml/2006/main" xmlns:r="http://schemas.openxmlformats.org/officeDocument/2006/relationships" xmlns:p="http://schemas.openxmlformats.org/presentationml/2006/main">
+  <p:cSld>
+    <p:spTree>
+      <p:nvGrpSpPr>
+        <p:cNvPr id="1" name=""/>
+        <p:cNvGrpSpPr/>
+        <p:nvPr/>
+      </p:nvGrpSpPr>
+      <p:grpSpPr>
+        <a:xfrm>
+          <a:off x="0" y="0"/>
+          <a:ext cx="0" cy="0"/>
+          <a:chOff x="0" y="0"/>
+          <a:chExt cx="0" cy="0"/>
+        </a:xfrm>
+      </p:grpSpPr>
+      <p:sp>
+        <p:nvSpPr>
+          <p:cNvPr id="2" name="Образ слайда 1"/>
+          <p:cNvSpPr>
+            <a:spLocks noGrp="1" noRot="1" noChangeAspect="1"/>
+          </p:cNvSpPr>
+          <p:nvPr>
+            <p:ph type="sldImg"/>
+          </p:nvPr>
+        </p:nvSpPr>
+        <p:spPr/>
+      </p:sp>
+      <p:sp>
+        <p:nvSpPr>
+          <p:cNvPr id="3" name="Заметки 2"/>
+          <p:cNvSpPr>
+            <a:spLocks noGrp="1"/>
+          </p:cNvSpPr>
+          <p:nvPr>
+            <p:ph type="body" idx="1"/>
+          </p:nvPr>
+        </p:nvSpPr>
+        <p:spPr/>
+        <p:txBody>
+          <a:bodyPr/>
+          <a:lstStyle/>
+          <a:p>
+            <a:r>
+              <a:rPr lang="ru-RU" baseline="0" dirty="0" smtClean="0"/>
+              <a:t>Идея дать домашнее задание (или что то такое), реализовать подобным образом метод </a:t>
+            </a:r>
+            <a:r>
+              <a:rPr lang="en-US" baseline="0" dirty="0" err="1" smtClean="0"/>
+              <a:t>orderBy</a:t>
+            </a:r>
+            <a:r>
+              <a:rPr lang="en-US" baseline="0" dirty="0" smtClean="0"/>
+              <a:t> (</a:t>
+            </a:r>
+            <a:r>
+              <a:rPr lang="ru-RU" baseline="0" dirty="0" smtClean="0"/>
+              <a:t>аналог в </a:t>
+            </a:r>
+            <a:r>
+              <a:rPr lang="en-US" baseline="0" dirty="0" smtClean="0"/>
+              <a:t>C#). </a:t>
+            </a:r>
+            <a:r>
+              <a:rPr lang="ru-RU" baseline="0" dirty="0" smtClean="0"/>
+              <a:t>Задача потруднее чем в случае с </a:t>
+            </a:r>
+            <a:r>
+              <a:rPr lang="en-US" baseline="0" dirty="0" smtClean="0"/>
+              <a:t>find + </a:t>
+            </a:r>
+            <a:r>
+              <a:rPr lang="ru-RU" baseline="0" dirty="0" smtClean="0"/>
+              <a:t>на смекалку.</a:t>
+            </a:r>
+            <a:endParaRPr lang="en-US" baseline="0" dirty="0" smtClean="0"/>
+          </a:p>
+          <a:p>
+            <a:endParaRPr lang="ru-RU" dirty="0"/>
+          </a:p>
+        </p:txBody>
+      </p:sp>
+      <p:sp>
+        <p:nvSpPr>
+          <p:cNvPr id="4" name="Номер слайда 3"/>
+          <p:cNvSpPr>
+            <a:spLocks noGrp="1"/>
+          </p:cNvSpPr>
+          <p:nvPr>
+            <p:ph type="sldNum" sz="quarter" idx="10"/>
+          </p:nvPr>
+        </p:nvSpPr>
+        <p:spPr/>
+        <p:txBody>
+          <a:bodyPr/>
+          <a:lstStyle/>
+          <a:p>
+            <a:fld id="{6902A882-9F74-45E9-902A-B7072A705BC8}" type="slidenum">
+              <a:rPr lang="ru-RU" smtClean="0"/>
+              <a:t>40</a:t>
             </a:fld>
             <a:endParaRPr lang="ru-RU"/>
           </a:p>
@@ -3436,7 +3613,7 @@
           <a:p>
             <a:fld id="{B195E343-1A91-4427-8C91-25CCF560345C}" type="datetimeFigureOut">
               <a:rPr lang="ru-RU" smtClean="0"/>
-              <a:t>29.04.2015</a:t>
+              <a:t>01.05.2015</a:t>
             </a:fld>
             <a:endParaRPr lang="ru-RU"/>
           </a:p>
@@ -3606,7 +3783,7 @@
           <a:p>
             <a:fld id="{B195E343-1A91-4427-8C91-25CCF560345C}" type="datetimeFigureOut">
               <a:rPr lang="ru-RU" smtClean="0"/>
-              <a:t>29.04.2015</a:t>
+              <a:t>01.05.2015</a:t>
             </a:fld>
             <a:endParaRPr lang="ru-RU"/>
           </a:p>
@@ -3786,7 +3963,7 @@
           <a:p>
             <a:fld id="{B195E343-1A91-4427-8C91-25CCF560345C}" type="datetimeFigureOut">
               <a:rPr lang="ru-RU" smtClean="0"/>
-              <a:t>29.04.2015</a:t>
+              <a:t>01.05.2015</a:t>
             </a:fld>
             <a:endParaRPr lang="ru-RU"/>
           </a:p>
@@ -3956,7 +4133,7 @@
           <a:p>
             <a:fld id="{B195E343-1A91-4427-8C91-25CCF560345C}" type="datetimeFigureOut">
               <a:rPr lang="ru-RU" smtClean="0"/>
-              <a:t>29.04.2015</a:t>
+              <a:t>01.05.2015</a:t>
             </a:fld>
             <a:endParaRPr lang="ru-RU"/>
           </a:p>
@@ -4200,7 +4377,7 @@
           <a:p>
             <a:fld id="{B195E343-1A91-4427-8C91-25CCF560345C}" type="datetimeFigureOut">
               <a:rPr lang="ru-RU" smtClean="0"/>
-              <a:t>29.04.2015</a:t>
+              <a:t>01.05.2015</a:t>
             </a:fld>
             <a:endParaRPr lang="ru-RU"/>
           </a:p>
@@ -4432,7 +4609,7 @@
           <a:p>
             <a:fld id="{B195E343-1A91-4427-8C91-25CCF560345C}" type="datetimeFigureOut">
               <a:rPr lang="ru-RU" smtClean="0"/>
-              <a:t>29.04.2015</a:t>
+              <a:t>01.05.2015</a:t>
             </a:fld>
             <a:endParaRPr lang="ru-RU"/>
           </a:p>
@@ -4799,7 +4976,7 @@
           <a:p>
             <a:fld id="{B195E343-1A91-4427-8C91-25CCF560345C}" type="datetimeFigureOut">
               <a:rPr lang="ru-RU" smtClean="0"/>
-              <a:t>29.04.2015</a:t>
+              <a:t>01.05.2015</a:t>
             </a:fld>
             <a:endParaRPr lang="ru-RU"/>
           </a:p>
@@ -4917,7 +5094,7 @@
           <a:p>
             <a:fld id="{B195E343-1A91-4427-8C91-25CCF560345C}" type="datetimeFigureOut">
               <a:rPr lang="ru-RU" smtClean="0"/>
-              <a:t>29.04.2015</a:t>
+              <a:t>01.05.2015</a:t>
             </a:fld>
             <a:endParaRPr lang="ru-RU"/>
           </a:p>
@@ -5012,7 +5189,7 @@
           <a:p>
             <a:fld id="{B195E343-1A91-4427-8C91-25CCF560345C}" type="datetimeFigureOut">
               <a:rPr lang="ru-RU" smtClean="0"/>
-              <a:t>29.04.2015</a:t>
+              <a:t>01.05.2015</a:t>
             </a:fld>
             <a:endParaRPr lang="ru-RU"/>
           </a:p>
@@ -5289,7 +5466,7 @@
           <a:p>
             <a:fld id="{B195E343-1A91-4427-8C91-25CCF560345C}" type="datetimeFigureOut">
               <a:rPr lang="ru-RU" smtClean="0"/>
-              <a:t>29.04.2015</a:t>
+              <a:t>01.05.2015</a:t>
             </a:fld>
             <a:endParaRPr lang="ru-RU"/>
           </a:p>
@@ -5546,7 +5723,7 @@
           <a:p>
             <a:fld id="{B195E343-1A91-4427-8C91-25CCF560345C}" type="datetimeFigureOut">
               <a:rPr lang="ru-RU" smtClean="0"/>
-              <a:t>29.04.2015</a:t>
+              <a:t>01.05.2015</a:t>
             </a:fld>
             <a:endParaRPr lang="ru-RU"/>
           </a:p>
@@ -5759,7 +5936,7 @@
           <a:p>
             <a:fld id="{B195E343-1A91-4427-8C91-25CCF560345C}" type="datetimeFigureOut">
               <a:rPr lang="ru-RU" smtClean="0"/>
-              <a:t>29.04.2015</a:t>
+              <a:t>01.05.2015</a:t>
             </a:fld>
             <a:endParaRPr lang="ru-RU"/>
           </a:p>
@@ -6324,64 +6501,16 @@
               <a:t> = </a:t>
             </a:r>
             <a:r>
-              <a:rPr lang="en-US" sz="2000" dirty="0" smtClean="0">
-                <a:solidFill>
-                  <a:srgbClr val="000000"/>
-                </a:solidFill>
-                <a:highlight>
-                  <a:srgbClr val="FFFFFF"/>
-                </a:highlight>
-                <a:latin typeface="Consolas" panose="020B0609020204030204" pitchFamily="49" charset="0"/>
-              </a:rPr>
-              <a:t>{ </a:t>
-            </a:r>
-            <a:r>
               <a:rPr lang="en-US" sz="2000" dirty="0">
                 <a:solidFill>
-                  <a:srgbClr val="008000"/>
-                </a:solidFill>
-                <a:highlight>
-                  <a:srgbClr val="FFFFFF"/>
-                </a:highlight>
-                <a:latin typeface="Consolas" panose="020B0609020204030204" pitchFamily="49" charset="0"/>
-              </a:rPr>
-              <a:t>/* </a:t>
-            </a:r>
-            <a:r>
-              <a:rPr lang="ru-RU" sz="2000" dirty="0">
-                <a:solidFill>
-                  <a:srgbClr val="008000"/>
-                </a:solidFill>
-                <a:highlight>
-                  <a:srgbClr val="FFFFFF"/>
-                </a:highlight>
-                <a:latin typeface="Consolas" panose="020B0609020204030204" pitchFamily="49" charset="0"/>
-              </a:rPr>
-              <a:t>свойства</a:t>
-            </a:r>
-            <a:r>
-              <a:rPr lang="en-US" sz="2000" dirty="0">
-                <a:solidFill>
-                  <a:srgbClr val="008000"/>
-                </a:solidFill>
-                <a:highlight>
-                  <a:srgbClr val="FFFFFF"/>
-                </a:highlight>
-                <a:latin typeface="Consolas" panose="020B0609020204030204" pitchFamily="49" charset="0"/>
-              </a:rPr>
-              <a:t> */ </a:t>
-            </a:r>
-            <a:r>
-              <a:rPr lang="en-US" sz="2000" dirty="0" smtClean="0">
-                <a:solidFill>
-                  <a:srgbClr val="000000"/>
-                </a:solidFill>
-                <a:highlight>
-                  <a:srgbClr val="FFFFFF"/>
-                </a:highlight>
-                <a:latin typeface="Consolas" panose="020B0609020204030204" pitchFamily="49" charset="0"/>
-              </a:rPr>
-              <a:t>};</a:t>
+                  <a:srgbClr val="000000"/>
+                </a:solidFill>
+                <a:highlight>
+                  <a:srgbClr val="FFFFFF"/>
+                </a:highlight>
+                <a:latin typeface="Consolas" panose="020B0609020204030204" pitchFamily="49" charset="0"/>
+              </a:rPr>
+              <a:t>{ property: value, property2: value2 };</a:t>
             </a:r>
           </a:p>
           <a:p>
@@ -10477,11 +10606,7 @@
             </a:pPr>
             <a:r>
               <a:rPr lang="ru-RU" dirty="0" smtClean="0"/>
-              <a:t>Пользовательский </a:t>
-            </a:r>
-            <a:r>
-              <a:rPr lang="ru-RU" dirty="0" smtClean="0"/>
-              <a:t>интерфейс (верстка, стили)</a:t>
+              <a:t>Пользовательский интерфейс (верстка, стили)</a:t>
             </a:r>
           </a:p>
           <a:p>
@@ -14168,7 +14293,7 @@
         <p:spPr>
           <a:xfrm>
             <a:off x="628650" y="365127"/>
-            <a:ext cx="3989070" cy="572134"/>
+            <a:ext cx="5189220" cy="572134"/>
           </a:xfrm>
         </p:spPr>
         <p:txBody>
@@ -14179,7 +14304,11 @@
           <a:p>
             <a:r>
               <a:rPr lang="ru-RU" dirty="0" smtClean="0"/>
-              <a:t>Поле </a:t>
+              <a:t>Свойство</a:t>
+            </a:r>
+            <a:r>
+              <a:rPr lang="ru-RU" dirty="0" smtClean="0"/>
+              <a:t> </a:t>
             </a:r>
             <a:r>
               <a:rPr lang="en-US" dirty="0" smtClean="0"/>
@@ -14496,423 +14625,158 @@
         <p:spPr>
           <a:xfrm>
             <a:off x="628650" y="365127"/>
-            <a:ext cx="7886700" cy="709294"/>
+            <a:ext cx="5189220" cy="572134"/>
           </a:xfrm>
         </p:spPr>
         <p:txBody>
-          <a:bodyPr/>
+          <a:bodyPr>
+            <a:normAutofit fontScale="90000"/>
+          </a:bodyPr>
           <a:lstStyle/>
           <a:p>
             <a:r>
-              <a:rPr lang="ru-RU" dirty="0"/>
-              <a:t>Оператор </a:t>
-            </a:r>
-            <a:r>
-              <a:rPr lang="en-US" dirty="0">
+              <a:rPr lang="ru-RU" dirty="0" smtClean="0"/>
+              <a:t>Свойство</a:t>
+            </a:r>
+            <a:r>
+              <a:rPr lang="ru-RU" dirty="0" smtClean="0"/>
+              <a:t> </a:t>
+            </a:r>
+            <a:r>
+              <a:rPr lang="en-US" dirty="0" smtClean="0"/>
+              <a:t>prototype</a:t>
+            </a:r>
+            <a:endParaRPr lang="ru-RU" dirty="0"/>
+          </a:p>
+        </p:txBody>
+      </p:sp>
+      <p:sp>
+        <p:nvSpPr>
+          <p:cNvPr id="3" name="Объект 2"/>
+          <p:cNvSpPr>
+            <a:spLocks noGrp="1"/>
+          </p:cNvSpPr>
+          <p:nvPr>
+            <p:ph idx="1"/>
+          </p:nvPr>
+        </p:nvSpPr>
+        <p:spPr>
+          <a:xfrm>
+            <a:off x="480060" y="1154431"/>
+            <a:ext cx="8663940" cy="5239702"/>
+          </a:xfrm>
+        </p:spPr>
+        <p:txBody>
+          <a:bodyPr>
+            <a:normAutofit/>
+          </a:bodyPr>
+          <a:lstStyle/>
+          <a:p>
+            <a:r>
+              <a:rPr lang="ru-RU" dirty="0" smtClean="0"/>
+              <a:t>Есть у каждой </a:t>
+            </a:r>
+            <a:r>
+              <a:rPr lang="ru-RU" b="1" dirty="0" smtClean="0"/>
+              <a:t>функции</a:t>
+            </a:r>
+          </a:p>
+          <a:p>
+            <a:r>
+              <a:rPr lang="ru-RU" dirty="0" smtClean="0"/>
+              <a:t>По умолчанию: пустой объект со свойством </a:t>
+            </a:r>
+            <a:r>
+              <a:rPr lang="en-US" dirty="0" err="1" smtClean="0"/>
+              <a:t>contructor</a:t>
+            </a:r>
+            <a:endParaRPr lang="en-US" dirty="0" smtClean="0"/>
+          </a:p>
+          <a:p>
+            <a:endParaRPr lang="en-US" dirty="0"/>
+          </a:p>
+          <a:p>
+            <a:endParaRPr lang="en-US" dirty="0" smtClean="0"/>
+          </a:p>
+          <a:p>
+            <a:endParaRPr lang="en-US" dirty="0"/>
+          </a:p>
+          <a:p>
+            <a:endParaRPr lang="en-US" dirty="0" smtClean="0"/>
+          </a:p>
+          <a:p>
+            <a:endParaRPr lang="en-US" dirty="0"/>
+          </a:p>
+          <a:p>
+            <a:endParaRPr lang="en-US" dirty="0" smtClean="0"/>
+          </a:p>
+          <a:p>
+            <a:r>
+              <a:rPr lang="ru-RU" dirty="0" smtClean="0"/>
+              <a:t>Используется оператором </a:t>
+            </a:r>
+            <a:r>
+              <a:rPr lang="en-US" dirty="0" smtClean="0">
                 <a:solidFill>
                   <a:srgbClr val="0070C0"/>
                 </a:solidFill>
               </a:rPr>
               <a:t>new</a:t>
             </a:r>
-            <a:endParaRPr lang="ru-RU" dirty="0"/>
+          </a:p>
+          <a:p>
+            <a:pPr marL="0" indent="0">
+              <a:buNone/>
+            </a:pPr>
+            <a:endParaRPr lang="ru-RU" dirty="0" smtClean="0"/>
           </a:p>
         </p:txBody>
       </p:sp>
-      <p:sp>
-        <p:nvSpPr>
-          <p:cNvPr id="4" name="Объект 3"/>
-          <p:cNvSpPr>
-            <a:spLocks noGrp="1"/>
-          </p:cNvSpPr>
-          <p:nvPr>
-            <p:ph idx="1"/>
-          </p:nvPr>
-        </p:nvSpPr>
-        <p:spPr/>
-        <p:txBody>
-          <a:bodyPr/>
-          <a:lstStyle/>
-          <a:p>
-            <a:pPr marL="0" indent="0">
-              <a:buNone/>
-            </a:pPr>
-            <a:r>
-              <a:rPr lang="en-US" dirty="0">
-                <a:solidFill>
-                  <a:srgbClr val="0000FF"/>
-                </a:solidFill>
-                <a:highlight>
-                  <a:srgbClr val="FFFFFF"/>
-                </a:highlight>
-                <a:latin typeface="Consolas" panose="020B0609020204030204" pitchFamily="49" charset="0"/>
-              </a:rPr>
-              <a:t>function</a:t>
-            </a:r>
-            <a:r>
-              <a:rPr lang="en-US" dirty="0">
-                <a:solidFill>
-                  <a:srgbClr val="000000"/>
-                </a:solidFill>
-                <a:highlight>
-                  <a:srgbClr val="FFFFFF"/>
-                </a:highlight>
-                <a:latin typeface="Consolas" panose="020B0609020204030204" pitchFamily="49" charset="0"/>
-              </a:rPr>
-              <a:t> </a:t>
-            </a:r>
-            <a:r>
-              <a:rPr lang="en-US" dirty="0" err="1">
-                <a:solidFill>
-                  <a:srgbClr val="000000"/>
-                </a:solidFill>
-                <a:highlight>
-                  <a:srgbClr val="FFFFFF"/>
-                </a:highlight>
-                <a:latin typeface="Consolas" panose="020B0609020204030204" pitchFamily="49" charset="0"/>
-              </a:rPr>
-              <a:t>Func</a:t>
-            </a:r>
-            <a:r>
-              <a:rPr lang="en-US" dirty="0">
-                <a:solidFill>
-                  <a:srgbClr val="000000"/>
-                </a:solidFill>
-                <a:highlight>
-                  <a:srgbClr val="FFFFFF"/>
-                </a:highlight>
-                <a:latin typeface="Consolas" panose="020B0609020204030204" pitchFamily="49" charset="0"/>
-              </a:rPr>
-              <a:t>() {</a:t>
-            </a:r>
-          </a:p>
-          <a:p>
-            <a:pPr marL="0" indent="0">
-              <a:buNone/>
-            </a:pPr>
-            <a:r>
-              <a:rPr lang="en-US" dirty="0">
-                <a:solidFill>
-                  <a:srgbClr val="000000"/>
-                </a:solidFill>
-                <a:highlight>
-                  <a:srgbClr val="FFFFFF"/>
-                </a:highlight>
-                <a:latin typeface="Consolas" panose="020B0609020204030204" pitchFamily="49" charset="0"/>
-              </a:rPr>
-              <a:t>    console.log(</a:t>
-            </a:r>
-            <a:r>
-              <a:rPr lang="en-US" dirty="0">
-                <a:solidFill>
-                  <a:srgbClr val="0000FF"/>
-                </a:solidFill>
-                <a:highlight>
-                  <a:srgbClr val="FFFFFF"/>
-                </a:highlight>
-                <a:latin typeface="Consolas" panose="020B0609020204030204" pitchFamily="49" charset="0"/>
-              </a:rPr>
-              <a:t>this</a:t>
-            </a:r>
-            <a:r>
-              <a:rPr lang="en-US" dirty="0">
-                <a:solidFill>
-                  <a:srgbClr val="000000"/>
-                </a:solidFill>
-                <a:highlight>
-                  <a:srgbClr val="FFFFFF"/>
-                </a:highlight>
-                <a:latin typeface="Consolas" panose="020B0609020204030204" pitchFamily="49" charset="0"/>
-              </a:rPr>
-              <a:t>);</a:t>
-            </a:r>
-          </a:p>
-          <a:p>
-            <a:pPr marL="0" indent="0">
-              <a:buNone/>
-            </a:pPr>
-            <a:r>
-              <a:rPr lang="ru-RU" dirty="0">
-                <a:solidFill>
-                  <a:srgbClr val="000000"/>
-                </a:solidFill>
-                <a:highlight>
-                  <a:srgbClr val="FFFFFF"/>
-                </a:highlight>
-                <a:latin typeface="Consolas" panose="020B0609020204030204" pitchFamily="49" charset="0"/>
-              </a:rPr>
-              <a:t>}</a:t>
-            </a:r>
-          </a:p>
-          <a:p>
-            <a:pPr marL="0" indent="0">
-              <a:buNone/>
-            </a:pPr>
-            <a:r>
-              <a:rPr lang="en-US" dirty="0">
-                <a:solidFill>
-                  <a:schemeClr val="accent6">
-                    <a:lumMod val="75000"/>
-                  </a:schemeClr>
-                </a:solidFill>
-                <a:highlight>
-                  <a:srgbClr val="FFFFFF"/>
-                </a:highlight>
-                <a:latin typeface="Consolas" panose="020B0609020204030204" pitchFamily="49" charset="0"/>
-              </a:rPr>
-              <a:t>// </a:t>
-            </a:r>
-            <a:r>
-              <a:rPr lang="ru-RU" dirty="0">
-                <a:solidFill>
-                  <a:schemeClr val="accent6">
-                    <a:lumMod val="75000"/>
-                  </a:schemeClr>
-                </a:solidFill>
-                <a:highlight>
-                  <a:srgbClr val="FFFFFF"/>
-                </a:highlight>
-                <a:latin typeface="Consolas" panose="020B0609020204030204" pitchFamily="49" charset="0"/>
-              </a:rPr>
-              <a:t>примерно так:</a:t>
-            </a:r>
-          </a:p>
-          <a:p>
-            <a:pPr marL="0" indent="0">
-              <a:buNone/>
-            </a:pPr>
-            <a:r>
-              <a:rPr lang="en-US" dirty="0" err="1">
-                <a:solidFill>
-                  <a:srgbClr val="0000FF"/>
-                </a:solidFill>
-                <a:highlight>
-                  <a:srgbClr val="FFFFFF"/>
-                </a:highlight>
-                <a:latin typeface="Consolas" panose="020B0609020204030204" pitchFamily="49" charset="0"/>
-              </a:rPr>
-              <a:t>var</a:t>
-            </a:r>
-            <a:r>
-              <a:rPr lang="en-US" dirty="0">
-                <a:solidFill>
-                  <a:srgbClr val="000000"/>
-                </a:solidFill>
-                <a:highlight>
-                  <a:srgbClr val="FFFFFF"/>
-                </a:highlight>
-                <a:latin typeface="Consolas" panose="020B0609020204030204" pitchFamily="49" charset="0"/>
-              </a:rPr>
-              <a:t> </a:t>
-            </a:r>
-            <a:r>
-              <a:rPr lang="en-US" dirty="0" smtClean="0">
-                <a:solidFill>
-                  <a:srgbClr val="000000"/>
-                </a:solidFill>
-                <a:highlight>
-                  <a:srgbClr val="FFFFFF"/>
-                </a:highlight>
-                <a:latin typeface="Consolas" panose="020B0609020204030204" pitchFamily="49" charset="0"/>
-              </a:rPr>
-              <a:t>instance </a:t>
-            </a:r>
-            <a:r>
-              <a:rPr lang="en-US" dirty="0">
-                <a:solidFill>
-                  <a:srgbClr val="000000"/>
-                </a:solidFill>
-                <a:highlight>
-                  <a:srgbClr val="FFFFFF"/>
-                </a:highlight>
-                <a:latin typeface="Consolas" panose="020B0609020204030204" pitchFamily="49" charset="0"/>
-              </a:rPr>
-              <a:t>= </a:t>
-            </a:r>
-            <a:r>
-              <a:rPr lang="en-US" dirty="0" smtClean="0">
-                <a:solidFill>
-                  <a:srgbClr val="000000"/>
-                </a:solidFill>
-                <a:highlight>
-                  <a:srgbClr val="FFFFFF"/>
-                </a:highlight>
-                <a:latin typeface="Consolas" panose="020B0609020204030204" pitchFamily="49" charset="0"/>
-              </a:rPr>
-              <a:t>{};</a:t>
-            </a:r>
-            <a:endParaRPr lang="ru-RU" dirty="0" smtClean="0">
-              <a:solidFill>
-                <a:srgbClr val="000000"/>
-              </a:solidFill>
-              <a:highlight>
-                <a:srgbClr val="FFFFFF"/>
-              </a:highlight>
-              <a:latin typeface="Consolas" panose="020B0609020204030204" pitchFamily="49" charset="0"/>
-            </a:endParaRPr>
-          </a:p>
-          <a:p>
-            <a:pPr marL="0" indent="0">
-              <a:buNone/>
-            </a:pPr>
-            <a:r>
-              <a:rPr lang="en-US" dirty="0" err="1">
-                <a:solidFill>
-                  <a:srgbClr val="000000"/>
-                </a:solidFill>
-                <a:highlight>
-                  <a:srgbClr val="FFFFFF"/>
-                </a:highlight>
-                <a:latin typeface="Consolas" panose="020B0609020204030204" pitchFamily="49" charset="0"/>
-              </a:rPr>
-              <a:t>instance</a:t>
-            </a:r>
-            <a:r>
-              <a:rPr lang="en-US" dirty="0" err="1" smtClean="0">
-                <a:solidFill>
-                  <a:srgbClr val="000000"/>
-                </a:solidFill>
-                <a:highlight>
-                  <a:srgbClr val="FFFFFF"/>
-                </a:highlight>
-                <a:latin typeface="Consolas" panose="020B0609020204030204" pitchFamily="49" charset="0"/>
-              </a:rPr>
-              <a:t>.__proto</a:t>
-            </a:r>
-            <a:r>
-              <a:rPr lang="en-US" dirty="0" smtClean="0">
-                <a:solidFill>
-                  <a:srgbClr val="000000"/>
-                </a:solidFill>
-                <a:highlight>
-                  <a:srgbClr val="FFFFFF"/>
-                </a:highlight>
-                <a:latin typeface="Consolas" panose="020B0609020204030204" pitchFamily="49" charset="0"/>
-              </a:rPr>
-              <a:t>__ = </a:t>
-            </a:r>
-            <a:r>
-              <a:rPr lang="en-US" dirty="0" err="1" smtClean="0">
-                <a:solidFill>
-                  <a:srgbClr val="000000"/>
-                </a:solidFill>
-                <a:highlight>
-                  <a:srgbClr val="FFFFFF"/>
-                </a:highlight>
-                <a:latin typeface="Consolas" panose="020B0609020204030204" pitchFamily="49" charset="0"/>
-              </a:rPr>
-              <a:t>Func.prototype</a:t>
-            </a:r>
-            <a:r>
-              <a:rPr lang="en-US" dirty="0" smtClean="0">
-                <a:solidFill>
-                  <a:srgbClr val="000000"/>
-                </a:solidFill>
-                <a:highlight>
-                  <a:srgbClr val="FFFFFF"/>
-                </a:highlight>
-                <a:latin typeface="Consolas" panose="020B0609020204030204" pitchFamily="49" charset="0"/>
-              </a:rPr>
-              <a:t>;</a:t>
-            </a:r>
-            <a:endParaRPr lang="en-US" dirty="0">
-              <a:solidFill>
-                <a:srgbClr val="000000"/>
-              </a:solidFill>
-              <a:highlight>
-                <a:srgbClr val="FFFFFF"/>
-              </a:highlight>
-              <a:latin typeface="Consolas" panose="020B0609020204030204" pitchFamily="49" charset="0"/>
-            </a:endParaRPr>
-          </a:p>
-          <a:p>
-            <a:pPr marL="0" indent="0">
-              <a:buNone/>
-            </a:pPr>
-            <a:r>
-              <a:rPr lang="en-US" dirty="0" err="1" smtClean="0">
-                <a:solidFill>
-                  <a:srgbClr val="000000"/>
-                </a:solidFill>
-                <a:highlight>
-                  <a:srgbClr val="FFFFFF"/>
-                </a:highlight>
-                <a:latin typeface="Consolas" panose="020B0609020204030204" pitchFamily="49" charset="0"/>
-              </a:rPr>
-              <a:t>Func.apply</a:t>
-            </a:r>
-            <a:r>
-              <a:rPr lang="en-US" dirty="0" smtClean="0">
-                <a:solidFill>
-                  <a:srgbClr val="000000"/>
-                </a:solidFill>
-                <a:highlight>
-                  <a:srgbClr val="FFFFFF"/>
-                </a:highlight>
-                <a:latin typeface="Consolas" panose="020B0609020204030204" pitchFamily="49" charset="0"/>
-              </a:rPr>
-              <a:t>(instance, arguments);</a:t>
-            </a:r>
-            <a:endParaRPr lang="en-US" dirty="0">
-              <a:solidFill>
-                <a:srgbClr val="000000"/>
-              </a:solidFill>
-              <a:highlight>
-                <a:srgbClr val="FFFFFF"/>
-              </a:highlight>
-              <a:latin typeface="Consolas" panose="020B0609020204030204" pitchFamily="49" charset="0"/>
-            </a:endParaRPr>
-          </a:p>
-          <a:p>
-            <a:pPr marL="0" indent="0">
-              <a:buNone/>
-            </a:pPr>
-            <a:r>
-              <a:rPr lang="en-US" dirty="0">
-                <a:solidFill>
-                  <a:srgbClr val="0000FF"/>
-                </a:solidFill>
-                <a:highlight>
-                  <a:srgbClr val="FFFFFF"/>
-                </a:highlight>
-                <a:latin typeface="Consolas" panose="020B0609020204030204" pitchFamily="49" charset="0"/>
-              </a:rPr>
-              <a:t>return</a:t>
-            </a:r>
-            <a:r>
-              <a:rPr lang="en-US" dirty="0">
-                <a:solidFill>
-                  <a:srgbClr val="000000"/>
-                </a:solidFill>
-                <a:highlight>
-                  <a:srgbClr val="FFFFFF"/>
-                </a:highlight>
-                <a:latin typeface="Consolas" panose="020B0609020204030204" pitchFamily="49" charset="0"/>
-              </a:rPr>
-              <a:t> x;</a:t>
-            </a:r>
-            <a:endParaRPr lang="ru-RU" dirty="0">
-              <a:solidFill>
-                <a:srgbClr val="000000"/>
-              </a:solidFill>
-              <a:highlight>
-                <a:srgbClr val="FFFFFF"/>
-              </a:highlight>
-              <a:latin typeface="Consolas" panose="020B0609020204030204" pitchFamily="49" charset="0"/>
-            </a:endParaRPr>
-          </a:p>
-          <a:p>
-            <a:pPr marL="0" indent="0">
-              <a:buNone/>
-            </a:pPr>
-            <a:endParaRPr lang="ru-RU" dirty="0"/>
-          </a:p>
-        </p:txBody>
-      </p:sp>
+      <p:pic>
+        <p:nvPicPr>
+          <p:cNvPr id="1026" name="Picture 2" descr="http://habrastorage.org/getpro/habr/post_images/78f/247/0c9/78f2470c9a8f0a3aac9a8fa18e260e23.png"/>
+          <p:cNvPicPr>
+            <a:picLocks noChangeAspect="1" noChangeArrowheads="1"/>
+          </p:cNvPicPr>
+          <p:nvPr/>
+        </p:nvPicPr>
+        <p:blipFill>
+          <a:blip r:embed="rId3">
+            <a:extLst>
+              <a:ext uri="{28A0092B-C50C-407E-A947-70E740481C1C}">
+                <a14:useLocalDpi xmlns:a14="http://schemas.microsoft.com/office/drawing/2010/main" val="0"/>
+              </a:ext>
+            </a:extLst>
+          </a:blip>
+          <a:srcRect/>
+          <a:stretch>
+            <a:fillRect/>
+          </a:stretch>
+        </p:blipFill>
+        <p:spPr bwMode="auto">
+          <a:xfrm>
+            <a:off x="632460" y="2316956"/>
+            <a:ext cx="4456004" cy="2506504"/>
+          </a:xfrm>
+          <a:prstGeom prst="rect">
+            <a:avLst/>
+          </a:prstGeom>
+          <a:noFill/>
+          <a:extLst>
+            <a:ext uri="{909E8E84-426E-40DD-AFC4-6F175D3DCCD1}">
+              <a14:hiddenFill xmlns:a14="http://schemas.microsoft.com/office/drawing/2010/main">
+                <a:solidFill>
+                  <a:srgbClr val="FFFFFF"/>
+                </a:solidFill>
+              </a14:hiddenFill>
+            </a:ext>
+          </a:extLst>
+        </p:spPr>
+      </p:pic>
     </p:spTree>
     <p:extLst>
       <p:ext uri="{BB962C8B-B14F-4D97-AF65-F5344CB8AC3E}">
-        <p14:creationId xmlns:p14="http://schemas.microsoft.com/office/powerpoint/2010/main" val="924253366"/>
+        <p14:creationId xmlns:p14="http://schemas.microsoft.com/office/powerpoint/2010/main" val="3083245626"/>
       </p:ext>
     </p:extLst>
   </p:cSld>
@@ -14959,7 +14823,7 @@
         <p:spPr>
           <a:xfrm>
             <a:off x="628650" y="365127"/>
-            <a:ext cx="7886700" cy="861790"/>
+            <a:ext cx="7886700" cy="709294"/>
           </a:xfrm>
         </p:spPr>
         <p:txBody>
@@ -14967,60 +14831,415 @@
           <a:lstStyle/>
           <a:p>
             <a:r>
-              <a:rPr lang="ru-RU" dirty="0" smtClean="0"/>
-              <a:t>Прототип объекта</a:t>
+              <a:rPr lang="ru-RU" dirty="0"/>
+              <a:t>Оператор </a:t>
+            </a:r>
+            <a:r>
+              <a:rPr lang="en-US" dirty="0">
+                <a:solidFill>
+                  <a:srgbClr val="0070C0"/>
+                </a:solidFill>
+              </a:rPr>
+              <a:t>new</a:t>
             </a:r>
             <a:endParaRPr lang="ru-RU" dirty="0"/>
           </a:p>
         </p:txBody>
       </p:sp>
-      <p:pic>
-        <p:nvPicPr>
-          <p:cNvPr id="2050" name="Picture 2" descr="native-prototypes-classes.png"/>
-          <p:cNvPicPr>
-            <a:picLocks noGrp="1" noChangeAspect="1" noChangeArrowheads="1"/>
-          </p:cNvPicPr>
+      <p:sp>
+        <p:nvSpPr>
+          <p:cNvPr id="4" name="Объект 3"/>
+          <p:cNvSpPr>
+            <a:spLocks noGrp="1"/>
+          </p:cNvSpPr>
           <p:nvPr>
             <p:ph idx="1"/>
           </p:nvPr>
-        </p:nvPicPr>
-        <p:blipFill>
-          <a:blip r:embed="rId3">
-            <a:extLst>
-              <a:ext uri="{28A0092B-C50C-407E-A947-70E740481C1C}">
-                <a14:useLocalDpi xmlns:a14="http://schemas.microsoft.com/office/drawing/2010/main" val="0"/>
-              </a:ext>
-            </a:extLst>
-          </a:blip>
-          <a:srcRect/>
-          <a:stretch>
-            <a:fillRect/>
-          </a:stretch>
-        </p:blipFill>
-        <p:spPr bwMode="auto">
-          <a:xfrm>
-            <a:off x="628650" y="1385223"/>
-            <a:ext cx="7886700" cy="4760655"/>
-          </a:xfrm>
-          <a:prstGeom prst="rect">
-            <a:avLst/>
-          </a:prstGeom>
-          <a:noFill/>
-          <a:extLst>
-            <a:ext uri="{909E8E84-426E-40DD-AFC4-6F175D3DCCD1}">
-              <a14:hiddenFill xmlns:a14="http://schemas.microsoft.com/office/drawing/2010/main">
-                <a:solidFill>
-                  <a:srgbClr val="FFFFFF"/>
-                </a:solidFill>
-              </a14:hiddenFill>
-            </a:ext>
-          </a:extLst>
-        </p:spPr>
-      </p:pic>
+        </p:nvSpPr>
+        <p:spPr/>
+        <p:txBody>
+          <a:bodyPr/>
+          <a:lstStyle/>
+          <a:p>
+            <a:pPr marL="0" indent="0">
+              <a:buNone/>
+            </a:pPr>
+            <a:r>
+              <a:rPr lang="en-US" dirty="0">
+                <a:solidFill>
+                  <a:srgbClr val="0000FF"/>
+                </a:solidFill>
+                <a:highlight>
+                  <a:srgbClr val="FFFFFF"/>
+                </a:highlight>
+                <a:latin typeface="Consolas" panose="020B0609020204030204" pitchFamily="49" charset="0"/>
+              </a:rPr>
+              <a:t>function</a:t>
+            </a:r>
+            <a:r>
+              <a:rPr lang="en-US" dirty="0">
+                <a:solidFill>
+                  <a:srgbClr val="000000"/>
+                </a:solidFill>
+                <a:highlight>
+                  <a:srgbClr val="FFFFFF"/>
+                </a:highlight>
+                <a:latin typeface="Consolas" panose="020B0609020204030204" pitchFamily="49" charset="0"/>
+              </a:rPr>
+              <a:t> </a:t>
+            </a:r>
+            <a:r>
+              <a:rPr lang="en-US" dirty="0" err="1">
+                <a:solidFill>
+                  <a:srgbClr val="000000"/>
+                </a:solidFill>
+                <a:highlight>
+                  <a:srgbClr val="FFFFFF"/>
+                </a:highlight>
+                <a:latin typeface="Consolas" panose="020B0609020204030204" pitchFamily="49" charset="0"/>
+              </a:rPr>
+              <a:t>Func</a:t>
+            </a:r>
+            <a:r>
+              <a:rPr lang="en-US" dirty="0">
+                <a:solidFill>
+                  <a:srgbClr val="000000"/>
+                </a:solidFill>
+                <a:highlight>
+                  <a:srgbClr val="FFFFFF"/>
+                </a:highlight>
+                <a:latin typeface="Consolas" panose="020B0609020204030204" pitchFamily="49" charset="0"/>
+              </a:rPr>
+              <a:t>() {</a:t>
+            </a:r>
+          </a:p>
+          <a:p>
+            <a:pPr marL="0" indent="0">
+              <a:buNone/>
+            </a:pPr>
+            <a:r>
+              <a:rPr lang="en-US" dirty="0">
+                <a:solidFill>
+                  <a:srgbClr val="000000"/>
+                </a:solidFill>
+                <a:highlight>
+                  <a:srgbClr val="FFFFFF"/>
+                </a:highlight>
+                <a:latin typeface="Consolas" panose="020B0609020204030204" pitchFamily="49" charset="0"/>
+              </a:rPr>
+              <a:t>    console.log(</a:t>
+            </a:r>
+            <a:r>
+              <a:rPr lang="en-US" dirty="0">
+                <a:solidFill>
+                  <a:srgbClr val="0000FF"/>
+                </a:solidFill>
+                <a:highlight>
+                  <a:srgbClr val="FFFFFF"/>
+                </a:highlight>
+                <a:latin typeface="Consolas" panose="020B0609020204030204" pitchFamily="49" charset="0"/>
+              </a:rPr>
+              <a:t>this</a:t>
+            </a:r>
+            <a:r>
+              <a:rPr lang="en-US" dirty="0">
+                <a:solidFill>
+                  <a:srgbClr val="000000"/>
+                </a:solidFill>
+                <a:highlight>
+                  <a:srgbClr val="FFFFFF"/>
+                </a:highlight>
+                <a:latin typeface="Consolas" panose="020B0609020204030204" pitchFamily="49" charset="0"/>
+              </a:rPr>
+              <a:t>);</a:t>
+            </a:r>
+          </a:p>
+          <a:p>
+            <a:pPr marL="0" indent="0">
+              <a:buNone/>
+            </a:pPr>
+            <a:r>
+              <a:rPr lang="ru-RU" dirty="0">
+                <a:solidFill>
+                  <a:srgbClr val="000000"/>
+                </a:solidFill>
+                <a:highlight>
+                  <a:srgbClr val="FFFFFF"/>
+                </a:highlight>
+                <a:latin typeface="Consolas" panose="020B0609020204030204" pitchFamily="49" charset="0"/>
+              </a:rPr>
+              <a:t>}</a:t>
+            </a:r>
+          </a:p>
+          <a:p>
+            <a:pPr marL="0" indent="0">
+              <a:buNone/>
+            </a:pPr>
+            <a:r>
+              <a:rPr lang="en-US" dirty="0">
+                <a:solidFill>
+                  <a:schemeClr val="accent6">
+                    <a:lumMod val="75000"/>
+                  </a:schemeClr>
+                </a:solidFill>
+                <a:highlight>
+                  <a:srgbClr val="FFFFFF"/>
+                </a:highlight>
+                <a:latin typeface="Consolas" panose="020B0609020204030204" pitchFamily="49" charset="0"/>
+              </a:rPr>
+              <a:t>// </a:t>
+            </a:r>
+            <a:r>
+              <a:rPr lang="ru-RU" dirty="0">
+                <a:solidFill>
+                  <a:schemeClr val="accent6">
+                    <a:lumMod val="75000"/>
+                  </a:schemeClr>
+                </a:solidFill>
+                <a:highlight>
+                  <a:srgbClr val="FFFFFF"/>
+                </a:highlight>
+                <a:latin typeface="Consolas" panose="020B0609020204030204" pitchFamily="49" charset="0"/>
+              </a:rPr>
+              <a:t>примерно так:</a:t>
+            </a:r>
+          </a:p>
+          <a:p>
+            <a:pPr marL="0" indent="0">
+              <a:buNone/>
+            </a:pPr>
+            <a:r>
+              <a:rPr lang="en-US" dirty="0" err="1">
+                <a:solidFill>
+                  <a:srgbClr val="0000FF"/>
+                </a:solidFill>
+                <a:highlight>
+                  <a:srgbClr val="FFFFFF"/>
+                </a:highlight>
+                <a:latin typeface="Consolas" panose="020B0609020204030204" pitchFamily="49" charset="0"/>
+              </a:rPr>
+              <a:t>var</a:t>
+            </a:r>
+            <a:r>
+              <a:rPr lang="en-US" dirty="0">
+                <a:solidFill>
+                  <a:srgbClr val="000000"/>
+                </a:solidFill>
+                <a:highlight>
+                  <a:srgbClr val="FFFFFF"/>
+                </a:highlight>
+                <a:latin typeface="Consolas" panose="020B0609020204030204" pitchFamily="49" charset="0"/>
+              </a:rPr>
+              <a:t> </a:t>
+            </a:r>
+            <a:r>
+              <a:rPr lang="en-US" dirty="0" smtClean="0">
+                <a:solidFill>
+                  <a:srgbClr val="000000"/>
+                </a:solidFill>
+                <a:highlight>
+                  <a:srgbClr val="FFFFFF"/>
+                </a:highlight>
+                <a:latin typeface="Consolas" panose="020B0609020204030204" pitchFamily="49" charset="0"/>
+              </a:rPr>
+              <a:t>instance </a:t>
+            </a:r>
+            <a:r>
+              <a:rPr lang="en-US" dirty="0">
+                <a:solidFill>
+                  <a:srgbClr val="000000"/>
+                </a:solidFill>
+                <a:highlight>
+                  <a:srgbClr val="FFFFFF"/>
+                </a:highlight>
+                <a:latin typeface="Consolas" panose="020B0609020204030204" pitchFamily="49" charset="0"/>
+              </a:rPr>
+              <a:t>= </a:t>
+            </a:r>
+            <a:r>
+              <a:rPr lang="en-US" dirty="0" smtClean="0">
+                <a:solidFill>
+                  <a:srgbClr val="000000"/>
+                </a:solidFill>
+                <a:highlight>
+                  <a:srgbClr val="FFFFFF"/>
+                </a:highlight>
+                <a:latin typeface="Consolas" panose="020B0609020204030204" pitchFamily="49" charset="0"/>
+              </a:rPr>
+              <a:t>{};</a:t>
+            </a:r>
+            <a:endParaRPr lang="ru-RU" dirty="0" smtClean="0">
+              <a:solidFill>
+                <a:srgbClr val="000000"/>
+              </a:solidFill>
+              <a:highlight>
+                <a:srgbClr val="FFFFFF"/>
+              </a:highlight>
+              <a:latin typeface="Consolas" panose="020B0609020204030204" pitchFamily="49" charset="0"/>
+            </a:endParaRPr>
+          </a:p>
+          <a:p>
+            <a:pPr marL="0" indent="0">
+              <a:buNone/>
+            </a:pPr>
+            <a:r>
+              <a:rPr lang="en-US" dirty="0" err="1">
+                <a:solidFill>
+                  <a:srgbClr val="000000"/>
+                </a:solidFill>
+                <a:highlight>
+                  <a:srgbClr val="FFFFFF"/>
+                </a:highlight>
+                <a:latin typeface="Consolas" panose="020B0609020204030204" pitchFamily="49" charset="0"/>
+              </a:rPr>
+              <a:t>instance</a:t>
+            </a:r>
+            <a:r>
+              <a:rPr lang="en-US" dirty="0" err="1" smtClean="0">
+                <a:solidFill>
+                  <a:srgbClr val="000000"/>
+                </a:solidFill>
+                <a:highlight>
+                  <a:srgbClr val="FFFFFF"/>
+                </a:highlight>
+                <a:latin typeface="Consolas" panose="020B0609020204030204" pitchFamily="49" charset="0"/>
+              </a:rPr>
+              <a:t>.__proto</a:t>
+            </a:r>
+            <a:r>
+              <a:rPr lang="en-US" dirty="0" smtClean="0">
+                <a:solidFill>
+                  <a:srgbClr val="000000"/>
+                </a:solidFill>
+                <a:highlight>
+                  <a:srgbClr val="FFFFFF"/>
+                </a:highlight>
+                <a:latin typeface="Consolas" panose="020B0609020204030204" pitchFamily="49" charset="0"/>
+              </a:rPr>
+              <a:t>__ = </a:t>
+            </a:r>
+            <a:r>
+              <a:rPr lang="en-US" dirty="0" err="1" smtClean="0">
+                <a:solidFill>
+                  <a:srgbClr val="000000"/>
+                </a:solidFill>
+                <a:highlight>
+                  <a:srgbClr val="FFFFFF"/>
+                </a:highlight>
+                <a:latin typeface="Consolas" panose="020B0609020204030204" pitchFamily="49" charset="0"/>
+              </a:rPr>
+              <a:t>Func.prototype</a:t>
+            </a:r>
+            <a:r>
+              <a:rPr lang="en-US" dirty="0" smtClean="0">
+                <a:solidFill>
+                  <a:srgbClr val="000000"/>
+                </a:solidFill>
+                <a:highlight>
+                  <a:srgbClr val="FFFFFF"/>
+                </a:highlight>
+                <a:latin typeface="Consolas" panose="020B0609020204030204" pitchFamily="49" charset="0"/>
+              </a:rPr>
+              <a:t>;</a:t>
+            </a:r>
+            <a:endParaRPr lang="en-US" dirty="0">
+              <a:solidFill>
+                <a:srgbClr val="000000"/>
+              </a:solidFill>
+              <a:highlight>
+                <a:srgbClr val="FFFFFF"/>
+              </a:highlight>
+              <a:latin typeface="Consolas" panose="020B0609020204030204" pitchFamily="49" charset="0"/>
+            </a:endParaRPr>
+          </a:p>
+          <a:p>
+            <a:pPr marL="0" indent="0">
+              <a:buNone/>
+            </a:pPr>
+            <a:r>
+              <a:rPr lang="en-US" dirty="0" err="1" smtClean="0">
+                <a:solidFill>
+                  <a:srgbClr val="000000"/>
+                </a:solidFill>
+                <a:highlight>
+                  <a:srgbClr val="FFFFFF"/>
+                </a:highlight>
+                <a:latin typeface="Consolas" panose="020B0609020204030204" pitchFamily="49" charset="0"/>
+              </a:rPr>
+              <a:t>Func.apply</a:t>
+            </a:r>
+            <a:r>
+              <a:rPr lang="en-US" dirty="0" smtClean="0">
+                <a:solidFill>
+                  <a:srgbClr val="000000"/>
+                </a:solidFill>
+                <a:highlight>
+                  <a:srgbClr val="FFFFFF"/>
+                </a:highlight>
+                <a:latin typeface="Consolas" panose="020B0609020204030204" pitchFamily="49" charset="0"/>
+              </a:rPr>
+              <a:t>(instance, arguments);</a:t>
+            </a:r>
+            <a:endParaRPr lang="en-US" dirty="0">
+              <a:solidFill>
+                <a:srgbClr val="000000"/>
+              </a:solidFill>
+              <a:highlight>
+                <a:srgbClr val="FFFFFF"/>
+              </a:highlight>
+              <a:latin typeface="Consolas" panose="020B0609020204030204" pitchFamily="49" charset="0"/>
+            </a:endParaRPr>
+          </a:p>
+          <a:p>
+            <a:pPr marL="0" indent="0">
+              <a:buNone/>
+            </a:pPr>
+            <a:r>
+              <a:rPr lang="en-US" dirty="0">
+                <a:solidFill>
+                  <a:srgbClr val="0000FF"/>
+                </a:solidFill>
+                <a:highlight>
+                  <a:srgbClr val="FFFFFF"/>
+                </a:highlight>
+                <a:latin typeface="Consolas" panose="020B0609020204030204" pitchFamily="49" charset="0"/>
+              </a:rPr>
+              <a:t>return</a:t>
+            </a:r>
+            <a:r>
+              <a:rPr lang="en-US" dirty="0">
+                <a:solidFill>
+                  <a:srgbClr val="000000"/>
+                </a:solidFill>
+                <a:highlight>
+                  <a:srgbClr val="FFFFFF"/>
+                </a:highlight>
+                <a:latin typeface="Consolas" panose="020B0609020204030204" pitchFamily="49" charset="0"/>
+              </a:rPr>
+              <a:t> x;</a:t>
+            </a:r>
+            <a:endParaRPr lang="ru-RU" dirty="0">
+              <a:solidFill>
+                <a:srgbClr val="000000"/>
+              </a:solidFill>
+              <a:highlight>
+                <a:srgbClr val="FFFFFF"/>
+              </a:highlight>
+              <a:latin typeface="Consolas" panose="020B0609020204030204" pitchFamily="49" charset="0"/>
+            </a:endParaRPr>
+          </a:p>
+          <a:p>
+            <a:pPr marL="0" indent="0">
+              <a:buNone/>
+            </a:pPr>
+            <a:endParaRPr lang="ru-RU" dirty="0"/>
+          </a:p>
+        </p:txBody>
+      </p:sp>
     </p:spTree>
     <p:extLst>
       <p:ext uri="{BB962C8B-B14F-4D97-AF65-F5344CB8AC3E}">
-        <p14:creationId xmlns:p14="http://schemas.microsoft.com/office/powerpoint/2010/main" val="3100254071"/>
+        <p14:creationId xmlns:p14="http://schemas.microsoft.com/office/powerpoint/2010/main" val="924253366"/>
       </p:ext>
     </p:extLst>
   </p:cSld>
@@ -15199,457 +15418,69 @@
         </p:nvSpPr>
         <p:spPr>
           <a:xfrm>
-            <a:off x="628650" y="365126"/>
-            <a:ext cx="7886700" cy="769193"/>
+            <a:off x="628650" y="365127"/>
+            <a:ext cx="7886700" cy="861790"/>
           </a:xfrm>
         </p:spPr>
         <p:txBody>
-          <a:bodyPr>
-            <a:normAutofit/>
-          </a:bodyPr>
+          <a:bodyPr/>
           <a:lstStyle/>
           <a:p>
             <a:r>
-              <a:rPr lang="ru-RU" sz="4000" dirty="0" smtClean="0"/>
-              <a:t>Объявление класса через прототип</a:t>
-            </a:r>
-            <a:endParaRPr lang="ru-RU" sz="4000" dirty="0"/>
+              <a:rPr lang="ru-RU" dirty="0" smtClean="0"/>
+              <a:t>Прототип объекта</a:t>
+            </a:r>
+            <a:endParaRPr lang="ru-RU" dirty="0"/>
           </a:p>
         </p:txBody>
       </p:sp>
-      <p:sp>
-        <p:nvSpPr>
-          <p:cNvPr id="3" name="Объект 2"/>
-          <p:cNvSpPr>
-            <a:spLocks noGrp="1"/>
-          </p:cNvSpPr>
+      <p:pic>
+        <p:nvPicPr>
+          <p:cNvPr id="2050" name="Picture 2" descr="native-prototypes-classes.png"/>
+          <p:cNvPicPr>
+            <a:picLocks noGrp="1" noChangeAspect="1" noChangeArrowheads="1"/>
+          </p:cNvPicPr>
           <p:nvPr>
             <p:ph idx="1"/>
           </p:nvPr>
-        </p:nvSpPr>
-        <p:spPr>
+        </p:nvPicPr>
+        <p:blipFill>
+          <a:blip r:embed="rId3">
+            <a:extLst>
+              <a:ext uri="{28A0092B-C50C-407E-A947-70E740481C1C}">
+                <a14:useLocalDpi xmlns:a14="http://schemas.microsoft.com/office/drawing/2010/main" val="0"/>
+              </a:ext>
+            </a:extLst>
+          </a:blip>
+          <a:srcRect/>
+          <a:stretch>
+            <a:fillRect/>
+          </a:stretch>
+        </p:blipFill>
+        <p:spPr bwMode="auto">
           <a:xfrm>
-            <a:off x="628650" y="1319514"/>
-            <a:ext cx="7886700" cy="4857449"/>
+            <a:off x="628650" y="1385223"/>
+            <a:ext cx="7886700" cy="4760655"/>
           </a:xfrm>
+          <a:prstGeom prst="rect">
+            <a:avLst/>
+          </a:prstGeom>
+          <a:noFill/>
+          <a:extLst>
+            <a:ext uri="{909E8E84-426E-40DD-AFC4-6F175D3DCCD1}">
+              <a14:hiddenFill xmlns:a14="http://schemas.microsoft.com/office/drawing/2010/main">
+                <a:solidFill>
+                  <a:srgbClr val="FFFFFF"/>
+                </a:solidFill>
+              </a14:hiddenFill>
+            </a:ext>
+          </a:extLst>
         </p:spPr>
-        <p:txBody>
-          <a:bodyPr>
-            <a:normAutofit/>
-          </a:bodyPr>
-          <a:lstStyle/>
-          <a:p>
-            <a:pPr marL="0" indent="0">
-              <a:buNone/>
-            </a:pPr>
-            <a:r>
-              <a:rPr lang="ru-RU" sz="2000" dirty="0">
-                <a:solidFill>
-                  <a:srgbClr val="008000"/>
-                </a:solidFill>
-                <a:highlight>
-                  <a:srgbClr val="FFFFFF"/>
-                </a:highlight>
-                <a:latin typeface="Consolas" panose="020B0609020204030204" pitchFamily="49" charset="0"/>
-              </a:rPr>
-              <a:t>// конструктор</a:t>
-            </a:r>
-            <a:endParaRPr lang="ru-RU" sz="2000" dirty="0">
-              <a:solidFill>
-                <a:srgbClr val="000000"/>
-              </a:solidFill>
-              <a:highlight>
-                <a:srgbClr val="FFFFFF"/>
-              </a:highlight>
-              <a:latin typeface="Consolas" panose="020B0609020204030204" pitchFamily="49" charset="0"/>
-            </a:endParaRPr>
-          </a:p>
-          <a:p>
-            <a:pPr marL="0" indent="0">
-              <a:buNone/>
-            </a:pPr>
-            <a:r>
-              <a:rPr lang="en-US" sz="2000" dirty="0">
-                <a:solidFill>
-                  <a:srgbClr val="0000FF"/>
-                </a:solidFill>
-                <a:highlight>
-                  <a:srgbClr val="FFFFFF"/>
-                </a:highlight>
-                <a:latin typeface="Consolas" panose="020B0609020204030204" pitchFamily="49" charset="0"/>
-              </a:rPr>
-              <a:t>function</a:t>
-            </a:r>
-            <a:r>
-              <a:rPr lang="en-US" sz="2000" dirty="0">
-                <a:solidFill>
-                  <a:srgbClr val="000000"/>
-                </a:solidFill>
-                <a:highlight>
-                  <a:srgbClr val="FFFFFF"/>
-                </a:highlight>
-                <a:latin typeface="Consolas" panose="020B0609020204030204" pitchFamily="49" charset="0"/>
-              </a:rPr>
-              <a:t> Animal(name) {</a:t>
-            </a:r>
-          </a:p>
-          <a:p>
-            <a:pPr marL="0" indent="0">
-              <a:buNone/>
-            </a:pPr>
-            <a:r>
-              <a:rPr lang="en-US" sz="2000" dirty="0">
-                <a:solidFill>
-                  <a:srgbClr val="000000"/>
-                </a:solidFill>
-                <a:highlight>
-                  <a:srgbClr val="FFFFFF"/>
-                </a:highlight>
-                <a:latin typeface="Consolas" panose="020B0609020204030204" pitchFamily="49" charset="0"/>
-              </a:rPr>
-              <a:t>    </a:t>
-            </a:r>
-            <a:r>
-              <a:rPr lang="en-US" sz="2000" dirty="0">
-                <a:solidFill>
-                  <a:srgbClr val="0000FF"/>
-                </a:solidFill>
-                <a:highlight>
-                  <a:srgbClr val="FFFFFF"/>
-                </a:highlight>
-                <a:latin typeface="Consolas" panose="020B0609020204030204" pitchFamily="49" charset="0"/>
-              </a:rPr>
-              <a:t>this</a:t>
-            </a:r>
-            <a:r>
-              <a:rPr lang="en-US" sz="2000" dirty="0">
-                <a:solidFill>
-                  <a:srgbClr val="000000"/>
-                </a:solidFill>
-                <a:highlight>
-                  <a:srgbClr val="FFFFFF"/>
-                </a:highlight>
-                <a:latin typeface="Consolas" panose="020B0609020204030204" pitchFamily="49" charset="0"/>
-              </a:rPr>
-              <a:t>.name = name;</a:t>
-            </a:r>
-          </a:p>
-          <a:p>
-            <a:pPr marL="0" indent="0">
-              <a:buNone/>
-            </a:pPr>
-            <a:r>
-              <a:rPr lang="en-US" sz="2000" dirty="0">
-                <a:solidFill>
-                  <a:srgbClr val="000000"/>
-                </a:solidFill>
-                <a:highlight>
-                  <a:srgbClr val="FFFFFF"/>
-                </a:highlight>
-                <a:latin typeface="Consolas" panose="020B0609020204030204" pitchFamily="49" charset="0"/>
-              </a:rPr>
-              <a:t>    </a:t>
-            </a:r>
-            <a:r>
-              <a:rPr lang="en-US" sz="2000" dirty="0" err="1">
-                <a:solidFill>
-                  <a:srgbClr val="0000FF"/>
-                </a:solidFill>
-                <a:highlight>
-                  <a:srgbClr val="FFFFFF"/>
-                </a:highlight>
-                <a:latin typeface="Consolas" panose="020B0609020204030204" pitchFamily="49" charset="0"/>
-              </a:rPr>
-              <a:t>this</a:t>
-            </a:r>
-            <a:r>
-              <a:rPr lang="en-US" sz="2000" dirty="0" err="1">
-                <a:solidFill>
-                  <a:srgbClr val="000000"/>
-                </a:solidFill>
-                <a:highlight>
-                  <a:srgbClr val="FFFFFF"/>
-                </a:highlight>
-                <a:latin typeface="Consolas" panose="020B0609020204030204" pitchFamily="49" charset="0"/>
-              </a:rPr>
-              <a:t>.speed</a:t>
-            </a:r>
-            <a:r>
-              <a:rPr lang="en-US" sz="2000" dirty="0">
-                <a:solidFill>
-                  <a:srgbClr val="000000"/>
-                </a:solidFill>
-                <a:highlight>
-                  <a:srgbClr val="FFFFFF"/>
-                </a:highlight>
-                <a:latin typeface="Consolas" panose="020B0609020204030204" pitchFamily="49" charset="0"/>
-              </a:rPr>
-              <a:t> = 0;</a:t>
-            </a:r>
-          </a:p>
-          <a:p>
-            <a:pPr marL="0" indent="0">
-              <a:buNone/>
-            </a:pPr>
-            <a:r>
-              <a:rPr lang="ru-RU" sz="2000" dirty="0">
-                <a:solidFill>
-                  <a:srgbClr val="000000"/>
-                </a:solidFill>
-                <a:highlight>
-                  <a:srgbClr val="FFFFFF"/>
-                </a:highlight>
-                <a:latin typeface="Consolas" panose="020B0609020204030204" pitchFamily="49" charset="0"/>
-              </a:rPr>
-              <a:t>}</a:t>
-            </a:r>
-          </a:p>
-          <a:p>
-            <a:pPr marL="0" indent="0">
-              <a:buNone/>
-            </a:pPr>
-            <a:endParaRPr lang="ru-RU" sz="2000" dirty="0">
-              <a:solidFill>
-                <a:srgbClr val="000000"/>
-              </a:solidFill>
-              <a:highlight>
-                <a:srgbClr val="FFFFFF"/>
-              </a:highlight>
-              <a:latin typeface="Consolas" panose="020B0609020204030204" pitchFamily="49" charset="0"/>
-            </a:endParaRPr>
-          </a:p>
-          <a:p>
-            <a:pPr marL="0" indent="0">
-              <a:buNone/>
-            </a:pPr>
-            <a:r>
-              <a:rPr lang="ru-RU" sz="2000" dirty="0">
-                <a:solidFill>
-                  <a:srgbClr val="008000"/>
-                </a:solidFill>
-                <a:highlight>
-                  <a:srgbClr val="FFFFFF"/>
-                </a:highlight>
-                <a:latin typeface="Consolas" panose="020B0609020204030204" pitchFamily="49" charset="0"/>
-              </a:rPr>
-              <a:t>// методы</a:t>
-            </a:r>
-            <a:endParaRPr lang="ru-RU" sz="2000" dirty="0">
-              <a:solidFill>
-                <a:srgbClr val="000000"/>
-              </a:solidFill>
-              <a:highlight>
-                <a:srgbClr val="FFFFFF"/>
-              </a:highlight>
-              <a:latin typeface="Consolas" panose="020B0609020204030204" pitchFamily="49" charset="0"/>
-            </a:endParaRPr>
-          </a:p>
-          <a:p>
-            <a:pPr marL="0" indent="0">
-              <a:buNone/>
-            </a:pPr>
-            <a:r>
-              <a:rPr lang="en-US" sz="2000" dirty="0" err="1">
-                <a:solidFill>
-                  <a:srgbClr val="000000"/>
-                </a:solidFill>
-                <a:highlight>
-                  <a:srgbClr val="FFFFFF"/>
-                </a:highlight>
-                <a:latin typeface="Consolas" panose="020B0609020204030204" pitchFamily="49" charset="0"/>
-              </a:rPr>
-              <a:t>Animal.prototype.run</a:t>
-            </a:r>
-            <a:r>
-              <a:rPr lang="en-US" sz="2000" dirty="0">
-                <a:solidFill>
-                  <a:srgbClr val="000000"/>
-                </a:solidFill>
-                <a:highlight>
-                  <a:srgbClr val="FFFFFF"/>
-                </a:highlight>
-                <a:latin typeface="Consolas" panose="020B0609020204030204" pitchFamily="49" charset="0"/>
-              </a:rPr>
-              <a:t> = </a:t>
-            </a:r>
-            <a:r>
-              <a:rPr lang="en-US" sz="2000" dirty="0">
-                <a:solidFill>
-                  <a:srgbClr val="0000FF"/>
-                </a:solidFill>
-                <a:highlight>
-                  <a:srgbClr val="FFFFFF"/>
-                </a:highlight>
-                <a:latin typeface="Consolas" panose="020B0609020204030204" pitchFamily="49" charset="0"/>
-              </a:rPr>
-              <a:t>function</a:t>
-            </a:r>
-            <a:r>
-              <a:rPr lang="en-US" sz="2000" dirty="0">
-                <a:solidFill>
-                  <a:srgbClr val="000000"/>
-                </a:solidFill>
-                <a:highlight>
-                  <a:srgbClr val="FFFFFF"/>
-                </a:highlight>
-                <a:latin typeface="Consolas" panose="020B0609020204030204" pitchFamily="49" charset="0"/>
-              </a:rPr>
-              <a:t> (speed) {</a:t>
-            </a:r>
-          </a:p>
-          <a:p>
-            <a:pPr marL="0" indent="0">
-              <a:buNone/>
-            </a:pPr>
-            <a:r>
-              <a:rPr lang="en-US" sz="2000" dirty="0">
-                <a:solidFill>
-                  <a:srgbClr val="000000"/>
-                </a:solidFill>
-                <a:highlight>
-                  <a:srgbClr val="FFFFFF"/>
-                </a:highlight>
-                <a:latin typeface="Consolas" panose="020B0609020204030204" pitchFamily="49" charset="0"/>
-              </a:rPr>
-              <a:t>    </a:t>
-            </a:r>
-            <a:r>
-              <a:rPr lang="en-US" sz="2000" dirty="0" err="1">
-                <a:solidFill>
-                  <a:srgbClr val="0000FF"/>
-                </a:solidFill>
-                <a:highlight>
-                  <a:srgbClr val="FFFFFF"/>
-                </a:highlight>
-                <a:latin typeface="Consolas" panose="020B0609020204030204" pitchFamily="49" charset="0"/>
-              </a:rPr>
-              <a:t>this</a:t>
-            </a:r>
-            <a:r>
-              <a:rPr lang="en-US" sz="2000" dirty="0" err="1">
-                <a:solidFill>
-                  <a:srgbClr val="000000"/>
-                </a:solidFill>
-                <a:highlight>
-                  <a:srgbClr val="FFFFFF"/>
-                </a:highlight>
-                <a:latin typeface="Consolas" panose="020B0609020204030204" pitchFamily="49" charset="0"/>
-              </a:rPr>
-              <a:t>.speed</a:t>
-            </a:r>
-            <a:r>
-              <a:rPr lang="en-US" sz="2000" dirty="0">
-                <a:solidFill>
-                  <a:srgbClr val="000000"/>
-                </a:solidFill>
-                <a:highlight>
-                  <a:srgbClr val="FFFFFF"/>
-                </a:highlight>
-                <a:latin typeface="Consolas" panose="020B0609020204030204" pitchFamily="49" charset="0"/>
-              </a:rPr>
-              <a:t> = speed;</a:t>
-            </a:r>
-          </a:p>
-          <a:p>
-            <a:pPr marL="0" indent="0">
-              <a:buNone/>
-            </a:pPr>
-            <a:r>
-              <a:rPr lang="ru-RU" sz="2000" dirty="0" smtClean="0">
-                <a:solidFill>
-                  <a:srgbClr val="000000"/>
-                </a:solidFill>
-                <a:highlight>
-                  <a:srgbClr val="FFFFFF"/>
-                </a:highlight>
-                <a:latin typeface="Consolas" panose="020B0609020204030204" pitchFamily="49" charset="0"/>
-              </a:rPr>
-              <a:t>};</a:t>
-            </a:r>
-            <a:endParaRPr lang="en-US" sz="2000" dirty="0" smtClean="0">
-              <a:solidFill>
-                <a:srgbClr val="000000"/>
-              </a:solidFill>
-              <a:highlight>
-                <a:srgbClr val="FFFFFF"/>
-              </a:highlight>
-              <a:latin typeface="Consolas" panose="020B0609020204030204" pitchFamily="49" charset="0"/>
-            </a:endParaRPr>
-          </a:p>
-          <a:p>
-            <a:pPr marL="0" indent="0">
-              <a:buNone/>
-            </a:pPr>
-            <a:r>
-              <a:rPr lang="en-US" sz="2000" dirty="0" err="1">
-                <a:solidFill>
-                  <a:srgbClr val="0000FF"/>
-                </a:solidFill>
-                <a:highlight>
-                  <a:srgbClr val="FFFFFF"/>
-                </a:highlight>
-                <a:latin typeface="Consolas" panose="020B0609020204030204" pitchFamily="49" charset="0"/>
-              </a:rPr>
-              <a:t>var</a:t>
-            </a:r>
-            <a:r>
-              <a:rPr lang="en-US" sz="2000" dirty="0" smtClean="0">
-                <a:solidFill>
-                  <a:srgbClr val="000000"/>
-                </a:solidFill>
-                <a:highlight>
-                  <a:srgbClr val="FFFFFF"/>
-                </a:highlight>
-                <a:latin typeface="Consolas" panose="020B0609020204030204" pitchFamily="49" charset="0"/>
-              </a:rPr>
-              <a:t> animal = new Animal(); </a:t>
-            </a:r>
-            <a:endParaRPr lang="ru-RU" sz="2000" dirty="0" smtClean="0">
-              <a:solidFill>
-                <a:srgbClr val="000000"/>
-              </a:solidFill>
-              <a:highlight>
-                <a:srgbClr val="FFFFFF"/>
-              </a:highlight>
-              <a:latin typeface="Consolas" panose="020B0609020204030204" pitchFamily="49" charset="0"/>
-            </a:endParaRPr>
-          </a:p>
-          <a:p>
-            <a:pPr marL="0" indent="0">
-              <a:buNone/>
-            </a:pPr>
-            <a:r>
-              <a:rPr lang="en-US" sz="2000" dirty="0" err="1" smtClean="0">
-                <a:solidFill>
-                  <a:srgbClr val="000000"/>
-                </a:solidFill>
-                <a:highlight>
-                  <a:srgbClr val="FFFFFF"/>
-                </a:highlight>
-                <a:latin typeface="Consolas" panose="020B0609020204030204" pitchFamily="49" charset="0"/>
-              </a:rPr>
-              <a:t>animal.run</a:t>
-            </a:r>
-            <a:r>
-              <a:rPr lang="en-US" sz="2000" dirty="0" smtClean="0">
-                <a:solidFill>
-                  <a:srgbClr val="000000"/>
-                </a:solidFill>
-                <a:highlight>
-                  <a:srgbClr val="FFFFFF"/>
-                </a:highlight>
-                <a:latin typeface="Consolas" panose="020B0609020204030204" pitchFamily="49" charset="0"/>
-              </a:rPr>
-              <a:t>();</a:t>
-            </a:r>
-            <a:endParaRPr lang="ru-RU" sz="2000" dirty="0"/>
-          </a:p>
-        </p:txBody>
-      </p:sp>
+      </p:pic>
     </p:spTree>
     <p:extLst>
       <p:ext uri="{BB962C8B-B14F-4D97-AF65-F5344CB8AC3E}">
-        <p14:creationId xmlns:p14="http://schemas.microsoft.com/office/powerpoint/2010/main" val="2591697216"/>
+        <p14:creationId xmlns:p14="http://schemas.microsoft.com/office/powerpoint/2010/main" val="3100254071"/>
       </p:ext>
     </p:extLst>
   </p:cSld>
@@ -15695,27 +15526,457 @@
         </p:nvSpPr>
         <p:spPr>
           <a:xfrm>
-            <a:off x="628650" y="2479676"/>
-            <a:ext cx="7886700" cy="1325563"/>
+            <a:off x="628650" y="365126"/>
+            <a:ext cx="7886700" cy="769193"/>
           </a:xfrm>
         </p:spPr>
         <p:txBody>
-          <a:bodyPr/>
+          <a:bodyPr>
+            <a:normAutofit/>
+          </a:bodyPr>
           <a:lstStyle/>
           <a:p>
-            <a:pPr algn="ctr"/>
-            <a:r>
-              <a:rPr lang="ru-RU" dirty="0" smtClean="0"/>
-              <a:t>Перерыв</a:t>
-            </a:r>
-            <a:endParaRPr lang="ru-RU" dirty="0"/>
+            <a:r>
+              <a:rPr lang="ru-RU" sz="4000" dirty="0" smtClean="0"/>
+              <a:t>Объявление класса через прототип</a:t>
+            </a:r>
+            <a:endParaRPr lang="ru-RU" sz="4000" dirty="0"/>
+          </a:p>
+        </p:txBody>
+      </p:sp>
+      <p:sp>
+        <p:nvSpPr>
+          <p:cNvPr id="3" name="Объект 2"/>
+          <p:cNvSpPr>
+            <a:spLocks noGrp="1"/>
+          </p:cNvSpPr>
+          <p:nvPr>
+            <p:ph idx="1"/>
+          </p:nvPr>
+        </p:nvSpPr>
+        <p:spPr>
+          <a:xfrm>
+            <a:off x="628650" y="1319514"/>
+            <a:ext cx="7886700" cy="4857449"/>
+          </a:xfrm>
+        </p:spPr>
+        <p:txBody>
+          <a:bodyPr>
+            <a:normAutofit/>
+          </a:bodyPr>
+          <a:lstStyle/>
+          <a:p>
+            <a:pPr marL="0" indent="0">
+              <a:buNone/>
+            </a:pPr>
+            <a:r>
+              <a:rPr lang="ru-RU" sz="2000" dirty="0">
+                <a:solidFill>
+                  <a:srgbClr val="008000"/>
+                </a:solidFill>
+                <a:highlight>
+                  <a:srgbClr val="FFFFFF"/>
+                </a:highlight>
+                <a:latin typeface="Consolas" panose="020B0609020204030204" pitchFamily="49" charset="0"/>
+              </a:rPr>
+              <a:t>// конструктор</a:t>
+            </a:r>
+            <a:endParaRPr lang="ru-RU" sz="2000" dirty="0">
+              <a:solidFill>
+                <a:srgbClr val="000000"/>
+              </a:solidFill>
+              <a:highlight>
+                <a:srgbClr val="FFFFFF"/>
+              </a:highlight>
+              <a:latin typeface="Consolas" panose="020B0609020204030204" pitchFamily="49" charset="0"/>
+            </a:endParaRPr>
+          </a:p>
+          <a:p>
+            <a:pPr marL="0" indent="0">
+              <a:buNone/>
+            </a:pPr>
+            <a:r>
+              <a:rPr lang="en-US" sz="2000" dirty="0">
+                <a:solidFill>
+                  <a:srgbClr val="0000FF"/>
+                </a:solidFill>
+                <a:highlight>
+                  <a:srgbClr val="FFFFFF"/>
+                </a:highlight>
+                <a:latin typeface="Consolas" panose="020B0609020204030204" pitchFamily="49" charset="0"/>
+              </a:rPr>
+              <a:t>function</a:t>
+            </a:r>
+            <a:r>
+              <a:rPr lang="en-US" sz="2000" dirty="0">
+                <a:solidFill>
+                  <a:srgbClr val="000000"/>
+                </a:solidFill>
+                <a:highlight>
+                  <a:srgbClr val="FFFFFF"/>
+                </a:highlight>
+                <a:latin typeface="Consolas" panose="020B0609020204030204" pitchFamily="49" charset="0"/>
+              </a:rPr>
+              <a:t> Animal(name) {</a:t>
+            </a:r>
+          </a:p>
+          <a:p>
+            <a:pPr marL="0" indent="0">
+              <a:buNone/>
+            </a:pPr>
+            <a:r>
+              <a:rPr lang="en-US" sz="2000" dirty="0">
+                <a:solidFill>
+                  <a:srgbClr val="000000"/>
+                </a:solidFill>
+                <a:highlight>
+                  <a:srgbClr val="FFFFFF"/>
+                </a:highlight>
+                <a:latin typeface="Consolas" panose="020B0609020204030204" pitchFamily="49" charset="0"/>
+              </a:rPr>
+              <a:t>    </a:t>
+            </a:r>
+            <a:r>
+              <a:rPr lang="en-US" sz="2000" dirty="0">
+                <a:solidFill>
+                  <a:srgbClr val="0000FF"/>
+                </a:solidFill>
+                <a:highlight>
+                  <a:srgbClr val="FFFFFF"/>
+                </a:highlight>
+                <a:latin typeface="Consolas" panose="020B0609020204030204" pitchFamily="49" charset="0"/>
+              </a:rPr>
+              <a:t>this</a:t>
+            </a:r>
+            <a:r>
+              <a:rPr lang="en-US" sz="2000" dirty="0">
+                <a:solidFill>
+                  <a:srgbClr val="000000"/>
+                </a:solidFill>
+                <a:highlight>
+                  <a:srgbClr val="FFFFFF"/>
+                </a:highlight>
+                <a:latin typeface="Consolas" panose="020B0609020204030204" pitchFamily="49" charset="0"/>
+              </a:rPr>
+              <a:t>.name = name;</a:t>
+            </a:r>
+          </a:p>
+          <a:p>
+            <a:pPr marL="0" indent="0">
+              <a:buNone/>
+            </a:pPr>
+            <a:r>
+              <a:rPr lang="en-US" sz="2000" dirty="0">
+                <a:solidFill>
+                  <a:srgbClr val="000000"/>
+                </a:solidFill>
+                <a:highlight>
+                  <a:srgbClr val="FFFFFF"/>
+                </a:highlight>
+                <a:latin typeface="Consolas" panose="020B0609020204030204" pitchFamily="49" charset="0"/>
+              </a:rPr>
+              <a:t>    </a:t>
+            </a:r>
+            <a:r>
+              <a:rPr lang="en-US" sz="2000" dirty="0" err="1">
+                <a:solidFill>
+                  <a:srgbClr val="0000FF"/>
+                </a:solidFill>
+                <a:highlight>
+                  <a:srgbClr val="FFFFFF"/>
+                </a:highlight>
+                <a:latin typeface="Consolas" panose="020B0609020204030204" pitchFamily="49" charset="0"/>
+              </a:rPr>
+              <a:t>this</a:t>
+            </a:r>
+            <a:r>
+              <a:rPr lang="en-US" sz="2000" dirty="0" err="1">
+                <a:solidFill>
+                  <a:srgbClr val="000000"/>
+                </a:solidFill>
+                <a:highlight>
+                  <a:srgbClr val="FFFFFF"/>
+                </a:highlight>
+                <a:latin typeface="Consolas" panose="020B0609020204030204" pitchFamily="49" charset="0"/>
+              </a:rPr>
+              <a:t>.speed</a:t>
+            </a:r>
+            <a:r>
+              <a:rPr lang="en-US" sz="2000" dirty="0">
+                <a:solidFill>
+                  <a:srgbClr val="000000"/>
+                </a:solidFill>
+                <a:highlight>
+                  <a:srgbClr val="FFFFFF"/>
+                </a:highlight>
+                <a:latin typeface="Consolas" panose="020B0609020204030204" pitchFamily="49" charset="0"/>
+              </a:rPr>
+              <a:t> = 0;</a:t>
+            </a:r>
+          </a:p>
+          <a:p>
+            <a:pPr marL="0" indent="0">
+              <a:buNone/>
+            </a:pPr>
+            <a:r>
+              <a:rPr lang="ru-RU" sz="2000" dirty="0">
+                <a:solidFill>
+                  <a:srgbClr val="000000"/>
+                </a:solidFill>
+                <a:highlight>
+                  <a:srgbClr val="FFFFFF"/>
+                </a:highlight>
+                <a:latin typeface="Consolas" panose="020B0609020204030204" pitchFamily="49" charset="0"/>
+              </a:rPr>
+              <a:t>}</a:t>
+            </a:r>
+          </a:p>
+          <a:p>
+            <a:pPr marL="0" indent="0">
+              <a:buNone/>
+            </a:pPr>
+            <a:endParaRPr lang="ru-RU" sz="2000" dirty="0">
+              <a:solidFill>
+                <a:srgbClr val="000000"/>
+              </a:solidFill>
+              <a:highlight>
+                <a:srgbClr val="FFFFFF"/>
+              </a:highlight>
+              <a:latin typeface="Consolas" panose="020B0609020204030204" pitchFamily="49" charset="0"/>
+            </a:endParaRPr>
+          </a:p>
+          <a:p>
+            <a:pPr marL="0" indent="0">
+              <a:buNone/>
+            </a:pPr>
+            <a:r>
+              <a:rPr lang="ru-RU" sz="2000" dirty="0">
+                <a:solidFill>
+                  <a:srgbClr val="008000"/>
+                </a:solidFill>
+                <a:highlight>
+                  <a:srgbClr val="FFFFFF"/>
+                </a:highlight>
+                <a:latin typeface="Consolas" panose="020B0609020204030204" pitchFamily="49" charset="0"/>
+              </a:rPr>
+              <a:t>// методы</a:t>
+            </a:r>
+            <a:endParaRPr lang="ru-RU" sz="2000" dirty="0">
+              <a:solidFill>
+                <a:srgbClr val="000000"/>
+              </a:solidFill>
+              <a:highlight>
+                <a:srgbClr val="FFFFFF"/>
+              </a:highlight>
+              <a:latin typeface="Consolas" panose="020B0609020204030204" pitchFamily="49" charset="0"/>
+            </a:endParaRPr>
+          </a:p>
+          <a:p>
+            <a:pPr marL="0" indent="0">
+              <a:buNone/>
+            </a:pPr>
+            <a:r>
+              <a:rPr lang="en-US" sz="2000" dirty="0" err="1">
+                <a:solidFill>
+                  <a:srgbClr val="000000"/>
+                </a:solidFill>
+                <a:highlight>
+                  <a:srgbClr val="FFFFFF"/>
+                </a:highlight>
+                <a:latin typeface="Consolas" panose="020B0609020204030204" pitchFamily="49" charset="0"/>
+              </a:rPr>
+              <a:t>Animal.prototype.run</a:t>
+            </a:r>
+            <a:r>
+              <a:rPr lang="en-US" sz="2000" dirty="0">
+                <a:solidFill>
+                  <a:srgbClr val="000000"/>
+                </a:solidFill>
+                <a:highlight>
+                  <a:srgbClr val="FFFFFF"/>
+                </a:highlight>
+                <a:latin typeface="Consolas" panose="020B0609020204030204" pitchFamily="49" charset="0"/>
+              </a:rPr>
+              <a:t> = </a:t>
+            </a:r>
+            <a:r>
+              <a:rPr lang="en-US" sz="2000" dirty="0">
+                <a:solidFill>
+                  <a:srgbClr val="0000FF"/>
+                </a:solidFill>
+                <a:highlight>
+                  <a:srgbClr val="FFFFFF"/>
+                </a:highlight>
+                <a:latin typeface="Consolas" panose="020B0609020204030204" pitchFamily="49" charset="0"/>
+              </a:rPr>
+              <a:t>function</a:t>
+            </a:r>
+            <a:r>
+              <a:rPr lang="en-US" sz="2000" dirty="0">
+                <a:solidFill>
+                  <a:srgbClr val="000000"/>
+                </a:solidFill>
+                <a:highlight>
+                  <a:srgbClr val="FFFFFF"/>
+                </a:highlight>
+                <a:latin typeface="Consolas" panose="020B0609020204030204" pitchFamily="49" charset="0"/>
+              </a:rPr>
+              <a:t> (speed) {</a:t>
+            </a:r>
+          </a:p>
+          <a:p>
+            <a:pPr marL="0" indent="0">
+              <a:buNone/>
+            </a:pPr>
+            <a:r>
+              <a:rPr lang="en-US" sz="2000" dirty="0">
+                <a:solidFill>
+                  <a:srgbClr val="000000"/>
+                </a:solidFill>
+                <a:highlight>
+                  <a:srgbClr val="FFFFFF"/>
+                </a:highlight>
+                <a:latin typeface="Consolas" panose="020B0609020204030204" pitchFamily="49" charset="0"/>
+              </a:rPr>
+              <a:t>    </a:t>
+            </a:r>
+            <a:r>
+              <a:rPr lang="en-US" sz="2000" dirty="0" err="1">
+                <a:solidFill>
+                  <a:srgbClr val="0000FF"/>
+                </a:solidFill>
+                <a:highlight>
+                  <a:srgbClr val="FFFFFF"/>
+                </a:highlight>
+                <a:latin typeface="Consolas" panose="020B0609020204030204" pitchFamily="49" charset="0"/>
+              </a:rPr>
+              <a:t>this</a:t>
+            </a:r>
+            <a:r>
+              <a:rPr lang="en-US" sz="2000" dirty="0" err="1">
+                <a:solidFill>
+                  <a:srgbClr val="000000"/>
+                </a:solidFill>
+                <a:highlight>
+                  <a:srgbClr val="FFFFFF"/>
+                </a:highlight>
+                <a:latin typeface="Consolas" panose="020B0609020204030204" pitchFamily="49" charset="0"/>
+              </a:rPr>
+              <a:t>.speed</a:t>
+            </a:r>
+            <a:r>
+              <a:rPr lang="en-US" sz="2000" dirty="0">
+                <a:solidFill>
+                  <a:srgbClr val="000000"/>
+                </a:solidFill>
+                <a:highlight>
+                  <a:srgbClr val="FFFFFF"/>
+                </a:highlight>
+                <a:latin typeface="Consolas" panose="020B0609020204030204" pitchFamily="49" charset="0"/>
+              </a:rPr>
+              <a:t> = speed;</a:t>
+            </a:r>
+          </a:p>
+          <a:p>
+            <a:pPr marL="0" indent="0">
+              <a:buNone/>
+            </a:pPr>
+            <a:r>
+              <a:rPr lang="ru-RU" sz="2000" dirty="0" smtClean="0">
+                <a:solidFill>
+                  <a:srgbClr val="000000"/>
+                </a:solidFill>
+                <a:highlight>
+                  <a:srgbClr val="FFFFFF"/>
+                </a:highlight>
+                <a:latin typeface="Consolas" panose="020B0609020204030204" pitchFamily="49" charset="0"/>
+              </a:rPr>
+              <a:t>};</a:t>
+            </a:r>
+            <a:endParaRPr lang="en-US" sz="2000" dirty="0" smtClean="0">
+              <a:solidFill>
+                <a:srgbClr val="000000"/>
+              </a:solidFill>
+              <a:highlight>
+                <a:srgbClr val="FFFFFF"/>
+              </a:highlight>
+              <a:latin typeface="Consolas" panose="020B0609020204030204" pitchFamily="49" charset="0"/>
+            </a:endParaRPr>
+          </a:p>
+          <a:p>
+            <a:pPr marL="0" indent="0">
+              <a:buNone/>
+            </a:pPr>
+            <a:r>
+              <a:rPr lang="en-US" sz="2000" dirty="0" err="1">
+                <a:solidFill>
+                  <a:srgbClr val="0000FF"/>
+                </a:solidFill>
+                <a:highlight>
+                  <a:srgbClr val="FFFFFF"/>
+                </a:highlight>
+                <a:latin typeface="Consolas" panose="020B0609020204030204" pitchFamily="49" charset="0"/>
+              </a:rPr>
+              <a:t>var</a:t>
+            </a:r>
+            <a:r>
+              <a:rPr lang="en-US" sz="2000" dirty="0" smtClean="0">
+                <a:solidFill>
+                  <a:srgbClr val="000000"/>
+                </a:solidFill>
+                <a:highlight>
+                  <a:srgbClr val="FFFFFF"/>
+                </a:highlight>
+                <a:latin typeface="Consolas" panose="020B0609020204030204" pitchFamily="49" charset="0"/>
+              </a:rPr>
+              <a:t> animal = new Animal(); </a:t>
+            </a:r>
+            <a:endParaRPr lang="ru-RU" sz="2000" dirty="0" smtClean="0">
+              <a:solidFill>
+                <a:srgbClr val="000000"/>
+              </a:solidFill>
+              <a:highlight>
+                <a:srgbClr val="FFFFFF"/>
+              </a:highlight>
+              <a:latin typeface="Consolas" panose="020B0609020204030204" pitchFamily="49" charset="0"/>
+            </a:endParaRPr>
+          </a:p>
+          <a:p>
+            <a:pPr marL="0" indent="0">
+              <a:buNone/>
+            </a:pPr>
+            <a:r>
+              <a:rPr lang="en-US" sz="2000" dirty="0" err="1" smtClean="0">
+                <a:solidFill>
+                  <a:srgbClr val="000000"/>
+                </a:solidFill>
+                <a:highlight>
+                  <a:srgbClr val="FFFFFF"/>
+                </a:highlight>
+                <a:latin typeface="Consolas" panose="020B0609020204030204" pitchFamily="49" charset="0"/>
+              </a:rPr>
+              <a:t>animal.run</a:t>
+            </a:r>
+            <a:r>
+              <a:rPr lang="en-US" sz="2000" dirty="0" smtClean="0">
+                <a:solidFill>
+                  <a:srgbClr val="000000"/>
+                </a:solidFill>
+                <a:highlight>
+                  <a:srgbClr val="FFFFFF"/>
+                </a:highlight>
+                <a:latin typeface="Consolas" panose="020B0609020204030204" pitchFamily="49" charset="0"/>
+              </a:rPr>
+              <a:t>();</a:t>
+            </a:r>
+            <a:endParaRPr lang="ru-RU" sz="2000" dirty="0"/>
           </a:p>
         </p:txBody>
       </p:sp>
     </p:spTree>
     <p:extLst>
       <p:ext uri="{BB962C8B-B14F-4D97-AF65-F5344CB8AC3E}">
-        <p14:creationId xmlns:p14="http://schemas.microsoft.com/office/powerpoint/2010/main" val="3945886313"/>
+        <p14:creationId xmlns:p14="http://schemas.microsoft.com/office/powerpoint/2010/main" val="2591697216"/>
       </p:ext>
     </p:extLst>
   </p:cSld>
@@ -15759,63 +16020,29 @@
             <p:ph type="title"/>
           </p:nvPr>
         </p:nvSpPr>
-        <p:spPr/>
+        <p:spPr>
+          <a:xfrm>
+            <a:off x="628650" y="2479676"/>
+            <a:ext cx="7886700" cy="1325563"/>
+          </a:xfrm>
+        </p:spPr>
         <p:txBody>
           <a:bodyPr/>
           <a:lstStyle/>
           <a:p>
+            <a:pPr algn="ctr"/>
             <a:r>
               <a:rPr lang="ru-RU" dirty="0" smtClean="0"/>
-              <a:t>Поля в прототипах</a:t>
+              <a:t>Перерыв</a:t>
             </a:r>
             <a:endParaRPr lang="ru-RU" dirty="0"/>
-          </a:p>
-        </p:txBody>
-      </p:sp>
-      <p:sp>
-        <p:nvSpPr>
-          <p:cNvPr id="3" name="Объект 2"/>
-          <p:cNvSpPr>
-            <a:spLocks noGrp="1"/>
-          </p:cNvSpPr>
-          <p:nvPr>
-            <p:ph idx="1"/>
-          </p:nvPr>
-        </p:nvSpPr>
-        <p:spPr/>
-        <p:txBody>
-          <a:bodyPr>
-            <a:normAutofit/>
-          </a:bodyPr>
-          <a:lstStyle/>
-          <a:p>
-            <a:pPr marL="0" indent="0" algn="ctr">
-              <a:buNone/>
-            </a:pPr>
-            <a:r>
-              <a:rPr lang="en-US" sz="4800" dirty="0">
-                <a:hlinkClick r:id="rId3"/>
-              </a:rPr>
-              <a:t>https://</a:t>
-            </a:r>
-            <a:r>
-              <a:rPr lang="en-US" sz="4800" dirty="0" smtClean="0">
-                <a:hlinkClick r:id="rId3"/>
-              </a:rPr>
-              <a:t>jsfiddle.net/bm1vy9h3</a:t>
-            </a:r>
-            <a:r>
-              <a:rPr lang="ru-RU" sz="4800" dirty="0" smtClean="0"/>
-              <a:t> </a:t>
-            </a:r>
-            <a:endParaRPr lang="ru-RU" sz="4800" dirty="0"/>
           </a:p>
         </p:txBody>
       </p:sp>
     </p:spTree>
     <p:extLst>
       <p:ext uri="{BB962C8B-B14F-4D97-AF65-F5344CB8AC3E}">
-        <p14:creationId xmlns:p14="http://schemas.microsoft.com/office/powerpoint/2010/main" val="1795363483"/>
+        <p14:creationId xmlns:p14="http://schemas.microsoft.com/office/powerpoint/2010/main" val="3945886313"/>
       </p:ext>
     </p:extLst>
   </p:cSld>
@@ -15859,27 +16086,14 @@
             <p:ph type="title"/>
           </p:nvPr>
         </p:nvSpPr>
-        <p:spPr>
-          <a:xfrm>
-            <a:off x="628650" y="365127"/>
-            <a:ext cx="7886700" cy="746044"/>
-          </a:xfrm>
-        </p:spPr>
+        <p:spPr/>
         <p:txBody>
           <a:bodyPr/>
           <a:lstStyle/>
           <a:p>
             <a:r>
               <a:rPr lang="ru-RU" dirty="0" smtClean="0"/>
-              <a:t>Классы в </a:t>
-            </a:r>
-            <a:r>
-              <a:rPr lang="en-US" dirty="0" err="1" smtClean="0"/>
-              <a:t>EcmaScript</a:t>
-            </a:r>
-            <a:r>
-              <a:rPr lang="en-US" dirty="0" smtClean="0"/>
-              <a:t> 6</a:t>
+              <a:t>Поля в прототипах</a:t>
             </a:r>
             <a:endParaRPr lang="ru-RU" dirty="0"/>
           </a:p>
@@ -15895,438 +16109,40 @@
             <p:ph idx="1"/>
           </p:nvPr>
         </p:nvSpPr>
-        <p:spPr>
-          <a:xfrm>
-            <a:off x="628650" y="1273215"/>
-            <a:ext cx="7886700" cy="4903748"/>
-          </a:xfrm>
-        </p:spPr>
+        <p:spPr/>
         <p:txBody>
           <a:bodyPr>
-            <a:noAutofit/>
+            <a:normAutofit/>
           </a:bodyPr>
           <a:lstStyle/>
           <a:p>
-            <a:pPr marL="0" indent="0">
-              <a:buNone/>
-            </a:pPr>
-            <a:r>
-              <a:rPr lang="en-US" sz="2000" dirty="0">
-                <a:solidFill>
-                  <a:srgbClr val="0000FF"/>
-                </a:solidFill>
-                <a:highlight>
-                  <a:srgbClr val="FFFFFF"/>
-                </a:highlight>
-                <a:latin typeface="Consolas" panose="020B0609020204030204" pitchFamily="49" charset="0"/>
-              </a:rPr>
-              <a:t>class</a:t>
-            </a:r>
-            <a:r>
-              <a:rPr lang="en-US" sz="2000" dirty="0">
-                <a:solidFill>
-                  <a:srgbClr val="000000"/>
-                </a:solidFill>
-                <a:highlight>
-                  <a:srgbClr val="FFFFFF"/>
-                </a:highlight>
-                <a:latin typeface="Consolas" panose="020B0609020204030204" pitchFamily="49" charset="0"/>
-              </a:rPr>
+            <a:pPr marL="0" indent="0" algn="ctr">
+              <a:buNone/>
+            </a:pPr>
+            <a:r>
+              <a:rPr lang="en-US" sz="4800" dirty="0">
+                <a:hlinkClick r:id="rId3"/>
+              </a:rPr>
+              <a:t>https://</a:t>
+            </a:r>
+            <a:r>
+              <a:rPr lang="en-US" sz="4800" dirty="0" smtClean="0">
+                <a:hlinkClick r:id="rId3"/>
+              </a:rPr>
+              <a:t>jsfiddle.net/bm1vy9h3</a:t>
+            </a:r>
+            <a:r>
+              <a:rPr lang="ru-RU" sz="4800" dirty="0" smtClean="0"/>
               <a:t> </a:t>
             </a:r>
-            <a:r>
-              <a:rPr lang="en-US" sz="2000" dirty="0" smtClean="0">
-                <a:solidFill>
-                  <a:srgbClr val="000000"/>
-                </a:solidFill>
-                <a:highlight>
-                  <a:srgbClr val="FFFFFF"/>
-                </a:highlight>
-                <a:latin typeface="Consolas" panose="020B0609020204030204" pitchFamily="49" charset="0"/>
-              </a:rPr>
-              <a:t>Rabbit {</a:t>
-            </a:r>
-            <a:endParaRPr lang="en-US" sz="2000" dirty="0">
-              <a:solidFill>
-                <a:srgbClr val="000000"/>
-              </a:solidFill>
-              <a:highlight>
-                <a:srgbClr val="FFFFFF"/>
-              </a:highlight>
-              <a:latin typeface="Consolas" panose="020B0609020204030204" pitchFamily="49" charset="0"/>
-            </a:endParaRPr>
-          </a:p>
-          <a:p>
-            <a:pPr marL="0" indent="0">
-              <a:buNone/>
-            </a:pPr>
-            <a:endParaRPr lang="ru-RU" sz="2000" dirty="0">
-              <a:solidFill>
-                <a:srgbClr val="000000"/>
-              </a:solidFill>
-              <a:highlight>
-                <a:srgbClr val="FFFFFF"/>
-              </a:highlight>
-              <a:latin typeface="Consolas" panose="020B0609020204030204" pitchFamily="49" charset="0"/>
-            </a:endParaRPr>
-          </a:p>
-          <a:p>
-            <a:pPr marL="0" indent="0">
-              <a:buNone/>
-            </a:pPr>
-            <a:r>
-              <a:rPr lang="en-US" sz="2000" dirty="0">
-                <a:solidFill>
-                  <a:srgbClr val="000000"/>
-                </a:solidFill>
-                <a:highlight>
-                  <a:srgbClr val="FFFFFF"/>
-                </a:highlight>
-                <a:latin typeface="Consolas" panose="020B0609020204030204" pitchFamily="49" charset="0"/>
-              </a:rPr>
-              <a:t>    </a:t>
-            </a:r>
-            <a:r>
-              <a:rPr lang="en-US" sz="2000" dirty="0">
-                <a:solidFill>
-                  <a:srgbClr val="0000FF"/>
-                </a:solidFill>
-                <a:highlight>
-                  <a:srgbClr val="FFFFFF"/>
-                </a:highlight>
-                <a:latin typeface="Consolas" panose="020B0609020204030204" pitchFamily="49" charset="0"/>
-              </a:rPr>
-              <a:t>constructor</a:t>
-            </a:r>
-            <a:r>
-              <a:rPr lang="en-US" sz="2000" dirty="0">
-                <a:solidFill>
-                  <a:srgbClr val="000000"/>
-                </a:solidFill>
-                <a:highlight>
-                  <a:srgbClr val="FFFFFF"/>
-                </a:highlight>
-                <a:latin typeface="Consolas" panose="020B0609020204030204" pitchFamily="49" charset="0"/>
-              </a:rPr>
-              <a:t>(name) {</a:t>
-            </a:r>
-          </a:p>
-          <a:p>
-            <a:pPr marL="0" indent="0">
-              <a:buNone/>
-            </a:pPr>
-            <a:r>
-              <a:rPr lang="en-US" sz="2000" dirty="0">
-                <a:solidFill>
-                  <a:srgbClr val="000000"/>
-                </a:solidFill>
-                <a:highlight>
-                  <a:srgbClr val="FFFFFF"/>
-                </a:highlight>
-                <a:latin typeface="Consolas" panose="020B0609020204030204" pitchFamily="49" charset="0"/>
-              </a:rPr>
-              <a:t>        </a:t>
-            </a:r>
-            <a:r>
-              <a:rPr lang="en-US" sz="2000" dirty="0">
-                <a:solidFill>
-                  <a:srgbClr val="0000FF"/>
-                </a:solidFill>
-                <a:highlight>
-                  <a:srgbClr val="FFFFFF"/>
-                </a:highlight>
-                <a:latin typeface="Consolas" panose="020B0609020204030204" pitchFamily="49" charset="0"/>
-              </a:rPr>
-              <a:t>this</a:t>
-            </a:r>
-            <a:r>
-              <a:rPr lang="en-US" sz="2000" dirty="0">
-                <a:solidFill>
-                  <a:srgbClr val="000000"/>
-                </a:solidFill>
-                <a:highlight>
-                  <a:srgbClr val="FFFFFF"/>
-                </a:highlight>
-                <a:latin typeface="Consolas" panose="020B0609020204030204" pitchFamily="49" charset="0"/>
-              </a:rPr>
-              <a:t>.name = name;</a:t>
-            </a:r>
-          </a:p>
-          <a:p>
-            <a:pPr marL="0" indent="0">
-              <a:buNone/>
-            </a:pPr>
-            <a:r>
-              <a:rPr lang="en-US" sz="2000" dirty="0">
-                <a:solidFill>
-                  <a:srgbClr val="000000"/>
-                </a:solidFill>
-                <a:highlight>
-                  <a:srgbClr val="FFFFFF"/>
-                </a:highlight>
-                <a:latin typeface="Consolas" panose="020B0609020204030204" pitchFamily="49" charset="0"/>
-              </a:rPr>
-              <a:t>        </a:t>
-            </a:r>
-            <a:r>
-              <a:rPr lang="en-US" sz="2000" dirty="0" err="1" smtClean="0">
-                <a:solidFill>
-                  <a:srgbClr val="0000FF"/>
-                </a:solidFill>
-                <a:highlight>
-                  <a:srgbClr val="FFFFFF"/>
-                </a:highlight>
-                <a:latin typeface="Consolas" panose="020B0609020204030204" pitchFamily="49" charset="0"/>
-              </a:rPr>
-              <a:t>this</a:t>
-            </a:r>
-            <a:r>
-              <a:rPr lang="en-US" sz="2000" dirty="0" err="1" smtClean="0">
-                <a:solidFill>
-                  <a:srgbClr val="000000"/>
-                </a:solidFill>
-                <a:highlight>
-                  <a:srgbClr val="FFFFFF"/>
-                </a:highlight>
-                <a:latin typeface="Consolas" panose="020B0609020204030204" pitchFamily="49" charset="0"/>
-              </a:rPr>
-              <a:t>.food</a:t>
-            </a:r>
-            <a:r>
-              <a:rPr lang="en-US" sz="2000" dirty="0" smtClean="0">
-                <a:solidFill>
-                  <a:srgbClr val="000000"/>
-                </a:solidFill>
-                <a:highlight>
-                  <a:srgbClr val="FFFFFF"/>
-                </a:highlight>
-                <a:latin typeface="Consolas" panose="020B0609020204030204" pitchFamily="49" charset="0"/>
-              </a:rPr>
-              <a:t> </a:t>
-            </a:r>
-            <a:r>
-              <a:rPr lang="en-US" sz="2000" dirty="0">
-                <a:solidFill>
-                  <a:srgbClr val="000000"/>
-                </a:solidFill>
-                <a:highlight>
-                  <a:srgbClr val="FFFFFF"/>
-                </a:highlight>
-                <a:latin typeface="Consolas" panose="020B0609020204030204" pitchFamily="49" charset="0"/>
-              </a:rPr>
-              <a:t>= </a:t>
-            </a:r>
-            <a:r>
-              <a:rPr lang="en-US" sz="2000" dirty="0" smtClean="0">
-                <a:solidFill>
-                  <a:srgbClr val="000000"/>
-                </a:solidFill>
-                <a:highlight>
-                  <a:srgbClr val="FFFFFF"/>
-                </a:highlight>
-                <a:latin typeface="Consolas" panose="020B0609020204030204" pitchFamily="49" charset="0"/>
-              </a:rPr>
-              <a:t>[];</a:t>
-            </a:r>
-            <a:endParaRPr lang="en-US" sz="2000" dirty="0">
-              <a:solidFill>
-                <a:srgbClr val="000000"/>
-              </a:solidFill>
-              <a:highlight>
-                <a:srgbClr val="FFFFFF"/>
-              </a:highlight>
-              <a:latin typeface="Consolas" panose="020B0609020204030204" pitchFamily="49" charset="0"/>
-            </a:endParaRPr>
-          </a:p>
-          <a:p>
-            <a:pPr marL="0" indent="0">
-              <a:buNone/>
-            </a:pPr>
-            <a:r>
-              <a:rPr lang="ru-RU" sz="2000" dirty="0">
-                <a:solidFill>
-                  <a:srgbClr val="000000"/>
-                </a:solidFill>
-                <a:highlight>
-                  <a:srgbClr val="FFFFFF"/>
-                </a:highlight>
-                <a:latin typeface="Consolas" panose="020B0609020204030204" pitchFamily="49" charset="0"/>
-              </a:rPr>
-              <a:t>    }</a:t>
-            </a:r>
-          </a:p>
-          <a:p>
-            <a:pPr marL="0" indent="0">
-              <a:buNone/>
-            </a:pPr>
-            <a:endParaRPr lang="ru-RU" sz="2000" dirty="0">
-              <a:solidFill>
-                <a:srgbClr val="000000"/>
-              </a:solidFill>
-              <a:highlight>
-                <a:srgbClr val="FFFFFF"/>
-              </a:highlight>
-              <a:latin typeface="Consolas" panose="020B0609020204030204" pitchFamily="49" charset="0"/>
-            </a:endParaRPr>
-          </a:p>
-          <a:p>
-            <a:pPr marL="0" indent="0">
-              <a:buNone/>
-            </a:pPr>
-            <a:r>
-              <a:rPr lang="en-US" sz="2000" dirty="0">
-                <a:solidFill>
-                  <a:srgbClr val="000000"/>
-                </a:solidFill>
-                <a:highlight>
-                  <a:srgbClr val="FFFFFF"/>
-                </a:highlight>
-                <a:latin typeface="Consolas" panose="020B0609020204030204" pitchFamily="49" charset="0"/>
-              </a:rPr>
-              <a:t>    </a:t>
-            </a:r>
-            <a:r>
-              <a:rPr lang="en-US" sz="2000" dirty="0" smtClean="0">
-                <a:solidFill>
-                  <a:srgbClr val="000000"/>
-                </a:solidFill>
-                <a:highlight>
-                  <a:srgbClr val="FFFFFF"/>
-                </a:highlight>
-                <a:latin typeface="Consolas" panose="020B0609020204030204" pitchFamily="49" charset="0"/>
-              </a:rPr>
-              <a:t>eat(item) </a:t>
-            </a:r>
-            <a:r>
-              <a:rPr lang="en-US" sz="2000" dirty="0">
-                <a:solidFill>
-                  <a:srgbClr val="000000"/>
-                </a:solidFill>
-                <a:highlight>
-                  <a:srgbClr val="FFFFFF"/>
-                </a:highlight>
-                <a:latin typeface="Consolas" panose="020B0609020204030204" pitchFamily="49" charset="0"/>
-              </a:rPr>
-              <a:t>{</a:t>
-            </a:r>
-          </a:p>
-          <a:p>
-            <a:pPr marL="0" indent="0">
-              <a:buNone/>
-            </a:pPr>
-            <a:r>
-              <a:rPr lang="en-US" sz="2000" dirty="0">
-                <a:solidFill>
-                  <a:srgbClr val="000000"/>
-                </a:solidFill>
-                <a:highlight>
-                  <a:srgbClr val="FFFFFF"/>
-                </a:highlight>
-                <a:latin typeface="Consolas" panose="020B0609020204030204" pitchFamily="49" charset="0"/>
-              </a:rPr>
-              <a:t>        </a:t>
-            </a:r>
-            <a:r>
-              <a:rPr lang="en-US" sz="2000" dirty="0" err="1" smtClean="0">
-                <a:solidFill>
-                  <a:srgbClr val="0000FF"/>
-                </a:solidFill>
-                <a:highlight>
-                  <a:srgbClr val="FFFFFF"/>
-                </a:highlight>
-                <a:latin typeface="Consolas" panose="020B0609020204030204" pitchFamily="49" charset="0"/>
-              </a:rPr>
-              <a:t>this</a:t>
-            </a:r>
-            <a:r>
-              <a:rPr lang="en-US" sz="2000" dirty="0" err="1" smtClean="0">
-                <a:solidFill>
-                  <a:srgbClr val="000000"/>
-                </a:solidFill>
-                <a:highlight>
-                  <a:srgbClr val="FFFFFF"/>
-                </a:highlight>
-                <a:latin typeface="Consolas" panose="020B0609020204030204" pitchFamily="49" charset="0"/>
-              </a:rPr>
-              <a:t>.food.push</a:t>
-            </a:r>
-            <a:r>
-              <a:rPr lang="en-US" sz="2000" dirty="0" smtClean="0">
-                <a:solidFill>
-                  <a:srgbClr val="000000"/>
-                </a:solidFill>
-                <a:highlight>
-                  <a:srgbClr val="FFFFFF"/>
-                </a:highlight>
-                <a:latin typeface="Consolas" panose="020B0609020204030204" pitchFamily="49" charset="0"/>
-              </a:rPr>
-              <a:t>(item);</a:t>
-            </a:r>
-            <a:endParaRPr lang="en-US" sz="2000" dirty="0">
-              <a:solidFill>
-                <a:srgbClr val="000000"/>
-              </a:solidFill>
-              <a:highlight>
-                <a:srgbClr val="FFFFFF"/>
-              </a:highlight>
-              <a:latin typeface="Consolas" panose="020B0609020204030204" pitchFamily="49" charset="0"/>
-            </a:endParaRPr>
-          </a:p>
-          <a:p>
-            <a:pPr marL="0" indent="0">
-              <a:buNone/>
-            </a:pPr>
-            <a:r>
-              <a:rPr lang="ru-RU" sz="2000" dirty="0">
-                <a:solidFill>
-                  <a:srgbClr val="000000"/>
-                </a:solidFill>
-                <a:highlight>
-                  <a:srgbClr val="FFFFFF"/>
-                </a:highlight>
-                <a:latin typeface="Consolas" panose="020B0609020204030204" pitchFamily="49" charset="0"/>
-              </a:rPr>
-              <a:t>    }</a:t>
-            </a:r>
-          </a:p>
-          <a:p>
-            <a:pPr marL="0" indent="0">
-              <a:buNone/>
-            </a:pPr>
-            <a:endParaRPr lang="ru-RU" sz="2000" dirty="0">
-              <a:solidFill>
-                <a:srgbClr val="000000"/>
-              </a:solidFill>
-              <a:highlight>
-                <a:srgbClr val="FFFFFF"/>
-              </a:highlight>
-              <a:latin typeface="Consolas" panose="020B0609020204030204" pitchFamily="49" charset="0"/>
-            </a:endParaRPr>
-          </a:p>
-          <a:p>
-            <a:pPr marL="0" indent="0">
-              <a:buNone/>
-            </a:pPr>
-            <a:r>
-              <a:rPr lang="ru-RU" sz="2000" dirty="0">
-                <a:solidFill>
-                  <a:srgbClr val="000000"/>
-                </a:solidFill>
-                <a:highlight>
-                  <a:srgbClr val="FFFFFF"/>
-                </a:highlight>
-                <a:latin typeface="Consolas" panose="020B0609020204030204" pitchFamily="49" charset="0"/>
-              </a:rPr>
-              <a:t>} </a:t>
-            </a:r>
-            <a:endParaRPr lang="ru-RU" sz="2000" dirty="0"/>
+            <a:endParaRPr lang="ru-RU" sz="4800" dirty="0"/>
           </a:p>
         </p:txBody>
       </p:sp>
     </p:spTree>
     <p:extLst>
       <p:ext uri="{BB962C8B-B14F-4D97-AF65-F5344CB8AC3E}">
-        <p14:creationId xmlns:p14="http://schemas.microsoft.com/office/powerpoint/2010/main" val="1824783017"/>
+        <p14:creationId xmlns:p14="http://schemas.microsoft.com/office/powerpoint/2010/main" val="1795363483"/>
       </p:ext>
     </p:extLst>
   </p:cSld>
@@ -16382,7 +16198,7 @@
           <a:p>
             <a:r>
               <a:rPr lang="ru-RU" dirty="0" smtClean="0"/>
-              <a:t>Наследование в </a:t>
+              <a:t>Классы в </a:t>
             </a:r>
             <a:r>
               <a:rPr lang="en-US" dirty="0" err="1" smtClean="0"/>
@@ -16443,32 +16259,29 @@
                 </a:highlight>
                 <a:latin typeface="Consolas" panose="020B0609020204030204" pitchFamily="49" charset="0"/>
               </a:rPr>
-              <a:t> Rabbit </a:t>
-            </a:r>
-            <a:r>
-              <a:rPr lang="en-US" sz="2000" dirty="0">
-                <a:solidFill>
-                  <a:srgbClr val="0000FF"/>
-                </a:solidFill>
-                <a:highlight>
-                  <a:srgbClr val="FFFFFF"/>
-                </a:highlight>
-                <a:latin typeface="Consolas" panose="020B0609020204030204" pitchFamily="49" charset="0"/>
-              </a:rPr>
-              <a:t>extends</a:t>
-            </a:r>
-            <a:r>
-              <a:rPr lang="en-US" sz="2000" dirty="0">
-                <a:solidFill>
-                  <a:srgbClr val="000000"/>
-                </a:solidFill>
-                <a:highlight>
-                  <a:srgbClr val="FFFFFF"/>
-                </a:highlight>
-                <a:latin typeface="Consolas" panose="020B0609020204030204" pitchFamily="49" charset="0"/>
-              </a:rPr>
-              <a:t> Animal {</a:t>
-            </a:r>
+              <a:t> </a:t>
+            </a:r>
+            <a:r>
+              <a:rPr lang="en-US" sz="2000" dirty="0" smtClean="0">
+                <a:solidFill>
+                  <a:srgbClr val="000000"/>
+                </a:solidFill>
+                <a:highlight>
+                  <a:srgbClr val="FFFFFF"/>
+                </a:highlight>
+                <a:latin typeface="Consolas" panose="020B0609020204030204" pitchFamily="49" charset="0"/>
+              </a:rPr>
+              <a:t>Rabbit {</a:t>
+            </a:r>
+            <a:endParaRPr lang="en-US" sz="2000" dirty="0">
+              <a:solidFill>
+                <a:srgbClr val="000000"/>
+              </a:solidFill>
+              <a:highlight>
+                <a:srgbClr val="FFFFFF"/>
+              </a:highlight>
+              <a:latin typeface="Consolas" panose="020B0609020204030204" pitchFamily="49" charset="0"/>
+            </a:endParaRPr>
           </a:p>
           <a:p>
             <a:pPr marL="0" indent="0">
@@ -16551,7 +16364,7 @@
                 </a:highlight>
                 <a:latin typeface="Consolas" panose="020B0609020204030204" pitchFamily="49" charset="0"/>
               </a:rPr>
-              <a:t>super</a:t>
+              <a:t>this</a:t>
             </a:r>
             <a:r>
               <a:rPr lang="en-US" sz="2000" dirty="0">
@@ -16563,7 +16376,7 @@
                 </a:highlight>
                 <a:latin typeface="Consolas" panose="020B0609020204030204" pitchFamily="49" charset="0"/>
               </a:rPr>
-              <a:t>(name);</a:t>
+              <a:t>.name = name;</a:t>
             </a:r>
           </a:p>
           <a:p>
@@ -16583,7 +16396,7 @@
               <a:t>        </a:t>
             </a:r>
             <a:r>
-              <a:rPr lang="en-US" sz="2000" dirty="0" err="1">
+              <a:rPr lang="en-US" sz="2000" dirty="0" err="1" smtClean="0">
                 <a:solidFill>
                   <a:srgbClr val="0000FF"/>
                 </a:solidFill>
@@ -16595,7 +16408,7 @@
               <a:t>this</a:t>
             </a:r>
             <a:r>
-              <a:rPr lang="en-US" sz="2000" dirty="0" err="1">
+              <a:rPr lang="en-US" sz="2000" dirty="0" err="1" smtClean="0">
                 <a:solidFill>
                   <a:srgbClr val="000000"/>
                 </a:solidFill>
@@ -16607,6 +16420,18 @@
               <a:t>.food</a:t>
             </a:r>
             <a:r>
+              <a:rPr lang="en-US" sz="2000" dirty="0" smtClean="0">
+                <a:solidFill>
+                  <a:srgbClr val="000000"/>
+                </a:solidFill>
+                <a:highlight>
+                  <a:srgbClr val="FFFFFF"/>
+                </a:highlight>
+                <a:latin typeface="Consolas" panose="020B0609020204030204" pitchFamily="49" charset="0"/>
+              </a:rPr>
+              <a:t> </a:t>
+            </a:r>
+            <a:r>
               <a:rPr lang="en-US" sz="2000" dirty="0">
                 <a:solidFill>
                   <a:srgbClr val="000000"/>
@@ -16616,8 +16441,29 @@
                 </a:highlight>
                 <a:latin typeface="Consolas" panose="020B0609020204030204" pitchFamily="49" charset="0"/>
               </a:rPr>
-              <a:t> = [];</a:t>
-            </a:r>
+              <a:t>= </a:t>
+            </a:r>
+            <a:r>
+              <a:rPr lang="en-US" sz="2000" dirty="0" smtClean="0">
+                <a:solidFill>
+                  <a:srgbClr val="000000"/>
+                </a:solidFill>
+                <a:highlight>
+                  <a:srgbClr val="FFFFFF"/>
+                </a:highlight>
+                <a:latin typeface="Consolas" panose="020B0609020204030204" pitchFamily="49" charset="0"/>
+              </a:rPr>
+              <a:t>[];</a:t>
+            </a:r>
+            <a:endParaRPr lang="en-US" sz="2000" dirty="0">
+              <a:solidFill>
+                <a:srgbClr val="000000"/>
+              </a:solidFill>
+              <a:highlight>
+                <a:srgbClr val="FFFFFF"/>
+              </a:highlight>
+              <a:latin typeface="Consolas" panose="020B0609020204030204" pitchFamily="49" charset="0"/>
+            </a:endParaRPr>
           </a:p>
           <a:p>
             <a:pPr marL="0" indent="0">
@@ -16708,7 +16554,7 @@
               <a:t>        </a:t>
             </a:r>
             <a:r>
-              <a:rPr lang="en-US" sz="2000" dirty="0" err="1">
+              <a:rPr lang="en-US" sz="2000" dirty="0" err="1" smtClean="0">
                 <a:solidFill>
                   <a:srgbClr val="0000FF"/>
                 </a:solidFill>
@@ -16720,7 +16566,7 @@
               <a:t>this</a:t>
             </a:r>
             <a:r>
-              <a:rPr lang="en-US" sz="2000" dirty="0" err="1">
+              <a:rPr lang="en-US" sz="2000" dirty="0" err="1" smtClean="0">
                 <a:solidFill>
                   <a:srgbClr val="000000"/>
                 </a:solidFill>
@@ -16732,17 +16578,26 @@
               <a:t>.food.push</a:t>
             </a:r>
             <a:r>
-              <a:rPr lang="en-US" sz="2000" dirty="0">
-                <a:solidFill>
-                  <a:srgbClr val="000000"/>
-                </a:solidFill>
-                <a:highlight>
-                  <a:srgbClr val="FFFFFF"/>
-                </a:highlight>
-                <a:latin typeface="Consolas" panose="020B0609020204030204" pitchFamily="49" charset="0"/>
-              </a:rPr>
-              <a:t>(food);</a:t>
-            </a:r>
+              <a:rPr lang="en-US" sz="2000" dirty="0" smtClean="0">
+                <a:solidFill>
+                  <a:srgbClr val="000000"/>
+                </a:solidFill>
+                <a:highlight>
+                  <a:srgbClr val="FFFFFF"/>
+                </a:highlight>
+                <a:latin typeface="Consolas" panose="020B0609020204030204" pitchFamily="49" charset="0"/>
+              </a:rPr>
+              <a:t>(item);</a:t>
+            </a:r>
+            <a:endParaRPr lang="en-US" sz="2000" dirty="0">
+              <a:solidFill>
+                <a:srgbClr val="000000"/>
+              </a:solidFill>
+              <a:highlight>
+                <a:srgbClr val="FFFFFF"/>
+              </a:highlight>
+              <a:latin typeface="Consolas" panose="020B0609020204030204" pitchFamily="49" charset="0"/>
+            </a:endParaRPr>
           </a:p>
           <a:p>
             <a:pPr marL="0" indent="0">
@@ -16789,7 +16644,7 @@
                 </a:highlight>
                 <a:latin typeface="Consolas" panose="020B0609020204030204" pitchFamily="49" charset="0"/>
               </a:rPr>
-              <a:t>}</a:t>
+              <a:t>} </a:t>
             </a:r>
             <a:endParaRPr lang="ru-RU" sz="2000" dirty="0"/>
           </a:p>
@@ -16798,7 +16653,7 @@
     </p:spTree>
     <p:extLst>
       <p:ext uri="{BB962C8B-B14F-4D97-AF65-F5344CB8AC3E}">
-        <p14:creationId xmlns:p14="http://schemas.microsoft.com/office/powerpoint/2010/main" val="1970088355"/>
+        <p14:creationId xmlns:p14="http://schemas.microsoft.com/office/powerpoint/2010/main" val="1824783017"/>
       </p:ext>
     </p:extLst>
   </p:cSld>
@@ -16844,27 +16699,433 @@
         </p:nvSpPr>
         <p:spPr>
           <a:xfrm>
-            <a:off x="628650" y="2433956"/>
-            <a:ext cx="7886700" cy="1325563"/>
+            <a:off x="628650" y="365127"/>
+            <a:ext cx="7886700" cy="746044"/>
           </a:xfrm>
         </p:spPr>
         <p:txBody>
           <a:bodyPr/>
           <a:lstStyle/>
           <a:p>
-            <a:pPr algn="ctr"/>
+            <a:r>
+              <a:rPr lang="ru-RU" dirty="0" smtClean="0"/>
+              <a:t>Наследование в </a:t>
+            </a:r>
+            <a:r>
+              <a:rPr lang="en-US" dirty="0" err="1" smtClean="0"/>
+              <a:t>EcmaScript</a:t>
+            </a:r>
             <a:r>
               <a:rPr lang="en-US" dirty="0" smtClean="0"/>
-              <a:t>LINQ</a:t>
+              <a:t> 6</a:t>
             </a:r>
             <a:endParaRPr lang="ru-RU" dirty="0"/>
+          </a:p>
+        </p:txBody>
+      </p:sp>
+      <p:sp>
+        <p:nvSpPr>
+          <p:cNvPr id="3" name="Объект 2"/>
+          <p:cNvSpPr>
+            <a:spLocks noGrp="1"/>
+          </p:cNvSpPr>
+          <p:nvPr>
+            <p:ph idx="1"/>
+          </p:nvPr>
+        </p:nvSpPr>
+        <p:spPr>
+          <a:xfrm>
+            <a:off x="628650" y="1273215"/>
+            <a:ext cx="7886700" cy="4903748"/>
+          </a:xfrm>
+        </p:spPr>
+        <p:txBody>
+          <a:bodyPr>
+            <a:noAutofit/>
+          </a:bodyPr>
+          <a:lstStyle/>
+          <a:p>
+            <a:pPr marL="0" indent="0">
+              <a:buNone/>
+            </a:pPr>
+            <a:r>
+              <a:rPr lang="en-US" sz="2000" dirty="0">
+                <a:solidFill>
+                  <a:srgbClr val="0000FF"/>
+                </a:solidFill>
+                <a:highlight>
+                  <a:srgbClr val="FFFFFF"/>
+                </a:highlight>
+                <a:latin typeface="Consolas" panose="020B0609020204030204" pitchFamily="49" charset="0"/>
+              </a:rPr>
+              <a:t>class</a:t>
+            </a:r>
+            <a:r>
+              <a:rPr lang="en-US" sz="2000" dirty="0">
+                <a:solidFill>
+                  <a:srgbClr val="000000"/>
+                </a:solidFill>
+                <a:highlight>
+                  <a:srgbClr val="FFFFFF"/>
+                </a:highlight>
+                <a:latin typeface="Consolas" panose="020B0609020204030204" pitchFamily="49" charset="0"/>
+              </a:rPr>
+              <a:t> Rabbit </a:t>
+            </a:r>
+            <a:r>
+              <a:rPr lang="en-US" sz="2000" dirty="0">
+                <a:solidFill>
+                  <a:srgbClr val="0000FF"/>
+                </a:solidFill>
+                <a:highlight>
+                  <a:srgbClr val="FFFFFF"/>
+                </a:highlight>
+                <a:latin typeface="Consolas" panose="020B0609020204030204" pitchFamily="49" charset="0"/>
+              </a:rPr>
+              <a:t>extends</a:t>
+            </a:r>
+            <a:r>
+              <a:rPr lang="en-US" sz="2000" dirty="0">
+                <a:solidFill>
+                  <a:srgbClr val="000000"/>
+                </a:solidFill>
+                <a:highlight>
+                  <a:srgbClr val="FFFFFF"/>
+                </a:highlight>
+                <a:latin typeface="Consolas" panose="020B0609020204030204" pitchFamily="49" charset="0"/>
+              </a:rPr>
+              <a:t> Animal {</a:t>
+            </a:r>
+          </a:p>
+          <a:p>
+            <a:pPr marL="0" indent="0">
+              <a:buNone/>
+            </a:pPr>
+            <a:endParaRPr lang="ru-RU" sz="2000" dirty="0">
+              <a:solidFill>
+                <a:srgbClr val="000000"/>
+              </a:solidFill>
+              <a:highlight>
+                <a:srgbClr val="FFFFFF"/>
+              </a:highlight>
+              <a:latin typeface="Consolas" panose="020B0609020204030204" pitchFamily="49" charset="0"/>
+            </a:endParaRPr>
+          </a:p>
+          <a:p>
+            <a:pPr marL="0" indent="0">
+              <a:buNone/>
+            </a:pPr>
+            <a:r>
+              <a:rPr lang="en-US" sz="2000" dirty="0">
+                <a:solidFill>
+                  <a:srgbClr val="000000"/>
+                </a:solidFill>
+                <a:highlight>
+                  <a:srgbClr val="FFFFFF"/>
+                </a:highlight>
+                <a:latin typeface="Consolas" panose="020B0609020204030204" pitchFamily="49" charset="0"/>
+              </a:rPr>
+              <a:t>    </a:t>
+            </a:r>
+            <a:r>
+              <a:rPr lang="en-US" sz="2000" dirty="0">
+                <a:solidFill>
+                  <a:srgbClr val="0000FF"/>
+                </a:solidFill>
+                <a:highlight>
+                  <a:srgbClr val="FFFFFF"/>
+                </a:highlight>
+                <a:latin typeface="Consolas" panose="020B0609020204030204" pitchFamily="49" charset="0"/>
+              </a:rPr>
+              <a:t>constructor</a:t>
+            </a:r>
+            <a:r>
+              <a:rPr lang="en-US" sz="2000" dirty="0">
+                <a:solidFill>
+                  <a:srgbClr val="000000"/>
+                </a:solidFill>
+                <a:highlight>
+                  <a:srgbClr val="FFFFFF"/>
+                </a:highlight>
+                <a:latin typeface="Consolas" panose="020B0609020204030204" pitchFamily="49" charset="0"/>
+              </a:rPr>
+              <a:t>(name) {</a:t>
+            </a:r>
+          </a:p>
+          <a:p>
+            <a:pPr marL="0" indent="0">
+              <a:buNone/>
+            </a:pPr>
+            <a:r>
+              <a:rPr lang="en-US" sz="2000" dirty="0">
+                <a:solidFill>
+                  <a:srgbClr val="000000"/>
+                </a:solidFill>
+                <a:highlight>
+                  <a:srgbClr val="FFFFFF"/>
+                </a:highlight>
+                <a:latin typeface="Consolas" panose="020B0609020204030204" pitchFamily="49" charset="0"/>
+              </a:rPr>
+              <a:t>        </a:t>
+            </a:r>
+            <a:r>
+              <a:rPr lang="en-US" sz="2000" dirty="0">
+                <a:solidFill>
+                  <a:srgbClr val="0000FF"/>
+                </a:solidFill>
+                <a:highlight>
+                  <a:srgbClr val="FFFFFF"/>
+                </a:highlight>
+                <a:latin typeface="Consolas" panose="020B0609020204030204" pitchFamily="49" charset="0"/>
+              </a:rPr>
+              <a:t>super</a:t>
+            </a:r>
+            <a:r>
+              <a:rPr lang="en-US" sz="2000" dirty="0">
+                <a:solidFill>
+                  <a:srgbClr val="000000"/>
+                </a:solidFill>
+                <a:highlight>
+                  <a:srgbClr val="FFFFFF"/>
+                </a:highlight>
+                <a:latin typeface="Consolas" panose="020B0609020204030204" pitchFamily="49" charset="0"/>
+              </a:rPr>
+              <a:t>(name);</a:t>
+            </a:r>
+          </a:p>
+          <a:p>
+            <a:pPr marL="0" indent="0">
+              <a:buNone/>
+            </a:pPr>
+            <a:r>
+              <a:rPr lang="en-US" sz="2000" dirty="0">
+                <a:solidFill>
+                  <a:srgbClr val="000000"/>
+                </a:solidFill>
+                <a:highlight>
+                  <a:srgbClr val="FFFFFF"/>
+                </a:highlight>
+                <a:latin typeface="Consolas" panose="020B0609020204030204" pitchFamily="49" charset="0"/>
+              </a:rPr>
+              <a:t>        </a:t>
+            </a:r>
+            <a:r>
+              <a:rPr lang="en-US" sz="2000" dirty="0" err="1">
+                <a:solidFill>
+                  <a:srgbClr val="0000FF"/>
+                </a:solidFill>
+                <a:highlight>
+                  <a:srgbClr val="FFFFFF"/>
+                </a:highlight>
+                <a:latin typeface="Consolas" panose="020B0609020204030204" pitchFamily="49" charset="0"/>
+              </a:rPr>
+              <a:t>this</a:t>
+            </a:r>
+            <a:r>
+              <a:rPr lang="en-US" sz="2000" dirty="0" err="1">
+                <a:solidFill>
+                  <a:srgbClr val="000000"/>
+                </a:solidFill>
+                <a:highlight>
+                  <a:srgbClr val="FFFFFF"/>
+                </a:highlight>
+                <a:latin typeface="Consolas" panose="020B0609020204030204" pitchFamily="49" charset="0"/>
+              </a:rPr>
+              <a:t>.food</a:t>
+            </a:r>
+            <a:r>
+              <a:rPr lang="en-US" sz="2000" dirty="0">
+                <a:solidFill>
+                  <a:srgbClr val="000000"/>
+                </a:solidFill>
+                <a:highlight>
+                  <a:srgbClr val="FFFFFF"/>
+                </a:highlight>
+                <a:latin typeface="Consolas" panose="020B0609020204030204" pitchFamily="49" charset="0"/>
+              </a:rPr>
+              <a:t> = [];</a:t>
+            </a:r>
+          </a:p>
+          <a:p>
+            <a:pPr marL="0" indent="0">
+              <a:buNone/>
+            </a:pPr>
+            <a:r>
+              <a:rPr lang="ru-RU" sz="2000" dirty="0">
+                <a:solidFill>
+                  <a:srgbClr val="000000"/>
+                </a:solidFill>
+                <a:highlight>
+                  <a:srgbClr val="FFFFFF"/>
+                </a:highlight>
+                <a:latin typeface="Consolas" panose="020B0609020204030204" pitchFamily="49" charset="0"/>
+              </a:rPr>
+              <a:t>    }</a:t>
+            </a:r>
+          </a:p>
+          <a:p>
+            <a:pPr marL="0" indent="0">
+              <a:buNone/>
+            </a:pPr>
+            <a:endParaRPr lang="ru-RU" sz="2000" dirty="0">
+              <a:solidFill>
+                <a:srgbClr val="000000"/>
+              </a:solidFill>
+              <a:highlight>
+                <a:srgbClr val="FFFFFF"/>
+              </a:highlight>
+              <a:latin typeface="Consolas" panose="020B0609020204030204" pitchFamily="49" charset="0"/>
+            </a:endParaRPr>
+          </a:p>
+          <a:p>
+            <a:pPr marL="0" indent="0">
+              <a:buNone/>
+            </a:pPr>
+            <a:r>
+              <a:rPr lang="en-US" sz="2000" dirty="0">
+                <a:solidFill>
+                  <a:srgbClr val="000000"/>
+                </a:solidFill>
+                <a:highlight>
+                  <a:srgbClr val="FFFFFF"/>
+                </a:highlight>
+                <a:latin typeface="Consolas" panose="020B0609020204030204" pitchFamily="49" charset="0"/>
+              </a:rPr>
+              <a:t>    </a:t>
+            </a:r>
+            <a:r>
+              <a:rPr lang="en-US" sz="2000" dirty="0" smtClean="0">
+                <a:solidFill>
+                  <a:srgbClr val="000000"/>
+                </a:solidFill>
+                <a:highlight>
+                  <a:srgbClr val="FFFFFF"/>
+                </a:highlight>
+                <a:latin typeface="Consolas" panose="020B0609020204030204" pitchFamily="49" charset="0"/>
+              </a:rPr>
+              <a:t>eat(item) </a:t>
+            </a:r>
+            <a:r>
+              <a:rPr lang="en-US" sz="2000" dirty="0">
+                <a:solidFill>
+                  <a:srgbClr val="000000"/>
+                </a:solidFill>
+                <a:highlight>
+                  <a:srgbClr val="FFFFFF"/>
+                </a:highlight>
+                <a:latin typeface="Consolas" panose="020B0609020204030204" pitchFamily="49" charset="0"/>
+              </a:rPr>
+              <a:t>{</a:t>
+            </a:r>
+          </a:p>
+          <a:p>
+            <a:pPr marL="0" indent="0">
+              <a:buNone/>
+            </a:pPr>
+            <a:r>
+              <a:rPr lang="en-US" sz="2000" dirty="0">
+                <a:solidFill>
+                  <a:srgbClr val="000000"/>
+                </a:solidFill>
+                <a:highlight>
+                  <a:srgbClr val="FFFFFF"/>
+                </a:highlight>
+                <a:latin typeface="Consolas" panose="020B0609020204030204" pitchFamily="49" charset="0"/>
+              </a:rPr>
+              <a:t>        </a:t>
+            </a:r>
+            <a:r>
+              <a:rPr lang="en-US" sz="2000" dirty="0" err="1">
+                <a:solidFill>
+                  <a:srgbClr val="0000FF"/>
+                </a:solidFill>
+                <a:highlight>
+                  <a:srgbClr val="FFFFFF"/>
+                </a:highlight>
+                <a:latin typeface="Consolas" panose="020B0609020204030204" pitchFamily="49" charset="0"/>
+              </a:rPr>
+              <a:t>this</a:t>
+            </a:r>
+            <a:r>
+              <a:rPr lang="en-US" sz="2000" dirty="0" err="1">
+                <a:solidFill>
+                  <a:srgbClr val="000000"/>
+                </a:solidFill>
+                <a:highlight>
+                  <a:srgbClr val="FFFFFF"/>
+                </a:highlight>
+                <a:latin typeface="Consolas" panose="020B0609020204030204" pitchFamily="49" charset="0"/>
+              </a:rPr>
+              <a:t>.food.push</a:t>
+            </a:r>
+            <a:r>
+              <a:rPr lang="en-US" sz="2000" dirty="0">
+                <a:solidFill>
+                  <a:srgbClr val="000000"/>
+                </a:solidFill>
+                <a:highlight>
+                  <a:srgbClr val="FFFFFF"/>
+                </a:highlight>
+                <a:latin typeface="Consolas" panose="020B0609020204030204" pitchFamily="49" charset="0"/>
+              </a:rPr>
+              <a:t>(food);</a:t>
+            </a:r>
+          </a:p>
+          <a:p>
+            <a:pPr marL="0" indent="0">
+              <a:buNone/>
+            </a:pPr>
+            <a:r>
+              <a:rPr lang="ru-RU" sz="2000" dirty="0">
+                <a:solidFill>
+                  <a:srgbClr val="000000"/>
+                </a:solidFill>
+                <a:highlight>
+                  <a:srgbClr val="FFFFFF"/>
+                </a:highlight>
+                <a:latin typeface="Consolas" panose="020B0609020204030204" pitchFamily="49" charset="0"/>
+              </a:rPr>
+              <a:t>    }</a:t>
+            </a:r>
+          </a:p>
+          <a:p>
+            <a:pPr marL="0" indent="0">
+              <a:buNone/>
+            </a:pPr>
+            <a:endParaRPr lang="ru-RU" sz="2000" dirty="0">
+              <a:solidFill>
+                <a:srgbClr val="000000"/>
+              </a:solidFill>
+              <a:highlight>
+                <a:srgbClr val="FFFFFF"/>
+              </a:highlight>
+              <a:latin typeface="Consolas" panose="020B0609020204030204" pitchFamily="49" charset="0"/>
+            </a:endParaRPr>
+          </a:p>
+          <a:p>
+            <a:pPr marL="0" indent="0">
+              <a:buNone/>
+            </a:pPr>
+            <a:r>
+              <a:rPr lang="ru-RU" sz="2000" dirty="0">
+                <a:solidFill>
+                  <a:srgbClr val="000000"/>
+                </a:solidFill>
+                <a:highlight>
+                  <a:srgbClr val="FFFFFF"/>
+                </a:highlight>
+                <a:latin typeface="Consolas" panose="020B0609020204030204" pitchFamily="49" charset="0"/>
+              </a:rPr>
+              <a:t>}</a:t>
+            </a:r>
+            <a:endParaRPr lang="ru-RU" sz="2000" dirty="0"/>
           </a:p>
         </p:txBody>
       </p:sp>
     </p:spTree>
     <p:extLst>
       <p:ext uri="{BB962C8B-B14F-4D97-AF65-F5344CB8AC3E}">
-        <p14:creationId xmlns:p14="http://schemas.microsoft.com/office/powerpoint/2010/main" val="1676739946"/>
+        <p14:creationId xmlns:p14="http://schemas.microsoft.com/office/powerpoint/2010/main" val="1970088355"/>
       </p:ext>
     </p:extLst>
   </p:cSld>
@@ -16910,6 +17171,72 @@
         </p:nvSpPr>
         <p:spPr>
           <a:xfrm>
+            <a:off x="628650" y="2433956"/>
+            <a:ext cx="7886700" cy="1325563"/>
+          </a:xfrm>
+        </p:spPr>
+        <p:txBody>
+          <a:bodyPr/>
+          <a:lstStyle/>
+          <a:p>
+            <a:pPr algn="ctr"/>
+            <a:r>
+              <a:rPr lang="en-US" dirty="0" smtClean="0"/>
+              <a:t>LINQ</a:t>
+            </a:r>
+            <a:endParaRPr lang="ru-RU" dirty="0"/>
+          </a:p>
+        </p:txBody>
+      </p:sp>
+    </p:spTree>
+    <p:extLst>
+      <p:ext uri="{BB962C8B-B14F-4D97-AF65-F5344CB8AC3E}">
+        <p14:creationId xmlns:p14="http://schemas.microsoft.com/office/powerpoint/2010/main" val="1676739946"/>
+      </p:ext>
+    </p:extLst>
+  </p:cSld>
+  <p:clrMapOvr>
+    <a:masterClrMapping/>
+  </p:clrMapOvr>
+  <p:timing>
+    <p:tnLst>
+      <p:par>
+        <p:cTn id="1" dur="indefinite" restart="never" nodeType="tmRoot"/>
+      </p:par>
+    </p:tnLst>
+  </p:timing>
+</p:sld>
+</file>
+
+<file path=ppt/slides/slide37.xml><?xml version="1.0" encoding="utf-8"?>
+<p:sld xmlns:a="http://schemas.openxmlformats.org/drawingml/2006/main" xmlns:r="http://schemas.openxmlformats.org/officeDocument/2006/relationships" xmlns:p="http://schemas.openxmlformats.org/presentationml/2006/main">
+  <p:cSld>
+    <p:spTree>
+      <p:nvGrpSpPr>
+        <p:cNvPr id="1" name=""/>
+        <p:cNvGrpSpPr/>
+        <p:nvPr/>
+      </p:nvGrpSpPr>
+      <p:grpSpPr>
+        <a:xfrm>
+          <a:off x="0" y="0"/>
+          <a:ext cx="0" cy="0"/>
+          <a:chOff x="0" y="0"/>
+          <a:chExt cx="0" cy="0"/>
+        </a:xfrm>
+      </p:grpSpPr>
+      <p:sp>
+        <p:nvSpPr>
+          <p:cNvPr id="2" name="Заголовок 1"/>
+          <p:cNvSpPr>
+            <a:spLocks noGrp="1"/>
+          </p:cNvSpPr>
+          <p:nvPr>
+            <p:ph type="title"/>
+          </p:nvPr>
+        </p:nvSpPr>
+        <p:spPr>
+          <a:xfrm>
             <a:off x="628650" y="365126"/>
             <a:ext cx="7886700" cy="734469"/>
           </a:xfrm>
@@ -17507,7 +17834,7 @@
 </p:sld>
 </file>
 
-<file path=ppt/slides/slide37.xml><?xml version="1.0" encoding="utf-8"?>
+<file path=ppt/slides/slide38.xml><?xml version="1.0" encoding="utf-8"?>
 <p:sld xmlns:a="http://schemas.openxmlformats.org/drawingml/2006/main" xmlns:r="http://schemas.openxmlformats.org/officeDocument/2006/relationships" xmlns:p="http://schemas.openxmlformats.org/presentationml/2006/main">
   <p:cSld>
     <p:spTree>
@@ -18429,132 +18756,6 @@
 </p:sld>
 </file>
 
-<file path=ppt/slides/slide38.xml><?xml version="1.0" encoding="utf-8"?>
-<p:sld xmlns:a="http://schemas.openxmlformats.org/drawingml/2006/main" xmlns:r="http://schemas.openxmlformats.org/officeDocument/2006/relationships" xmlns:p="http://schemas.openxmlformats.org/presentationml/2006/main">
-  <p:cSld>
-    <p:spTree>
-      <p:nvGrpSpPr>
-        <p:cNvPr id="1" name=""/>
-        <p:cNvGrpSpPr/>
-        <p:nvPr/>
-      </p:nvGrpSpPr>
-      <p:grpSpPr>
-        <a:xfrm>
-          <a:off x="0" y="0"/>
-          <a:ext cx="0" cy="0"/>
-          <a:chOff x="0" y="0"/>
-          <a:chExt cx="0" cy="0"/>
-        </a:xfrm>
-      </p:grpSpPr>
-      <p:sp>
-        <p:nvSpPr>
-          <p:cNvPr id="2" name="Заголовок 1"/>
-          <p:cNvSpPr>
-            <a:spLocks noGrp="1"/>
-          </p:cNvSpPr>
-          <p:nvPr>
-            <p:ph type="title"/>
-          </p:nvPr>
-        </p:nvSpPr>
-        <p:spPr>
-          <a:xfrm>
-            <a:off x="628650" y="365126"/>
-            <a:ext cx="7886700" cy="873365"/>
-          </a:xfrm>
-        </p:spPr>
-        <p:txBody>
-          <a:bodyPr/>
-          <a:lstStyle/>
-          <a:p>
-            <a:r>
-              <a:rPr lang="ru-RU" dirty="0" smtClean="0"/>
-              <a:t>Метод </a:t>
-            </a:r>
-            <a:r>
-              <a:rPr lang="en-US" dirty="0" smtClean="0"/>
-              <a:t>find </a:t>
-            </a:r>
-            <a:r>
-              <a:rPr lang="ru-RU" dirty="0" smtClean="0"/>
-              <a:t>в </a:t>
-            </a:r>
-            <a:r>
-              <a:rPr lang="en-US" dirty="0" smtClean="0"/>
-              <a:t>ES5</a:t>
-            </a:r>
-            <a:endParaRPr lang="ru-RU" dirty="0"/>
-          </a:p>
-        </p:txBody>
-      </p:sp>
-      <p:sp>
-        <p:nvSpPr>
-          <p:cNvPr id="3" name="Объект 2"/>
-          <p:cNvSpPr>
-            <a:spLocks noGrp="1"/>
-          </p:cNvSpPr>
-          <p:nvPr>
-            <p:ph idx="1"/>
-          </p:nvPr>
-        </p:nvSpPr>
-        <p:spPr>
-          <a:xfrm>
-            <a:off x="628650" y="2743198"/>
-            <a:ext cx="8087087" cy="3896751"/>
-          </a:xfrm>
-        </p:spPr>
-        <p:txBody>
-          <a:bodyPr>
-            <a:normAutofit/>
-          </a:bodyPr>
-          <a:lstStyle/>
-          <a:p>
-            <a:pPr marL="0" indent="0" algn="ctr">
-              <a:buNone/>
-            </a:pPr>
-            <a:r>
-              <a:rPr lang="en-US" sz="5400" dirty="0">
-                <a:hlinkClick r:id="rId2"/>
-              </a:rPr>
-              <a:t>http://</a:t>
-            </a:r>
-            <a:r>
-              <a:rPr lang="en-US" sz="5400" dirty="0" smtClean="0">
-                <a:hlinkClick r:id="rId2"/>
-              </a:rPr>
-              <a:t>jsfiddle.net/yndgcrvs</a:t>
-            </a:r>
-            <a:r>
-              <a:rPr lang="en-US" sz="5400" dirty="0" smtClean="0"/>
-              <a:t> </a:t>
-            </a:r>
-            <a:r>
-              <a:rPr lang="ru-RU" sz="5400" dirty="0" smtClean="0"/>
-              <a:t> </a:t>
-            </a:r>
-            <a:endParaRPr lang="ru-RU" sz="5400" dirty="0"/>
-          </a:p>
-        </p:txBody>
-      </p:sp>
-    </p:spTree>
-    <p:extLst>
-      <p:ext uri="{BB962C8B-B14F-4D97-AF65-F5344CB8AC3E}">
-        <p14:creationId xmlns:p14="http://schemas.microsoft.com/office/powerpoint/2010/main" val="1673294746"/>
-      </p:ext>
-    </p:extLst>
-  </p:cSld>
-  <p:clrMapOvr>
-    <a:masterClrMapping/>
-  </p:clrMapOvr>
-  <p:timing>
-    <p:tnLst>
-      <p:par>
-        <p:cTn id="1" dur="indefinite" restart="never" nodeType="tmRoot"/>
-      </p:par>
-    </p:tnLst>
-  </p:timing>
-</p:sld>
-</file>
-
 <file path=ppt/slides/slide39.xml><?xml version="1.0" encoding="utf-8"?>
 <p:sld xmlns:a="http://schemas.openxmlformats.org/drawingml/2006/main" xmlns:r="http://schemas.openxmlformats.org/officeDocument/2006/relationships" xmlns:p="http://schemas.openxmlformats.org/presentationml/2006/main">
   <p:cSld>
@@ -18584,8 +18785,8 @@
         </p:nvSpPr>
         <p:spPr>
           <a:xfrm>
-            <a:off x="628650" y="365127"/>
-            <a:ext cx="7886700" cy="780768"/>
+            <a:off x="628650" y="365126"/>
+            <a:ext cx="7886700" cy="873365"/>
           </a:xfrm>
         </p:spPr>
         <p:txBody>
@@ -18594,19 +18795,19 @@
           <a:p>
             <a:r>
               <a:rPr lang="ru-RU" dirty="0" smtClean="0"/>
-              <a:t>Домашнее задание</a:t>
+              <a:t>Метод </a:t>
             </a:r>
             <a:r>
               <a:rPr lang="en-US" dirty="0" smtClean="0"/>
-              <a:t> (</a:t>
-            </a:r>
-            <a:r>
-              <a:rPr lang="en-US" dirty="0" err="1" smtClean="0"/>
-              <a:t>orderBy</a:t>
+              <a:t>find </a:t>
+            </a:r>
+            <a:r>
+              <a:rPr lang="ru-RU" dirty="0" smtClean="0"/>
+              <a:t>в </a:t>
             </a:r>
             <a:r>
               <a:rPr lang="en-US" dirty="0" smtClean="0"/>
-              <a:t>)</a:t>
+              <a:t>ES5</a:t>
             </a:r>
             <a:endParaRPr lang="ru-RU" dirty="0"/>
           </a:p>
@@ -18624,8 +18825,8 @@
         </p:nvSpPr>
         <p:spPr>
           <a:xfrm>
-            <a:off x="628650" y="1331089"/>
-            <a:ext cx="7886700" cy="4845874"/>
+            <a:off x="628650" y="2743198"/>
+            <a:ext cx="8087087" cy="3896751"/>
           </a:xfrm>
         </p:spPr>
         <p:txBody>
@@ -18634,462 +18835,37 @@
           </a:bodyPr>
           <a:lstStyle/>
           <a:p>
-            <a:pPr marL="0" indent="0">
-              <a:buNone/>
-            </a:pPr>
-            <a:r>
-              <a:rPr lang="en-US" sz="2000" dirty="0" err="1">
-                <a:solidFill>
-                  <a:srgbClr val="0000FF"/>
-                </a:solidFill>
-                <a:highlight>
-                  <a:srgbClr val="FFFFFF"/>
-                </a:highlight>
-                <a:latin typeface="Consolas" panose="020B0609020204030204" pitchFamily="49" charset="0"/>
-              </a:rPr>
-              <a:t>var</a:t>
-            </a:r>
-            <a:r>
-              <a:rPr lang="en-US" sz="2000" dirty="0">
-                <a:solidFill>
-                  <a:srgbClr val="000000"/>
-                </a:solidFill>
-                <a:highlight>
-                  <a:srgbClr val="FFFFFF"/>
-                </a:highlight>
-                <a:latin typeface="Consolas" panose="020B0609020204030204" pitchFamily="49" charset="0"/>
-              </a:rPr>
+            <a:pPr marL="0" indent="0" algn="ctr">
+              <a:buNone/>
+            </a:pPr>
+            <a:r>
+              <a:rPr lang="en-US" sz="5400" dirty="0">
+                <a:hlinkClick r:id="rId2"/>
+              </a:rPr>
+              <a:t>http://</a:t>
+            </a:r>
+            <a:r>
+              <a:rPr lang="en-US" sz="5400" dirty="0" smtClean="0">
+                <a:hlinkClick r:id="rId2"/>
+              </a:rPr>
+              <a:t>jsfiddle.net/yndgcrvs</a:t>
+            </a:r>
+            <a:r>
+              <a:rPr lang="en-US" sz="5400" dirty="0" smtClean="0"/>
               <a:t> </a:t>
             </a:r>
             <a:r>
-              <a:rPr lang="en-US" sz="2000" dirty="0" err="1" smtClean="0">
-                <a:solidFill>
-                  <a:srgbClr val="000000"/>
-                </a:solidFill>
-                <a:highlight>
-                  <a:srgbClr val="FFFFFF"/>
-                </a:highlight>
-                <a:latin typeface="Consolas" panose="020B0609020204030204" pitchFamily="49" charset="0"/>
-              </a:rPr>
-              <a:t>sortedPeople</a:t>
-            </a:r>
-            <a:r>
-              <a:rPr lang="en-US" sz="2000" dirty="0" smtClean="0">
-                <a:solidFill>
-                  <a:srgbClr val="000000"/>
-                </a:solidFill>
-                <a:highlight>
-                  <a:srgbClr val="FFFFFF"/>
-                </a:highlight>
-                <a:latin typeface="Consolas" panose="020B0609020204030204" pitchFamily="49" charset="0"/>
-              </a:rPr>
-              <a:t> = </a:t>
-            </a:r>
-            <a:r>
-              <a:rPr lang="en-US" sz="2000" dirty="0" err="1" smtClean="0">
-                <a:solidFill>
-                  <a:srgbClr val="000000"/>
-                </a:solidFill>
-                <a:highlight>
-                  <a:srgbClr val="FFFFFF"/>
-                </a:highlight>
-                <a:latin typeface="Consolas" panose="020B0609020204030204" pitchFamily="49" charset="0"/>
-              </a:rPr>
-              <a:t>people.orderBy</a:t>
-            </a:r>
-            <a:r>
-              <a:rPr lang="en-US" sz="2000" dirty="0" smtClean="0">
-                <a:solidFill>
-                  <a:srgbClr val="000000"/>
-                </a:solidFill>
-                <a:highlight>
-                  <a:srgbClr val="FFFFFF"/>
-                </a:highlight>
-                <a:latin typeface="Consolas" panose="020B0609020204030204" pitchFamily="49" charset="0"/>
-              </a:rPr>
-              <a:t>(f </a:t>
-            </a:r>
-            <a:r>
-              <a:rPr lang="en-US" sz="2000" dirty="0">
-                <a:solidFill>
-                  <a:srgbClr val="000000"/>
-                </a:solidFill>
-                <a:highlight>
-                  <a:srgbClr val="FFFFFF"/>
-                </a:highlight>
-                <a:latin typeface="Consolas" panose="020B0609020204030204" pitchFamily="49" charset="0"/>
-              </a:rPr>
-              <a:t>=&gt; </a:t>
-            </a:r>
-            <a:r>
-              <a:rPr lang="en-US" sz="2000" dirty="0" err="1" smtClean="0">
-                <a:solidFill>
-                  <a:srgbClr val="000000"/>
-                </a:solidFill>
-                <a:highlight>
-                  <a:srgbClr val="FFFFFF"/>
-                </a:highlight>
-                <a:latin typeface="Consolas" panose="020B0609020204030204" pitchFamily="49" charset="0"/>
-              </a:rPr>
-              <a:t>f.age</a:t>
-            </a:r>
-            <a:r>
-              <a:rPr lang="en-US" sz="2000" dirty="0" smtClean="0">
-                <a:solidFill>
-                  <a:srgbClr val="000000"/>
-                </a:solidFill>
-                <a:highlight>
-                  <a:srgbClr val="FFFFFF"/>
-                </a:highlight>
-                <a:latin typeface="Consolas" panose="020B0609020204030204" pitchFamily="49" charset="0"/>
-              </a:rPr>
-              <a:t>);</a:t>
-            </a:r>
-          </a:p>
-          <a:p>
-            <a:pPr marL="0" indent="0">
-              <a:buNone/>
-            </a:pPr>
-            <a:endParaRPr lang="en-US" sz="2000" dirty="0">
-              <a:solidFill>
-                <a:srgbClr val="000000"/>
-              </a:solidFill>
-              <a:highlight>
-                <a:srgbClr val="FFFFFF"/>
-              </a:highlight>
-              <a:latin typeface="Consolas" panose="020B0609020204030204" pitchFamily="49" charset="0"/>
-            </a:endParaRPr>
-          </a:p>
-          <a:p>
-            <a:pPr marL="0" indent="0">
-              <a:buNone/>
-            </a:pPr>
-            <a:r>
-              <a:rPr lang="en-US" sz="2000" dirty="0" smtClean="0">
-                <a:solidFill>
-                  <a:schemeClr val="accent6">
-                    <a:lumMod val="75000"/>
-                  </a:schemeClr>
-                </a:solidFill>
-                <a:highlight>
-                  <a:srgbClr val="FFFFFF"/>
-                </a:highlight>
-                <a:latin typeface="Consolas" panose="020B0609020204030204" pitchFamily="49" charset="0"/>
-              </a:rPr>
-              <a:t>// </a:t>
-            </a:r>
-            <a:r>
-              <a:rPr lang="ru-RU" sz="2000" dirty="0">
-                <a:solidFill>
-                  <a:schemeClr val="accent6">
-                    <a:lumMod val="75000"/>
-                  </a:schemeClr>
-                </a:solidFill>
-                <a:highlight>
-                  <a:srgbClr val="FFFFFF"/>
-                </a:highlight>
-                <a:latin typeface="Consolas" panose="020B0609020204030204" pitchFamily="49" charset="0"/>
-              </a:rPr>
-              <a:t>или так (</a:t>
-            </a:r>
-            <a:r>
-              <a:rPr lang="en-US" sz="2000" dirty="0">
-                <a:solidFill>
-                  <a:schemeClr val="accent6">
-                    <a:lumMod val="75000"/>
-                  </a:schemeClr>
-                </a:solidFill>
-                <a:highlight>
-                  <a:srgbClr val="FFFFFF"/>
-                </a:highlight>
-                <a:latin typeface="Consolas" panose="020B0609020204030204" pitchFamily="49" charset="0"/>
-              </a:rPr>
-              <a:t>ES5)</a:t>
-            </a:r>
-            <a:r>
-              <a:rPr lang="ru-RU" sz="2000" dirty="0">
-                <a:solidFill>
-                  <a:schemeClr val="accent6">
-                    <a:lumMod val="75000"/>
-                  </a:schemeClr>
-                </a:solidFill>
-                <a:highlight>
-                  <a:srgbClr val="FFFFFF"/>
-                </a:highlight>
-                <a:latin typeface="Consolas" panose="020B0609020204030204" pitchFamily="49" charset="0"/>
-              </a:rPr>
-              <a:t>:</a:t>
-            </a:r>
-            <a:endParaRPr lang="en-US" sz="2000" dirty="0">
-              <a:solidFill>
-                <a:schemeClr val="accent6">
-                  <a:lumMod val="75000"/>
-                </a:schemeClr>
-              </a:solidFill>
-              <a:highlight>
-                <a:srgbClr val="FFFFFF"/>
-              </a:highlight>
-              <a:latin typeface="Consolas" panose="020B0609020204030204" pitchFamily="49" charset="0"/>
-            </a:endParaRPr>
-          </a:p>
-          <a:p>
-            <a:pPr marL="0" indent="0">
-              <a:buNone/>
-            </a:pPr>
-            <a:endParaRPr lang="en-US" sz="2000" dirty="0">
-              <a:solidFill>
-                <a:srgbClr val="000000"/>
-              </a:solidFill>
-              <a:highlight>
-                <a:srgbClr val="FFFFFF"/>
-              </a:highlight>
-              <a:latin typeface="Consolas" panose="020B0609020204030204" pitchFamily="49" charset="0"/>
-            </a:endParaRPr>
-          </a:p>
-          <a:p>
-            <a:pPr marL="0" indent="0">
-              <a:buNone/>
-            </a:pPr>
-            <a:r>
-              <a:rPr lang="en-US" sz="2000" dirty="0" err="1">
-                <a:solidFill>
-                  <a:srgbClr val="0000FF"/>
-                </a:solidFill>
-                <a:highlight>
-                  <a:srgbClr val="FFFFFF"/>
-                </a:highlight>
-                <a:latin typeface="Consolas" panose="020B0609020204030204" pitchFamily="49" charset="0"/>
-              </a:rPr>
-              <a:t>var</a:t>
-            </a:r>
-            <a:r>
-              <a:rPr lang="en-US" sz="2000" dirty="0">
-                <a:solidFill>
-                  <a:srgbClr val="000000"/>
-                </a:solidFill>
-                <a:highlight>
-                  <a:srgbClr val="FFFFFF"/>
-                </a:highlight>
-                <a:latin typeface="Consolas" panose="020B0609020204030204" pitchFamily="49" charset="0"/>
-              </a:rPr>
+              <a:rPr lang="ru-RU" sz="5400" dirty="0" smtClean="0"/>
               <a:t> </a:t>
             </a:r>
-            <a:r>
-              <a:rPr lang="en-US" sz="2000" dirty="0" err="1">
-                <a:solidFill>
-                  <a:srgbClr val="000000"/>
-                </a:solidFill>
-                <a:highlight>
-                  <a:srgbClr val="FFFFFF"/>
-                </a:highlight>
-                <a:latin typeface="Consolas" panose="020B0609020204030204" pitchFamily="49" charset="0"/>
-              </a:rPr>
-              <a:t>sortedPeople</a:t>
-            </a:r>
-            <a:r>
-              <a:rPr lang="en-US" sz="2000" dirty="0">
-                <a:solidFill>
-                  <a:srgbClr val="000000"/>
-                </a:solidFill>
-                <a:highlight>
-                  <a:srgbClr val="FFFFFF"/>
-                </a:highlight>
-                <a:latin typeface="Consolas" panose="020B0609020204030204" pitchFamily="49" charset="0"/>
-              </a:rPr>
-              <a:t> </a:t>
-            </a:r>
-            <a:r>
-              <a:rPr lang="en-US" sz="2000" dirty="0" smtClean="0">
-                <a:solidFill>
-                  <a:srgbClr val="000000"/>
-                </a:solidFill>
-                <a:highlight>
-                  <a:srgbClr val="FFFFFF"/>
-                </a:highlight>
-                <a:latin typeface="Consolas" panose="020B0609020204030204" pitchFamily="49" charset="0"/>
-              </a:rPr>
-              <a:t>= </a:t>
-            </a:r>
-            <a:r>
-              <a:rPr lang="en-US" sz="2000" dirty="0" err="1" smtClean="0">
-                <a:solidFill>
-                  <a:srgbClr val="000000"/>
-                </a:solidFill>
-                <a:highlight>
-                  <a:srgbClr val="FFFFFF"/>
-                </a:highlight>
-                <a:latin typeface="Consolas" panose="020B0609020204030204" pitchFamily="49" charset="0"/>
-              </a:rPr>
-              <a:t>people.orderBy</a:t>
-            </a:r>
-            <a:r>
-              <a:rPr lang="en-US" sz="2000" dirty="0" smtClean="0">
-                <a:solidFill>
-                  <a:srgbClr val="000000"/>
-                </a:solidFill>
-                <a:highlight>
-                  <a:srgbClr val="FFFFFF"/>
-                </a:highlight>
-                <a:latin typeface="Consolas" panose="020B0609020204030204" pitchFamily="49" charset="0"/>
-              </a:rPr>
-              <a:t>(</a:t>
-            </a:r>
-            <a:r>
-              <a:rPr lang="en-US" sz="2000" dirty="0" smtClean="0">
-                <a:solidFill>
-                  <a:srgbClr val="0000FF"/>
-                </a:solidFill>
-                <a:highlight>
-                  <a:srgbClr val="FFFFFF"/>
-                </a:highlight>
-                <a:latin typeface="Consolas" panose="020B0609020204030204" pitchFamily="49" charset="0"/>
-              </a:rPr>
-              <a:t>function</a:t>
-            </a:r>
-            <a:r>
-              <a:rPr lang="en-US" sz="2000" dirty="0" smtClean="0">
-                <a:solidFill>
-                  <a:srgbClr val="000000"/>
-                </a:solidFill>
-                <a:highlight>
-                  <a:srgbClr val="FFFFFF"/>
-                </a:highlight>
-                <a:latin typeface="Consolas" panose="020B0609020204030204" pitchFamily="49" charset="0"/>
-              </a:rPr>
-              <a:t>(</a:t>
-            </a:r>
-            <a:r>
-              <a:rPr lang="en-US" sz="2000" dirty="0">
-                <a:highlight>
-                  <a:srgbClr val="FFFFFF"/>
-                </a:highlight>
-                <a:latin typeface="Consolas" panose="020B0609020204030204" pitchFamily="49" charset="0"/>
-              </a:rPr>
-              <a:t>p</a:t>
-            </a:r>
-            <a:r>
-              <a:rPr lang="en-US" sz="2000" dirty="0" smtClean="0">
-                <a:solidFill>
-                  <a:srgbClr val="000000"/>
-                </a:solidFill>
-                <a:highlight>
-                  <a:srgbClr val="FFFFFF"/>
-                </a:highlight>
-                <a:latin typeface="Consolas" panose="020B0609020204030204" pitchFamily="49" charset="0"/>
-              </a:rPr>
-              <a:t>) </a:t>
-            </a:r>
-            <a:r>
-              <a:rPr lang="en-US" sz="2000" dirty="0">
-                <a:solidFill>
-                  <a:srgbClr val="000000"/>
-                </a:solidFill>
-                <a:highlight>
-                  <a:srgbClr val="FFFFFF"/>
-                </a:highlight>
-                <a:latin typeface="Consolas" panose="020B0609020204030204" pitchFamily="49" charset="0"/>
-              </a:rPr>
-              <a:t>{ </a:t>
-            </a:r>
-          </a:p>
-          <a:p>
-            <a:pPr marL="0" indent="0">
-              <a:buNone/>
-            </a:pPr>
-            <a:r>
-              <a:rPr lang="en-US" sz="2000" dirty="0">
-                <a:solidFill>
-                  <a:srgbClr val="000000"/>
-                </a:solidFill>
-                <a:highlight>
-                  <a:srgbClr val="FFFFFF"/>
-                </a:highlight>
-                <a:latin typeface="Consolas" panose="020B0609020204030204" pitchFamily="49" charset="0"/>
-              </a:rPr>
-              <a:t>	</a:t>
-            </a:r>
-            <a:r>
-              <a:rPr lang="en-US" sz="2000" dirty="0">
-                <a:solidFill>
-                  <a:srgbClr val="0000FF"/>
-                </a:solidFill>
-                <a:highlight>
-                  <a:srgbClr val="FFFFFF"/>
-                </a:highlight>
-                <a:latin typeface="Consolas" panose="020B0609020204030204" pitchFamily="49" charset="0"/>
-              </a:rPr>
-              <a:t>return</a:t>
-            </a:r>
-            <a:r>
-              <a:rPr lang="en-US" sz="2000" dirty="0">
-                <a:solidFill>
-                  <a:srgbClr val="000000"/>
-                </a:solidFill>
-                <a:highlight>
-                  <a:srgbClr val="FFFFFF"/>
-                </a:highlight>
-                <a:latin typeface="Consolas" panose="020B0609020204030204" pitchFamily="49" charset="0"/>
-              </a:rPr>
-              <a:t> </a:t>
-            </a:r>
-            <a:r>
-              <a:rPr lang="en-US" sz="2000" dirty="0" err="1" smtClean="0">
-                <a:solidFill>
-                  <a:srgbClr val="000000"/>
-                </a:solidFill>
-                <a:highlight>
-                  <a:srgbClr val="FFFFFF"/>
-                </a:highlight>
-                <a:latin typeface="Consolas" panose="020B0609020204030204" pitchFamily="49" charset="0"/>
-              </a:rPr>
-              <a:t>p.age</a:t>
-            </a:r>
-            <a:r>
-              <a:rPr lang="en-US" sz="2000" dirty="0" smtClean="0">
-                <a:solidFill>
-                  <a:srgbClr val="000000"/>
-                </a:solidFill>
-                <a:highlight>
-                  <a:srgbClr val="FFFFFF"/>
-                </a:highlight>
-                <a:latin typeface="Consolas" panose="020B0609020204030204" pitchFamily="49" charset="0"/>
-              </a:rPr>
-              <a:t>;</a:t>
-            </a:r>
-            <a:endParaRPr lang="en-US" sz="2000" dirty="0">
-              <a:solidFill>
-                <a:srgbClr val="000000"/>
-              </a:solidFill>
-              <a:highlight>
-                <a:srgbClr val="FFFFFF"/>
-              </a:highlight>
-              <a:latin typeface="Consolas" panose="020B0609020204030204" pitchFamily="49" charset="0"/>
-            </a:endParaRPr>
-          </a:p>
-          <a:p>
-            <a:pPr marL="0" indent="0">
-              <a:buNone/>
-            </a:pPr>
-            <a:r>
-              <a:rPr lang="en-US" sz="2000" dirty="0" smtClean="0">
-                <a:solidFill>
-                  <a:srgbClr val="000000"/>
-                </a:solidFill>
-                <a:highlight>
-                  <a:srgbClr val="FFFFFF"/>
-                </a:highlight>
-                <a:latin typeface="Consolas" panose="020B0609020204030204" pitchFamily="49" charset="0"/>
-              </a:rPr>
-              <a:t>});</a:t>
-            </a:r>
-            <a:endParaRPr lang="ru-RU" sz="2000" dirty="0"/>
+            <a:endParaRPr lang="ru-RU" sz="5400" dirty="0"/>
           </a:p>
         </p:txBody>
       </p:sp>
     </p:spTree>
     <p:extLst>
       <p:ext uri="{BB962C8B-B14F-4D97-AF65-F5344CB8AC3E}">
-        <p14:creationId xmlns:p14="http://schemas.microsoft.com/office/powerpoint/2010/main" val="3712367188"/>
+        <p14:creationId xmlns:p14="http://schemas.microsoft.com/office/powerpoint/2010/main" val="1673294746"/>
       </p:ext>
     </p:extLst>
   </p:cSld>
@@ -19235,6 +19011,557 @@
             <p:ph type="title"/>
           </p:nvPr>
         </p:nvSpPr>
+        <p:spPr>
+          <a:xfrm>
+            <a:off x="628650" y="365127"/>
+            <a:ext cx="7886700" cy="780768"/>
+          </a:xfrm>
+        </p:spPr>
+        <p:txBody>
+          <a:bodyPr/>
+          <a:lstStyle/>
+          <a:p>
+            <a:r>
+              <a:rPr lang="ru-RU" dirty="0" smtClean="0"/>
+              <a:t>Домашнее задание</a:t>
+            </a:r>
+            <a:r>
+              <a:rPr lang="en-US" dirty="0" smtClean="0"/>
+              <a:t> (</a:t>
+            </a:r>
+            <a:r>
+              <a:rPr lang="en-US" dirty="0" err="1" smtClean="0"/>
+              <a:t>orderBy</a:t>
+            </a:r>
+            <a:r>
+              <a:rPr lang="en-US" dirty="0" smtClean="0"/>
+              <a:t>)</a:t>
+            </a:r>
+            <a:endParaRPr lang="ru-RU" dirty="0"/>
+          </a:p>
+        </p:txBody>
+      </p:sp>
+      <p:sp>
+        <p:nvSpPr>
+          <p:cNvPr id="3" name="Объект 2"/>
+          <p:cNvSpPr>
+            <a:spLocks noGrp="1"/>
+          </p:cNvSpPr>
+          <p:nvPr>
+            <p:ph idx="1"/>
+          </p:nvPr>
+        </p:nvSpPr>
+        <p:spPr>
+          <a:xfrm>
+            <a:off x="628650" y="1331089"/>
+            <a:ext cx="7886700" cy="4845874"/>
+          </a:xfrm>
+        </p:spPr>
+        <p:txBody>
+          <a:bodyPr>
+            <a:normAutofit/>
+          </a:bodyPr>
+          <a:lstStyle/>
+          <a:p>
+            <a:pPr marL="0" indent="0">
+              <a:buNone/>
+            </a:pPr>
+            <a:r>
+              <a:rPr lang="en-US" sz="2000" dirty="0" err="1">
+                <a:solidFill>
+                  <a:srgbClr val="0000FF"/>
+                </a:solidFill>
+                <a:highlight>
+                  <a:srgbClr val="FFFFFF"/>
+                </a:highlight>
+                <a:latin typeface="Consolas" panose="020B0609020204030204" pitchFamily="49" charset="0"/>
+              </a:rPr>
+              <a:t>var</a:t>
+            </a:r>
+            <a:r>
+              <a:rPr lang="en-US" sz="2000" dirty="0">
+                <a:solidFill>
+                  <a:srgbClr val="000000"/>
+                </a:solidFill>
+                <a:highlight>
+                  <a:srgbClr val="FFFFFF"/>
+                </a:highlight>
+                <a:latin typeface="Consolas" panose="020B0609020204030204" pitchFamily="49" charset="0"/>
+              </a:rPr>
+              <a:t> </a:t>
+            </a:r>
+            <a:r>
+              <a:rPr lang="en-US" sz="2000" dirty="0" err="1" smtClean="0">
+                <a:solidFill>
+                  <a:srgbClr val="000000"/>
+                </a:solidFill>
+                <a:highlight>
+                  <a:srgbClr val="FFFFFF"/>
+                </a:highlight>
+                <a:latin typeface="Consolas" panose="020B0609020204030204" pitchFamily="49" charset="0"/>
+              </a:rPr>
+              <a:t>sortedPeople</a:t>
+            </a:r>
+            <a:r>
+              <a:rPr lang="en-US" sz="2000" dirty="0" smtClean="0">
+                <a:solidFill>
+                  <a:srgbClr val="000000"/>
+                </a:solidFill>
+                <a:highlight>
+                  <a:srgbClr val="FFFFFF"/>
+                </a:highlight>
+                <a:latin typeface="Consolas" panose="020B0609020204030204" pitchFamily="49" charset="0"/>
+              </a:rPr>
+              <a:t> = </a:t>
+            </a:r>
+            <a:r>
+              <a:rPr lang="en-US" sz="2000" dirty="0" err="1" smtClean="0">
+                <a:solidFill>
+                  <a:srgbClr val="000000"/>
+                </a:solidFill>
+                <a:highlight>
+                  <a:srgbClr val="FFFFFF"/>
+                </a:highlight>
+                <a:latin typeface="Consolas" panose="020B0609020204030204" pitchFamily="49" charset="0"/>
+              </a:rPr>
+              <a:t>people.orderBy</a:t>
+            </a:r>
+            <a:r>
+              <a:rPr lang="en-US" sz="2000" dirty="0" smtClean="0">
+                <a:solidFill>
+                  <a:srgbClr val="000000"/>
+                </a:solidFill>
+                <a:highlight>
+                  <a:srgbClr val="FFFFFF"/>
+                </a:highlight>
+                <a:latin typeface="Consolas" panose="020B0609020204030204" pitchFamily="49" charset="0"/>
+              </a:rPr>
+              <a:t>(f </a:t>
+            </a:r>
+            <a:r>
+              <a:rPr lang="en-US" sz="2000" dirty="0">
+                <a:solidFill>
+                  <a:srgbClr val="000000"/>
+                </a:solidFill>
+                <a:highlight>
+                  <a:srgbClr val="FFFFFF"/>
+                </a:highlight>
+                <a:latin typeface="Consolas" panose="020B0609020204030204" pitchFamily="49" charset="0"/>
+              </a:rPr>
+              <a:t>=&gt; </a:t>
+            </a:r>
+            <a:r>
+              <a:rPr lang="en-US" sz="2000" dirty="0" err="1" smtClean="0">
+                <a:solidFill>
+                  <a:srgbClr val="000000"/>
+                </a:solidFill>
+                <a:highlight>
+                  <a:srgbClr val="FFFFFF"/>
+                </a:highlight>
+                <a:latin typeface="Consolas" panose="020B0609020204030204" pitchFamily="49" charset="0"/>
+              </a:rPr>
+              <a:t>f.age</a:t>
+            </a:r>
+            <a:r>
+              <a:rPr lang="en-US" sz="2000" dirty="0" smtClean="0">
+                <a:solidFill>
+                  <a:srgbClr val="000000"/>
+                </a:solidFill>
+                <a:highlight>
+                  <a:srgbClr val="FFFFFF"/>
+                </a:highlight>
+                <a:latin typeface="Consolas" panose="020B0609020204030204" pitchFamily="49" charset="0"/>
+              </a:rPr>
+              <a:t>);</a:t>
+            </a:r>
+          </a:p>
+          <a:p>
+            <a:pPr marL="0" indent="0">
+              <a:buNone/>
+            </a:pPr>
+            <a:endParaRPr lang="en-US" sz="2000" dirty="0">
+              <a:solidFill>
+                <a:srgbClr val="000000"/>
+              </a:solidFill>
+              <a:highlight>
+                <a:srgbClr val="FFFFFF"/>
+              </a:highlight>
+              <a:latin typeface="Consolas" panose="020B0609020204030204" pitchFamily="49" charset="0"/>
+            </a:endParaRPr>
+          </a:p>
+          <a:p>
+            <a:pPr marL="0" indent="0">
+              <a:buNone/>
+            </a:pPr>
+            <a:r>
+              <a:rPr lang="en-US" sz="2000" dirty="0" smtClean="0">
+                <a:solidFill>
+                  <a:schemeClr val="accent6">
+                    <a:lumMod val="75000"/>
+                  </a:schemeClr>
+                </a:solidFill>
+                <a:highlight>
+                  <a:srgbClr val="FFFFFF"/>
+                </a:highlight>
+                <a:latin typeface="Consolas" panose="020B0609020204030204" pitchFamily="49" charset="0"/>
+              </a:rPr>
+              <a:t>// </a:t>
+            </a:r>
+            <a:r>
+              <a:rPr lang="ru-RU" sz="2000" dirty="0">
+                <a:solidFill>
+                  <a:schemeClr val="accent6">
+                    <a:lumMod val="75000"/>
+                  </a:schemeClr>
+                </a:solidFill>
+                <a:highlight>
+                  <a:srgbClr val="FFFFFF"/>
+                </a:highlight>
+                <a:latin typeface="Consolas" panose="020B0609020204030204" pitchFamily="49" charset="0"/>
+              </a:rPr>
+              <a:t>или так (</a:t>
+            </a:r>
+            <a:r>
+              <a:rPr lang="en-US" sz="2000" dirty="0">
+                <a:solidFill>
+                  <a:schemeClr val="accent6">
+                    <a:lumMod val="75000"/>
+                  </a:schemeClr>
+                </a:solidFill>
+                <a:highlight>
+                  <a:srgbClr val="FFFFFF"/>
+                </a:highlight>
+                <a:latin typeface="Consolas" panose="020B0609020204030204" pitchFamily="49" charset="0"/>
+              </a:rPr>
+              <a:t>ES5)</a:t>
+            </a:r>
+            <a:r>
+              <a:rPr lang="ru-RU" sz="2000" dirty="0">
+                <a:solidFill>
+                  <a:schemeClr val="accent6">
+                    <a:lumMod val="75000"/>
+                  </a:schemeClr>
+                </a:solidFill>
+                <a:highlight>
+                  <a:srgbClr val="FFFFFF"/>
+                </a:highlight>
+                <a:latin typeface="Consolas" panose="020B0609020204030204" pitchFamily="49" charset="0"/>
+              </a:rPr>
+              <a:t>:</a:t>
+            </a:r>
+            <a:endParaRPr lang="en-US" sz="2000" dirty="0">
+              <a:solidFill>
+                <a:schemeClr val="accent6">
+                  <a:lumMod val="75000"/>
+                </a:schemeClr>
+              </a:solidFill>
+              <a:highlight>
+                <a:srgbClr val="FFFFFF"/>
+              </a:highlight>
+              <a:latin typeface="Consolas" panose="020B0609020204030204" pitchFamily="49" charset="0"/>
+            </a:endParaRPr>
+          </a:p>
+          <a:p>
+            <a:pPr marL="0" indent="0">
+              <a:buNone/>
+            </a:pPr>
+            <a:endParaRPr lang="en-US" sz="2000" dirty="0">
+              <a:solidFill>
+                <a:srgbClr val="000000"/>
+              </a:solidFill>
+              <a:highlight>
+                <a:srgbClr val="FFFFFF"/>
+              </a:highlight>
+              <a:latin typeface="Consolas" panose="020B0609020204030204" pitchFamily="49" charset="0"/>
+            </a:endParaRPr>
+          </a:p>
+          <a:p>
+            <a:pPr marL="0" indent="0">
+              <a:buNone/>
+            </a:pPr>
+            <a:r>
+              <a:rPr lang="en-US" sz="2000" dirty="0" err="1">
+                <a:solidFill>
+                  <a:srgbClr val="0000FF"/>
+                </a:solidFill>
+                <a:highlight>
+                  <a:srgbClr val="FFFFFF"/>
+                </a:highlight>
+                <a:latin typeface="Consolas" panose="020B0609020204030204" pitchFamily="49" charset="0"/>
+              </a:rPr>
+              <a:t>var</a:t>
+            </a:r>
+            <a:r>
+              <a:rPr lang="en-US" sz="2000" dirty="0">
+                <a:solidFill>
+                  <a:srgbClr val="000000"/>
+                </a:solidFill>
+                <a:highlight>
+                  <a:srgbClr val="FFFFFF"/>
+                </a:highlight>
+                <a:latin typeface="Consolas" panose="020B0609020204030204" pitchFamily="49" charset="0"/>
+              </a:rPr>
+              <a:t> </a:t>
+            </a:r>
+            <a:r>
+              <a:rPr lang="en-US" sz="2000" dirty="0" err="1">
+                <a:solidFill>
+                  <a:srgbClr val="000000"/>
+                </a:solidFill>
+                <a:highlight>
+                  <a:srgbClr val="FFFFFF"/>
+                </a:highlight>
+                <a:latin typeface="Consolas" panose="020B0609020204030204" pitchFamily="49" charset="0"/>
+              </a:rPr>
+              <a:t>sortedPeople</a:t>
+            </a:r>
+            <a:r>
+              <a:rPr lang="en-US" sz="2000" dirty="0">
+                <a:solidFill>
+                  <a:srgbClr val="000000"/>
+                </a:solidFill>
+                <a:highlight>
+                  <a:srgbClr val="FFFFFF"/>
+                </a:highlight>
+                <a:latin typeface="Consolas" panose="020B0609020204030204" pitchFamily="49" charset="0"/>
+              </a:rPr>
+              <a:t> </a:t>
+            </a:r>
+            <a:r>
+              <a:rPr lang="en-US" sz="2000" dirty="0" smtClean="0">
+                <a:solidFill>
+                  <a:srgbClr val="000000"/>
+                </a:solidFill>
+                <a:highlight>
+                  <a:srgbClr val="FFFFFF"/>
+                </a:highlight>
+                <a:latin typeface="Consolas" panose="020B0609020204030204" pitchFamily="49" charset="0"/>
+              </a:rPr>
+              <a:t>= </a:t>
+            </a:r>
+            <a:r>
+              <a:rPr lang="en-US" sz="2000" dirty="0" err="1" smtClean="0">
+                <a:solidFill>
+                  <a:srgbClr val="000000"/>
+                </a:solidFill>
+                <a:highlight>
+                  <a:srgbClr val="FFFFFF"/>
+                </a:highlight>
+                <a:latin typeface="Consolas" panose="020B0609020204030204" pitchFamily="49" charset="0"/>
+              </a:rPr>
+              <a:t>people.orderBy</a:t>
+            </a:r>
+            <a:r>
+              <a:rPr lang="en-US" sz="2000" dirty="0" smtClean="0">
+                <a:solidFill>
+                  <a:srgbClr val="000000"/>
+                </a:solidFill>
+                <a:highlight>
+                  <a:srgbClr val="FFFFFF"/>
+                </a:highlight>
+                <a:latin typeface="Consolas" panose="020B0609020204030204" pitchFamily="49" charset="0"/>
+              </a:rPr>
+              <a:t>(</a:t>
+            </a:r>
+            <a:r>
+              <a:rPr lang="en-US" sz="2000" dirty="0" smtClean="0">
+                <a:solidFill>
+                  <a:srgbClr val="0000FF"/>
+                </a:solidFill>
+                <a:highlight>
+                  <a:srgbClr val="FFFFFF"/>
+                </a:highlight>
+                <a:latin typeface="Consolas" panose="020B0609020204030204" pitchFamily="49" charset="0"/>
+              </a:rPr>
+              <a:t>function</a:t>
+            </a:r>
+            <a:r>
+              <a:rPr lang="en-US" sz="2000" dirty="0" smtClean="0">
+                <a:solidFill>
+                  <a:srgbClr val="000000"/>
+                </a:solidFill>
+                <a:highlight>
+                  <a:srgbClr val="FFFFFF"/>
+                </a:highlight>
+                <a:latin typeface="Consolas" panose="020B0609020204030204" pitchFamily="49" charset="0"/>
+              </a:rPr>
+              <a:t>(</a:t>
+            </a:r>
+            <a:r>
+              <a:rPr lang="en-US" sz="2000" dirty="0">
+                <a:highlight>
+                  <a:srgbClr val="FFFFFF"/>
+                </a:highlight>
+                <a:latin typeface="Consolas" panose="020B0609020204030204" pitchFamily="49" charset="0"/>
+              </a:rPr>
+              <a:t>p</a:t>
+            </a:r>
+            <a:r>
+              <a:rPr lang="en-US" sz="2000" dirty="0" smtClean="0">
+                <a:solidFill>
+                  <a:srgbClr val="000000"/>
+                </a:solidFill>
+                <a:highlight>
+                  <a:srgbClr val="FFFFFF"/>
+                </a:highlight>
+                <a:latin typeface="Consolas" panose="020B0609020204030204" pitchFamily="49" charset="0"/>
+              </a:rPr>
+              <a:t>) </a:t>
+            </a:r>
+            <a:r>
+              <a:rPr lang="en-US" sz="2000" dirty="0">
+                <a:solidFill>
+                  <a:srgbClr val="000000"/>
+                </a:solidFill>
+                <a:highlight>
+                  <a:srgbClr val="FFFFFF"/>
+                </a:highlight>
+                <a:latin typeface="Consolas" panose="020B0609020204030204" pitchFamily="49" charset="0"/>
+              </a:rPr>
+              <a:t>{ </a:t>
+            </a:r>
+          </a:p>
+          <a:p>
+            <a:pPr marL="0" indent="0">
+              <a:buNone/>
+            </a:pPr>
+            <a:r>
+              <a:rPr lang="en-US" sz="2000" dirty="0">
+                <a:solidFill>
+                  <a:srgbClr val="000000"/>
+                </a:solidFill>
+                <a:highlight>
+                  <a:srgbClr val="FFFFFF"/>
+                </a:highlight>
+                <a:latin typeface="Consolas" panose="020B0609020204030204" pitchFamily="49" charset="0"/>
+              </a:rPr>
+              <a:t>	</a:t>
+            </a:r>
+            <a:r>
+              <a:rPr lang="en-US" sz="2000" dirty="0">
+                <a:solidFill>
+                  <a:srgbClr val="0000FF"/>
+                </a:solidFill>
+                <a:highlight>
+                  <a:srgbClr val="FFFFFF"/>
+                </a:highlight>
+                <a:latin typeface="Consolas" panose="020B0609020204030204" pitchFamily="49" charset="0"/>
+              </a:rPr>
+              <a:t>return</a:t>
+            </a:r>
+            <a:r>
+              <a:rPr lang="en-US" sz="2000" dirty="0">
+                <a:solidFill>
+                  <a:srgbClr val="000000"/>
+                </a:solidFill>
+                <a:highlight>
+                  <a:srgbClr val="FFFFFF"/>
+                </a:highlight>
+                <a:latin typeface="Consolas" panose="020B0609020204030204" pitchFamily="49" charset="0"/>
+              </a:rPr>
+              <a:t> </a:t>
+            </a:r>
+            <a:r>
+              <a:rPr lang="en-US" sz="2000" dirty="0" err="1" smtClean="0">
+                <a:solidFill>
+                  <a:srgbClr val="000000"/>
+                </a:solidFill>
+                <a:highlight>
+                  <a:srgbClr val="FFFFFF"/>
+                </a:highlight>
+                <a:latin typeface="Consolas" panose="020B0609020204030204" pitchFamily="49" charset="0"/>
+              </a:rPr>
+              <a:t>p.age</a:t>
+            </a:r>
+            <a:r>
+              <a:rPr lang="en-US" sz="2000" dirty="0" smtClean="0">
+                <a:solidFill>
+                  <a:srgbClr val="000000"/>
+                </a:solidFill>
+                <a:highlight>
+                  <a:srgbClr val="FFFFFF"/>
+                </a:highlight>
+                <a:latin typeface="Consolas" panose="020B0609020204030204" pitchFamily="49" charset="0"/>
+              </a:rPr>
+              <a:t>;</a:t>
+            </a:r>
+            <a:endParaRPr lang="en-US" sz="2000" dirty="0">
+              <a:solidFill>
+                <a:srgbClr val="000000"/>
+              </a:solidFill>
+              <a:highlight>
+                <a:srgbClr val="FFFFFF"/>
+              </a:highlight>
+              <a:latin typeface="Consolas" panose="020B0609020204030204" pitchFamily="49" charset="0"/>
+            </a:endParaRPr>
+          </a:p>
+          <a:p>
+            <a:pPr marL="0" indent="0">
+              <a:buNone/>
+            </a:pPr>
+            <a:r>
+              <a:rPr lang="en-US" sz="2000" dirty="0" smtClean="0">
+                <a:solidFill>
+                  <a:srgbClr val="000000"/>
+                </a:solidFill>
+                <a:highlight>
+                  <a:srgbClr val="FFFFFF"/>
+                </a:highlight>
+                <a:latin typeface="Consolas" panose="020B0609020204030204" pitchFamily="49" charset="0"/>
+              </a:rPr>
+              <a:t>});</a:t>
+            </a:r>
+            <a:endParaRPr lang="ru-RU" sz="2000" dirty="0"/>
+          </a:p>
+        </p:txBody>
+      </p:sp>
+    </p:spTree>
+    <p:extLst>
+      <p:ext uri="{BB962C8B-B14F-4D97-AF65-F5344CB8AC3E}">
+        <p14:creationId xmlns:p14="http://schemas.microsoft.com/office/powerpoint/2010/main" val="3712367188"/>
+      </p:ext>
+    </p:extLst>
+  </p:cSld>
+  <p:clrMapOvr>
+    <a:masterClrMapping/>
+  </p:clrMapOvr>
+  <p:timing>
+    <p:tnLst>
+      <p:par>
+        <p:cTn id="1" dur="indefinite" restart="never" nodeType="tmRoot"/>
+      </p:par>
+    </p:tnLst>
+  </p:timing>
+</p:sld>
+</file>
+
+<file path=ppt/slides/slide41.xml><?xml version="1.0" encoding="utf-8"?>
+<p:sld xmlns:a="http://schemas.openxmlformats.org/drawingml/2006/main" xmlns:r="http://schemas.openxmlformats.org/officeDocument/2006/relationships" xmlns:p="http://schemas.openxmlformats.org/presentationml/2006/main">
+  <p:cSld>
+    <p:spTree>
+      <p:nvGrpSpPr>
+        <p:cNvPr id="1" name=""/>
+        <p:cNvGrpSpPr/>
+        <p:nvPr/>
+      </p:nvGrpSpPr>
+      <p:grpSpPr>
+        <a:xfrm>
+          <a:off x="0" y="0"/>
+          <a:ext cx="0" cy="0"/>
+          <a:chOff x="0" y="0"/>
+          <a:chExt cx="0" cy="0"/>
+        </a:xfrm>
+      </p:grpSpPr>
+      <p:sp>
+        <p:nvSpPr>
+          <p:cNvPr id="2" name="Заголовок 1"/>
+          <p:cNvSpPr>
+            <a:spLocks noGrp="1"/>
+          </p:cNvSpPr>
+          <p:nvPr>
+            <p:ph type="title"/>
+          </p:nvPr>
+        </p:nvSpPr>
         <p:spPr/>
         <p:txBody>
           <a:bodyPr/>
@@ -19340,7 +19667,7 @@
 </p:sld>
 </file>
 
-<file path=ppt/slides/slide41.xml><?xml version="1.0" encoding="utf-8"?>
+<file path=ppt/slides/slide42.xml><?xml version="1.0" encoding="utf-8"?>
 <p:sld xmlns:a="http://schemas.openxmlformats.org/drawingml/2006/main" xmlns:r="http://schemas.openxmlformats.org/officeDocument/2006/relationships" xmlns:p="http://schemas.openxmlformats.org/presentationml/2006/main">
   <p:cSld>
     <p:spTree>
